--- a/Modules/Module 4 - Advanced Docker/Module 4 - Advanced Docker.pptx
+++ b/Modules/Module 4 - Advanced Docker/Module 4 - Advanced Docker.pptx
@@ -119,19 +119,40 @@
       </a:defRPr>
     </a:lvl9pPr>
   </p:defaultTextStyle>
+  <p:extLst>
+    <p:ext uri="{EFAFB233-063F-42B5-8137-9DF3F51BA10A}">
+      <p15:sldGuideLst xmlns:p15="http://schemas.microsoft.com/office/powerpoint/2012/main"/>
+    </p:ext>
+  </p:extLst>
 </p:presentation>
 </file>
 
 <file path=ppt/revisionInfo.xml><?xml version="1.0" encoding="utf-8"?>
 <p1510:revInfo xmlns:a="http://schemas.openxmlformats.org/drawingml/2006/main" xmlns:r="http://schemas.openxmlformats.org/officeDocument/2006/relationships" xmlns:p1510="http://schemas.microsoft.com/office/powerpoint/2015/10/main">
   <p1510:revLst>
-    <p1510:client id="{BF8927D3-7FAE-4DEF-8C7D-54DC9DA3C42F}" v="5953" dt="2018-06-15T16:58:31.311"/>
+    <p1510:client id="{157AC444-9F31-4E60-84AD-9B5CC09F8732}" v="394" dt="2018-07-16T14:10:18.330"/>
   </p1510:revLst>
 </p1510:revInfo>
 </file>
 
 <file path=ppt/changesInfos/changesInfo1.xml><?xml version="1.0" encoding="utf-8"?>
 <pc:chgInfo xmlns:a="http://schemas.openxmlformats.org/drawingml/2006/main" xmlns:r="http://schemas.openxmlformats.org/officeDocument/2006/relationships" xmlns:ac="http://schemas.microsoft.com/office/drawing/2013/main/command" xmlns:pc="http://schemas.microsoft.com/office/powerpoint/2013/main/command">
+  <pc:docChgLst>
+    <pc:chgData name="Jim Cheshire" userId="b85fe55d-f0de-4d09-bc19-562bc869f811" providerId="ADAL" clId="{157AC444-9F31-4E60-84AD-9B5CC09F8732}"/>
+    <pc:docChg chg="custSel modSld">
+      <pc:chgData name="Jim Cheshire" userId="b85fe55d-f0de-4d09-bc19-562bc869f811" providerId="ADAL" clId="{157AC444-9F31-4E60-84AD-9B5CC09F8732}" dt="2018-07-16T14:10:18.330" v="393" actId="20577"/>
+      <pc:docMkLst>
+        <pc:docMk/>
+      </pc:docMkLst>
+      <pc:sldChg chg="modNotesTx">
+        <pc:chgData name="Jim Cheshire" userId="b85fe55d-f0de-4d09-bc19-562bc869f811" providerId="ADAL" clId="{157AC444-9F31-4E60-84AD-9B5CC09F8732}" dt="2018-07-16T14:10:18.330" v="393" actId="20577"/>
+        <pc:sldMkLst>
+          <pc:docMk/>
+          <pc:sldMk cId="4242237458" sldId="261"/>
+        </pc:sldMkLst>
+      </pc:sldChg>
+    </pc:docChg>
+  </pc:docChgLst>
   <pc:docChgLst>
     <pc:chgData name="Jim Cheshire" userId="b85fe55d-f0de-4d09-bc19-562bc869f811" providerId="ADAL" clId="{BF8927D3-7FAE-4DEF-8C7D-54DC9DA3C42F}"/>
     <pc:docChg chg="custSel addSld delSld modSld">
@@ -262,29 +283,6 @@
           </ac:spMkLst>
         </pc:spChg>
       </pc:sldChg>
-      <pc:sldChg chg="addSp modSp add del">
-        <pc:chgData name="Jim Cheshire" userId="b85fe55d-f0de-4d09-bc19-562bc869f811" providerId="ADAL" clId="{BF8927D3-7FAE-4DEF-8C7D-54DC9DA3C42F}" dt="2018-06-15T16:53:58.606" v="5090" actId="2696"/>
-        <pc:sldMkLst>
-          <pc:docMk/>
-          <pc:sldMk cId="3593518726" sldId="264"/>
-        </pc:sldMkLst>
-        <pc:spChg chg="add mod">
-          <ac:chgData name="Jim Cheshire" userId="b85fe55d-f0de-4d09-bc19-562bc869f811" providerId="ADAL" clId="{BF8927D3-7FAE-4DEF-8C7D-54DC9DA3C42F}" dt="2018-06-15T15:55:50.811" v="3748" actId="20577"/>
-          <ac:spMkLst>
-            <pc:docMk/>
-            <pc:sldMk cId="3593518726" sldId="264"/>
-            <ac:spMk id="2" creationId="{F0D23371-E0E8-4F8F-932A-3B613C15832E}"/>
-          </ac:spMkLst>
-        </pc:spChg>
-        <pc:spChg chg="add mod">
-          <ac:chgData name="Jim Cheshire" userId="b85fe55d-f0de-4d09-bc19-562bc869f811" providerId="ADAL" clId="{BF8927D3-7FAE-4DEF-8C7D-54DC9DA3C42F}" dt="2018-06-15T15:56:07.890" v="3782" actId="20577"/>
-          <ac:spMkLst>
-            <pc:docMk/>
-            <pc:sldMk cId="3593518726" sldId="264"/>
-            <ac:spMk id="3" creationId="{28075C33-7B36-41AA-99DD-158927CF0B4E}"/>
-          </ac:spMkLst>
-        </pc:spChg>
-      </pc:sldChg>
       <pc:sldChg chg="modSp add">
         <pc:chgData name="Jim Cheshire" userId="b85fe55d-f0de-4d09-bc19-562bc869f811" providerId="ADAL" clId="{BF8927D3-7FAE-4DEF-8C7D-54DC9DA3C42F}" dt="2018-06-15T16:09:54.180" v="4369" actId="20577"/>
         <pc:sldMkLst>
@@ -377,45 +375,6 @@
           </ac:spMkLst>
         </pc:spChg>
       </pc:sldChg>
-      <pc:sldChg chg="addSp delSp modSp add del">
-        <pc:chgData name="Jim Cheshire" userId="b85fe55d-f0de-4d09-bc19-562bc869f811" providerId="ADAL" clId="{BF8927D3-7FAE-4DEF-8C7D-54DC9DA3C42F}" dt="2018-06-15T16:53:53.709" v="5089" actId="2696"/>
-        <pc:sldMkLst>
-          <pc:docMk/>
-          <pc:sldMk cId="1332134217" sldId="268"/>
-        </pc:sldMkLst>
-        <pc:spChg chg="del">
-          <ac:chgData name="Jim Cheshire" userId="b85fe55d-f0de-4d09-bc19-562bc869f811" providerId="ADAL" clId="{BF8927D3-7FAE-4DEF-8C7D-54DC9DA3C42F}" dt="2018-06-15T16:53:07.339" v="5088"/>
-          <ac:spMkLst>
-            <pc:docMk/>
-            <pc:sldMk cId="1332134217" sldId="268"/>
-            <ac:spMk id="2" creationId="{A3105E8D-9596-4274-9F5E-4CB889A7223D}"/>
-          </ac:spMkLst>
-        </pc:spChg>
-        <pc:spChg chg="del">
-          <ac:chgData name="Jim Cheshire" userId="b85fe55d-f0de-4d09-bc19-562bc869f811" providerId="ADAL" clId="{BF8927D3-7FAE-4DEF-8C7D-54DC9DA3C42F}" dt="2018-06-15T16:53:07.339" v="5088"/>
-          <ac:spMkLst>
-            <pc:docMk/>
-            <pc:sldMk cId="1332134217" sldId="268"/>
-            <ac:spMk id="3" creationId="{6583E659-F39A-4347-BC40-FCEDE5295CF5}"/>
-          </ac:spMkLst>
-        </pc:spChg>
-        <pc:spChg chg="add mod">
-          <ac:chgData name="Jim Cheshire" userId="b85fe55d-f0de-4d09-bc19-562bc869f811" providerId="ADAL" clId="{BF8927D3-7FAE-4DEF-8C7D-54DC9DA3C42F}" dt="2018-06-15T16:53:07.339" v="5088"/>
-          <ac:spMkLst>
-            <pc:docMk/>
-            <pc:sldMk cId="1332134217" sldId="268"/>
-            <ac:spMk id="4" creationId="{379669F0-F769-4879-85CB-A328BDFD3BF2}"/>
-          </ac:spMkLst>
-        </pc:spChg>
-        <pc:spChg chg="add mod">
-          <ac:chgData name="Jim Cheshire" userId="b85fe55d-f0de-4d09-bc19-562bc869f811" providerId="ADAL" clId="{BF8927D3-7FAE-4DEF-8C7D-54DC9DA3C42F}" dt="2018-06-15T16:53:07.339" v="5088"/>
-          <ac:spMkLst>
-            <pc:docMk/>
-            <pc:sldMk cId="1332134217" sldId="268"/>
-            <ac:spMk id="5" creationId="{422638B3-DDF8-4605-B020-D9600661A6CC}"/>
-          </ac:spMkLst>
-        </pc:spChg>
-      </pc:sldChg>
       <pc:sldChg chg="modSp add modNotesTx">
         <pc:chgData name="Jim Cheshire" userId="b85fe55d-f0de-4d09-bc19-562bc869f811" providerId="ADAL" clId="{BF8927D3-7FAE-4DEF-8C7D-54DC9DA3C42F}" dt="2018-06-15T16:58:31.311" v="5936" actId="20577"/>
         <pc:sldMkLst>
@@ -518,7 +477,7 @@
           <a:p>
             <a:fld id="{89266479-4BF4-4BDA-B78B-D51F13CE1731}" type="datetimeFigureOut">
               <a:rPr lang="en-US" smtClean="0"/>
-              <a:t>6/15/2018</a:t>
+              <a:t>7/16/2018</a:t>
             </a:fld>
             <a:endParaRPr lang="en-US"/>
           </a:p>
@@ -1332,6 +1291,20 @@
               <a:t> script ARE run on the image’s OS. </a:t>
             </a:r>
           </a:p>
+          <a:p>
+            <a:pPr marL="171450" lvl="0" indent="-171450">
+              <a:buFont typeface="Arial" panose="020B0604020202020204" pitchFamily="34" charset="0"/>
+              <a:buChar char="•"/>
+            </a:pPr>
+            <a:r>
+              <a:rPr lang="en-US" dirty="0"/>
+              <a:t>This is a good place to explain that EXPOSE simply makes the port available on the container’s network. If you want to allow communication over the port to other Docker containers outside of that network or to the host machine, you need to publish the port. This can be done using the –p option in “docker run”. More on “docker run</a:t>
+            </a:r>
+            <a:r>
+              <a:rPr lang="en-US"/>
+              <a:t>” later.</a:t>
+            </a:r>
+          </a:p>
         </p:txBody>
       </p:sp>
       <p:sp>
@@ -2299,7 +2272,7 @@
           <a:noFill/>
           <a:extLst>
             <a:ext uri="{909E8E84-426E-40dd-AFC4-6F175D3DCCD1}">
-              <a14:hiddenFill xmlns:a14="http://schemas.microsoft.com/office/drawing/2010/main" xmlns="">
+              <a14:hiddenFill xmlns="" xmlns:a14="http://schemas.microsoft.com/office/drawing/2010/main">
                 <a:solidFill>
                   <a:srgbClr val="FFFFFF"/>
                 </a:solidFill>
@@ -2358,7 +2331,7 @@
             </a:ln>
             <a:extLst>
               <a:ext uri="{91240B29-F687-4f45-9708-019B960494DF}">
-                <a14:hiddenLine xmlns:a14="http://schemas.microsoft.com/office/drawing/2010/main" xmlns="" w="9525">
+                <a14:hiddenLine xmlns="" xmlns:a14="http://schemas.microsoft.com/office/drawing/2010/main" w="9525">
                   <a:solidFill>
                     <a:srgbClr val="000000"/>
                   </a:solidFill>
@@ -2448,7 +2421,7 @@
             </a:ln>
             <a:extLst>
               <a:ext uri="{91240B29-F687-4f45-9708-019B960494DF}">
-                <a14:hiddenLine xmlns:a14="http://schemas.microsoft.com/office/drawing/2010/main" xmlns="" w="9525">
+                <a14:hiddenLine xmlns="" xmlns:a14="http://schemas.microsoft.com/office/drawing/2010/main" w="9525">
                   <a:solidFill>
                     <a:srgbClr val="000000"/>
                   </a:solidFill>
@@ -2538,7 +2511,7 @@
             </a:ln>
             <a:extLst>
               <a:ext uri="{91240B29-F687-4f45-9708-019B960494DF}">
-                <a14:hiddenLine xmlns:a14="http://schemas.microsoft.com/office/drawing/2010/main" xmlns="" w="9525">
+                <a14:hiddenLine xmlns="" xmlns:a14="http://schemas.microsoft.com/office/drawing/2010/main" w="9525">
                   <a:solidFill>
                     <a:srgbClr val="000000"/>
                   </a:solidFill>
@@ -2572,7 +2545,7 @@
             </a:ln>
             <a:extLst>
               <a:ext uri="{91240B29-F687-4f45-9708-019B960494DF}">
-                <a14:hiddenLine xmlns:a14="http://schemas.microsoft.com/office/drawing/2010/main" xmlns="" w="9525">
+                <a14:hiddenLine xmlns="" xmlns:a14="http://schemas.microsoft.com/office/drawing/2010/main" w="9525">
                   <a:solidFill>
                     <a:srgbClr val="000000"/>
                   </a:solidFill>
@@ -2662,7 +2635,7 @@
             </a:ln>
             <a:extLst>
               <a:ext uri="{91240B29-F687-4f45-9708-019B960494DF}">
-                <a14:hiddenLine xmlns:a14="http://schemas.microsoft.com/office/drawing/2010/main" xmlns="" w="9525">
+                <a14:hiddenLine xmlns="" xmlns:a14="http://schemas.microsoft.com/office/drawing/2010/main" w="9525">
                   <a:solidFill>
                     <a:srgbClr val="000000"/>
                   </a:solidFill>
@@ -2724,7 +2697,7 @@
             </a:ln>
             <a:extLst>
               <a:ext uri="{91240B29-F687-4f45-9708-019B960494DF}">
-                <a14:hiddenLine xmlns:a14="http://schemas.microsoft.com/office/drawing/2010/main" xmlns="" w="9525">
+                <a14:hiddenLine xmlns="" xmlns:a14="http://schemas.microsoft.com/office/drawing/2010/main" w="9525">
                   <a:solidFill>
                     <a:srgbClr val="000000"/>
                   </a:solidFill>
@@ -2786,7 +2759,7 @@
             </a:ln>
             <a:extLst>
               <a:ext uri="{91240B29-F687-4f45-9708-019B960494DF}">
-                <a14:hiddenLine xmlns:a14="http://schemas.microsoft.com/office/drawing/2010/main" xmlns="" w="9525">
+                <a14:hiddenLine xmlns="" xmlns:a14="http://schemas.microsoft.com/office/drawing/2010/main" w="9525">
                   <a:solidFill>
                     <a:srgbClr val="000000"/>
                   </a:solidFill>
@@ -2876,7 +2849,7 @@
             </a:ln>
             <a:extLst>
               <a:ext uri="{91240B29-F687-4f45-9708-019B960494DF}">
-                <a14:hiddenLine xmlns:a14="http://schemas.microsoft.com/office/drawing/2010/main" xmlns="" w="9525">
+                <a14:hiddenLine xmlns="" xmlns:a14="http://schemas.microsoft.com/office/drawing/2010/main" w="9525">
                   <a:solidFill>
                     <a:srgbClr val="000000"/>
                   </a:solidFill>
@@ -2938,7 +2911,7 @@
             </a:ln>
             <a:extLst>
               <a:ext uri="{91240B29-F687-4f45-9708-019B960494DF}">
-                <a14:hiddenLine xmlns:a14="http://schemas.microsoft.com/office/drawing/2010/main" xmlns="" w="9525">
+                <a14:hiddenLine xmlns="" xmlns:a14="http://schemas.microsoft.com/office/drawing/2010/main" w="9525">
                   <a:solidFill>
                     <a:srgbClr val="000000"/>
                   </a:solidFill>
@@ -3000,7 +2973,7 @@
             </a:ln>
             <a:extLst>
               <a:ext uri="{91240B29-F687-4f45-9708-019B960494DF}">
-                <a14:hiddenLine xmlns:a14="http://schemas.microsoft.com/office/drawing/2010/main" xmlns="" w="9525">
+                <a14:hiddenLine xmlns="" xmlns:a14="http://schemas.microsoft.com/office/drawing/2010/main" w="9525">
                   <a:solidFill>
                     <a:srgbClr val="000000"/>
                   </a:solidFill>
@@ -3090,7 +3063,7 @@
             </a:ln>
             <a:extLst>
               <a:ext uri="{91240B29-F687-4f45-9708-019B960494DF}">
-                <a14:hiddenLine xmlns:a14="http://schemas.microsoft.com/office/drawing/2010/main" xmlns="" w="9525">
+                <a14:hiddenLine xmlns="" xmlns:a14="http://schemas.microsoft.com/office/drawing/2010/main" w="9525">
                   <a:solidFill>
                     <a:srgbClr val="000000"/>
                   </a:solidFill>
@@ -3180,7 +3153,7 @@
             </a:ln>
             <a:extLst>
               <a:ext uri="{91240B29-F687-4f45-9708-019B960494DF}">
-                <a14:hiddenLine xmlns:a14="http://schemas.microsoft.com/office/drawing/2010/main" xmlns="" w="9525">
+                <a14:hiddenLine xmlns="" xmlns:a14="http://schemas.microsoft.com/office/drawing/2010/main" w="9525">
                   <a:solidFill>
                     <a:srgbClr val="000000"/>
                   </a:solidFill>
@@ -3242,7 +3215,7 @@
             </a:ln>
             <a:extLst>
               <a:ext uri="{91240B29-F687-4f45-9708-019B960494DF}">
-                <a14:hiddenLine xmlns:a14="http://schemas.microsoft.com/office/drawing/2010/main" xmlns="" w="9525">
+                <a14:hiddenLine xmlns="" xmlns:a14="http://schemas.microsoft.com/office/drawing/2010/main" w="9525">
                   <a:solidFill>
                     <a:srgbClr val="000000"/>
                   </a:solidFill>
@@ -3352,7 +3325,7 @@
             </a:ln>
             <a:extLst>
               <a:ext uri="{91240B29-F687-4f45-9708-019B960494DF}">
-                <a14:hiddenLine xmlns:a14="http://schemas.microsoft.com/office/drawing/2010/main" xmlns="" w="9525">
+                <a14:hiddenLine xmlns="" xmlns:a14="http://schemas.microsoft.com/office/drawing/2010/main" w="9525">
                   <a:solidFill>
                     <a:srgbClr val="000000"/>
                   </a:solidFill>
@@ -3414,7 +3387,7 @@
             </a:ln>
             <a:extLst>
               <a:ext uri="{91240B29-F687-4f45-9708-019B960494DF}">
-                <a14:hiddenLine xmlns:a14="http://schemas.microsoft.com/office/drawing/2010/main" xmlns="" w="9525">
+                <a14:hiddenLine xmlns="" xmlns:a14="http://schemas.microsoft.com/office/drawing/2010/main" w="9525">
                   <a:solidFill>
                     <a:srgbClr val="000000"/>
                   </a:solidFill>
@@ -3504,7 +3477,7 @@
             </a:ln>
             <a:extLst>
               <a:ext uri="{91240B29-F687-4f45-9708-019B960494DF}">
-                <a14:hiddenLine xmlns:a14="http://schemas.microsoft.com/office/drawing/2010/main" xmlns="" w="9525">
+                <a14:hiddenLine xmlns="" xmlns:a14="http://schemas.microsoft.com/office/drawing/2010/main" w="9525">
                   <a:solidFill>
                     <a:srgbClr val="000000"/>
                   </a:solidFill>
@@ -3594,7 +3567,7 @@
             </a:ln>
             <a:extLst>
               <a:ext uri="{91240B29-F687-4f45-9708-019B960494DF}">
-                <a14:hiddenLine xmlns:a14="http://schemas.microsoft.com/office/drawing/2010/main" xmlns="" w="9525">
+                <a14:hiddenLine xmlns="" xmlns:a14="http://schemas.microsoft.com/office/drawing/2010/main" w="9525">
                   <a:solidFill>
                     <a:srgbClr val="000000"/>
                   </a:solidFill>
@@ -3656,7 +3629,7 @@
             </a:ln>
             <a:extLst>
               <a:ext uri="{91240B29-F687-4f45-9708-019B960494DF}">
-                <a14:hiddenLine xmlns:a14="http://schemas.microsoft.com/office/drawing/2010/main" xmlns="" w="9525">
+                <a14:hiddenLine xmlns="" xmlns:a14="http://schemas.microsoft.com/office/drawing/2010/main" w="9525">
                   <a:solidFill>
                     <a:srgbClr val="000000"/>
                   </a:solidFill>
@@ -3746,7 +3719,7 @@
             </a:ln>
             <a:extLst>
               <a:ext uri="{91240B29-F687-4f45-9708-019B960494DF}">
-                <a14:hiddenLine xmlns:a14="http://schemas.microsoft.com/office/drawing/2010/main" xmlns="" w="9525">
+                <a14:hiddenLine xmlns="" xmlns:a14="http://schemas.microsoft.com/office/drawing/2010/main" w="9525">
                   <a:solidFill>
                     <a:srgbClr val="000000"/>
                   </a:solidFill>
@@ -3836,7 +3809,7 @@
             </a:ln>
             <a:extLst>
               <a:ext uri="{91240B29-F687-4f45-9708-019B960494DF}">
-                <a14:hiddenLine xmlns:a14="http://schemas.microsoft.com/office/drawing/2010/main" xmlns="" w="9525">
+                <a14:hiddenLine xmlns="" xmlns:a14="http://schemas.microsoft.com/office/drawing/2010/main" w="9525">
                   <a:solidFill>
                     <a:srgbClr val="000000"/>
                   </a:solidFill>
@@ -3892,7 +3865,7 @@
             </a:ln>
             <a:extLst>
               <a:ext uri="{91240B29-F687-4f45-9708-019B960494DF}">
-                <a14:hiddenLine xmlns:a14="http://schemas.microsoft.com/office/drawing/2010/main" xmlns="" w="9525">
+                <a14:hiddenLine xmlns="" xmlns:a14="http://schemas.microsoft.com/office/drawing/2010/main" w="9525">
                   <a:solidFill>
                     <a:srgbClr val="000000"/>
                   </a:solidFill>
@@ -3982,7 +3955,7 @@
             </a:ln>
             <a:extLst>
               <a:ext uri="{91240B29-F687-4f45-9708-019B960494DF}">
-                <a14:hiddenLine xmlns:a14="http://schemas.microsoft.com/office/drawing/2010/main" xmlns="" w="9525">
+                <a14:hiddenLine xmlns="" xmlns:a14="http://schemas.microsoft.com/office/drawing/2010/main" w="9525">
                   <a:solidFill>
                     <a:srgbClr val="000000"/>
                   </a:solidFill>
@@ -4038,7 +4011,7 @@
             </a:ln>
             <a:extLst>
               <a:ext uri="{91240B29-F687-4f45-9708-019B960494DF}">
-                <a14:hiddenLine xmlns:a14="http://schemas.microsoft.com/office/drawing/2010/main" xmlns="" w="9525">
+                <a14:hiddenLine xmlns="" xmlns:a14="http://schemas.microsoft.com/office/drawing/2010/main" w="9525">
                   <a:solidFill>
                     <a:srgbClr val="000000"/>
                   </a:solidFill>
@@ -4128,7 +4101,7 @@
             </a:ln>
             <a:extLst>
               <a:ext uri="{91240B29-F687-4f45-9708-019B960494DF}">
-                <a14:hiddenLine xmlns:a14="http://schemas.microsoft.com/office/drawing/2010/main" xmlns="" w="9525">
+                <a14:hiddenLine xmlns="" xmlns:a14="http://schemas.microsoft.com/office/drawing/2010/main" w="9525">
                   <a:solidFill>
                     <a:srgbClr val="000000"/>
                   </a:solidFill>
@@ -4196,7 +4169,7 @@
             </a:ln>
             <a:extLst>
               <a:ext uri="{91240B29-F687-4f45-9708-019B960494DF}">
-                <a14:hiddenLine xmlns:a14="http://schemas.microsoft.com/office/drawing/2010/main" xmlns="" w="9525">
+                <a14:hiddenLine xmlns="" xmlns:a14="http://schemas.microsoft.com/office/drawing/2010/main" w="9525">
                   <a:solidFill>
                     <a:srgbClr val="000000"/>
                   </a:solidFill>
@@ -4286,7 +4259,7 @@
             </a:ln>
             <a:extLst>
               <a:ext uri="{91240B29-F687-4f45-9708-019B960494DF}">
-                <a14:hiddenLine xmlns:a14="http://schemas.microsoft.com/office/drawing/2010/main" xmlns="" w="9525">
+                <a14:hiddenLine xmlns="" xmlns:a14="http://schemas.microsoft.com/office/drawing/2010/main" w="9525">
                   <a:solidFill>
                     <a:srgbClr val="000000"/>
                   </a:solidFill>
@@ -4354,7 +4327,7 @@
             </a:ln>
             <a:extLst>
               <a:ext uri="{91240B29-F687-4f45-9708-019B960494DF}">
-                <a14:hiddenLine xmlns:a14="http://schemas.microsoft.com/office/drawing/2010/main" xmlns="" w="9525">
+                <a14:hiddenLine xmlns="" xmlns:a14="http://schemas.microsoft.com/office/drawing/2010/main" w="9525">
                   <a:solidFill>
                     <a:srgbClr val="000000"/>
                   </a:solidFill>
@@ -4444,7 +4417,7 @@
             </a:ln>
             <a:extLst>
               <a:ext uri="{91240B29-F687-4f45-9708-019B960494DF}">
-                <a14:hiddenLine xmlns:a14="http://schemas.microsoft.com/office/drawing/2010/main" xmlns="" w="9525">
+                <a14:hiddenLine xmlns="" xmlns:a14="http://schemas.microsoft.com/office/drawing/2010/main" w="9525">
                   <a:solidFill>
                     <a:srgbClr val="000000"/>
                   </a:solidFill>
@@ -4478,7 +4451,7 @@
             </a:ln>
             <a:extLst>
               <a:ext uri="{91240B29-F687-4f45-9708-019B960494DF}">
-                <a14:hiddenLine xmlns:a14="http://schemas.microsoft.com/office/drawing/2010/main" xmlns="" w="9525">
+                <a14:hiddenLine xmlns="" xmlns:a14="http://schemas.microsoft.com/office/drawing/2010/main" w="9525">
                   <a:solidFill>
                     <a:srgbClr val="000000"/>
                   </a:solidFill>
@@ -4568,7 +4541,7 @@
             </a:ln>
             <a:extLst>
               <a:ext uri="{91240B29-F687-4f45-9708-019B960494DF}">
-                <a14:hiddenLine xmlns:a14="http://schemas.microsoft.com/office/drawing/2010/main" xmlns="" w="9525">
+                <a14:hiddenLine xmlns="" xmlns:a14="http://schemas.microsoft.com/office/drawing/2010/main" w="9525">
                   <a:solidFill>
                     <a:srgbClr val="000000"/>
                   </a:solidFill>
@@ -4630,7 +4603,7 @@
             </a:ln>
             <a:extLst>
               <a:ext uri="{91240B29-F687-4f45-9708-019B960494DF}">
-                <a14:hiddenLine xmlns:a14="http://schemas.microsoft.com/office/drawing/2010/main" xmlns="" w="9525">
+                <a14:hiddenLine xmlns="" xmlns:a14="http://schemas.microsoft.com/office/drawing/2010/main" w="9525">
                   <a:solidFill>
                     <a:srgbClr val="000000"/>
                   </a:solidFill>
@@ -4692,7 +4665,7 @@
             </a:ln>
             <a:extLst>
               <a:ext uri="{91240B29-F687-4f45-9708-019B960494DF}">
-                <a14:hiddenLine xmlns:a14="http://schemas.microsoft.com/office/drawing/2010/main" xmlns="" w="9525">
+                <a14:hiddenLine xmlns="" xmlns:a14="http://schemas.microsoft.com/office/drawing/2010/main" w="9525">
                   <a:solidFill>
                     <a:srgbClr val="000000"/>
                   </a:solidFill>
@@ -4782,7 +4755,7 @@
             </a:ln>
             <a:extLst>
               <a:ext uri="{91240B29-F687-4f45-9708-019B960494DF}">
-                <a14:hiddenLine xmlns:a14="http://schemas.microsoft.com/office/drawing/2010/main" xmlns="" w="9525">
+                <a14:hiddenLine xmlns="" xmlns:a14="http://schemas.microsoft.com/office/drawing/2010/main" w="9525">
                   <a:solidFill>
                     <a:srgbClr val="000000"/>
                   </a:solidFill>
@@ -4850,7 +4823,7 @@
             </a:ln>
             <a:extLst>
               <a:ext uri="{91240B29-F687-4f45-9708-019B960494DF}">
-                <a14:hiddenLine xmlns:a14="http://schemas.microsoft.com/office/drawing/2010/main" xmlns="" w="9525">
+                <a14:hiddenLine xmlns="" xmlns:a14="http://schemas.microsoft.com/office/drawing/2010/main" w="9525">
                   <a:solidFill>
                     <a:srgbClr val="000000"/>
                   </a:solidFill>
@@ -4912,7 +4885,7 @@
             </a:ln>
             <a:extLst>
               <a:ext uri="{91240B29-F687-4f45-9708-019B960494DF}">
-                <a14:hiddenLine xmlns:a14="http://schemas.microsoft.com/office/drawing/2010/main" xmlns="" w="9525">
+                <a14:hiddenLine xmlns="" xmlns:a14="http://schemas.microsoft.com/office/drawing/2010/main" w="9525">
                   <a:solidFill>
                     <a:srgbClr val="000000"/>
                   </a:solidFill>
@@ -5002,7 +4975,7 @@
             </a:ln>
             <a:extLst>
               <a:ext uri="{91240B29-F687-4f45-9708-019B960494DF}">
-                <a14:hiddenLine xmlns:a14="http://schemas.microsoft.com/office/drawing/2010/main" xmlns="" w="9525">
+                <a14:hiddenLine xmlns="" xmlns:a14="http://schemas.microsoft.com/office/drawing/2010/main" w="9525">
                   <a:solidFill>
                     <a:srgbClr val="000000"/>
                   </a:solidFill>
@@ -5064,7 +5037,7 @@
             </a:ln>
             <a:extLst>
               <a:ext uri="{91240B29-F687-4f45-9708-019B960494DF}">
-                <a14:hiddenLine xmlns:a14="http://schemas.microsoft.com/office/drawing/2010/main" xmlns="" w="9525">
+                <a14:hiddenLine xmlns="" xmlns:a14="http://schemas.microsoft.com/office/drawing/2010/main" w="9525">
                   <a:solidFill>
                     <a:srgbClr val="000000"/>
                   </a:solidFill>
@@ -5154,7 +5127,7 @@
             </a:ln>
             <a:extLst>
               <a:ext uri="{91240B29-F687-4f45-9708-019B960494DF}">
-                <a14:hiddenLine xmlns:a14="http://schemas.microsoft.com/office/drawing/2010/main" xmlns="" w="9525">
+                <a14:hiddenLine xmlns="" xmlns:a14="http://schemas.microsoft.com/office/drawing/2010/main" w="9525">
                   <a:solidFill>
                     <a:srgbClr val="000000"/>
                   </a:solidFill>
@@ -5216,7 +5189,7 @@
             </a:ln>
             <a:extLst>
               <a:ext uri="{91240B29-F687-4f45-9708-019B960494DF}">
-                <a14:hiddenLine xmlns:a14="http://schemas.microsoft.com/office/drawing/2010/main" xmlns="" w="9525">
+                <a14:hiddenLine xmlns="" xmlns:a14="http://schemas.microsoft.com/office/drawing/2010/main" w="9525">
                   <a:solidFill>
                     <a:srgbClr val="000000"/>
                   </a:solidFill>
@@ -5306,7 +5279,7 @@
             </a:ln>
             <a:extLst>
               <a:ext uri="{91240B29-F687-4f45-9708-019B960494DF}">
-                <a14:hiddenLine xmlns:a14="http://schemas.microsoft.com/office/drawing/2010/main" xmlns="" w="9525">
+                <a14:hiddenLine xmlns="" xmlns:a14="http://schemas.microsoft.com/office/drawing/2010/main" w="9525">
                   <a:solidFill>
                     <a:srgbClr val="000000"/>
                   </a:solidFill>
@@ -5340,7 +5313,7 @@
             </a:ln>
             <a:extLst>
               <a:ext uri="{91240B29-F687-4f45-9708-019B960494DF}">
-                <a14:hiddenLine xmlns:a14="http://schemas.microsoft.com/office/drawing/2010/main" xmlns="" w="9525">
+                <a14:hiddenLine xmlns="" xmlns:a14="http://schemas.microsoft.com/office/drawing/2010/main" w="9525">
                   <a:solidFill>
                     <a:srgbClr val="000000"/>
                   </a:solidFill>
@@ -5405,7 +5378,7 @@
             </a:ln>
             <a:extLst>
               <a:ext uri="{91240B29-F687-4f45-9708-019B960494DF}">
-                <a14:hiddenLine xmlns:a14="http://schemas.microsoft.com/office/drawing/2010/main" xmlns="" w="9525">
+                <a14:hiddenLine xmlns="" xmlns:a14="http://schemas.microsoft.com/office/drawing/2010/main" w="9525">
                   <a:solidFill>
                     <a:srgbClr val="000000"/>
                   </a:solidFill>
@@ -5495,7 +5468,7 @@
             </a:ln>
             <a:extLst>
               <a:ext uri="{91240B29-F687-4f45-9708-019B960494DF}">
-                <a14:hiddenLine xmlns:a14="http://schemas.microsoft.com/office/drawing/2010/main" xmlns="" w="9525">
+                <a14:hiddenLine xmlns="" xmlns:a14="http://schemas.microsoft.com/office/drawing/2010/main" w="9525">
                   <a:solidFill>
                     <a:srgbClr val="000000"/>
                   </a:solidFill>
@@ -5557,7 +5530,7 @@
             </a:ln>
             <a:extLst>
               <a:ext uri="{91240B29-F687-4f45-9708-019B960494DF}">
-                <a14:hiddenLine xmlns:a14="http://schemas.microsoft.com/office/drawing/2010/main" xmlns="" w="9525">
+                <a14:hiddenLine xmlns="" xmlns:a14="http://schemas.microsoft.com/office/drawing/2010/main" w="9525">
                   <a:solidFill>
                     <a:srgbClr val="000000"/>
                   </a:solidFill>
@@ -5647,7 +5620,7 @@
             </a:ln>
             <a:extLst>
               <a:ext uri="{91240B29-F687-4f45-9708-019B960494DF}">
-                <a14:hiddenLine xmlns:a14="http://schemas.microsoft.com/office/drawing/2010/main" xmlns="" w="9525">
+                <a14:hiddenLine xmlns="" xmlns:a14="http://schemas.microsoft.com/office/drawing/2010/main" w="9525">
                   <a:solidFill>
                     <a:srgbClr val="000000"/>
                   </a:solidFill>
@@ -5737,7 +5710,7 @@
             </a:ln>
             <a:extLst>
               <a:ext uri="{91240B29-F687-4f45-9708-019B960494DF}">
-                <a14:hiddenLine xmlns:a14="http://schemas.microsoft.com/office/drawing/2010/main" xmlns="" w="9525">
+                <a14:hiddenLine xmlns="" xmlns:a14="http://schemas.microsoft.com/office/drawing/2010/main" w="9525">
                   <a:solidFill>
                     <a:srgbClr val="000000"/>
                   </a:solidFill>
@@ -5802,7 +5775,7 @@
             </a:ln>
             <a:extLst>
               <a:ext uri="{91240B29-F687-4f45-9708-019B960494DF}">
-                <a14:hiddenLine xmlns:a14="http://schemas.microsoft.com/office/drawing/2010/main" xmlns="" w="9525">
+                <a14:hiddenLine xmlns="" xmlns:a14="http://schemas.microsoft.com/office/drawing/2010/main" w="9525">
                   <a:solidFill>
                     <a:srgbClr val="000000"/>
                   </a:solidFill>
@@ -5864,7 +5837,7 @@
             </a:ln>
             <a:extLst>
               <a:ext uri="{91240B29-F687-4f45-9708-019B960494DF}">
-                <a14:hiddenLine xmlns:a14="http://schemas.microsoft.com/office/drawing/2010/main" xmlns="" w="9525">
+                <a14:hiddenLine xmlns="" xmlns:a14="http://schemas.microsoft.com/office/drawing/2010/main" w="9525">
                   <a:solidFill>
                     <a:srgbClr val="000000"/>
                   </a:solidFill>
@@ -5954,7 +5927,7 @@
             </a:ln>
             <a:extLst>
               <a:ext uri="{91240B29-F687-4f45-9708-019B960494DF}">
-                <a14:hiddenLine xmlns:a14="http://schemas.microsoft.com/office/drawing/2010/main" xmlns="" w="9525">
+                <a14:hiddenLine xmlns="" xmlns:a14="http://schemas.microsoft.com/office/drawing/2010/main" w="9525">
                   <a:solidFill>
                     <a:srgbClr val="000000"/>
                   </a:solidFill>
@@ -6044,7 +6017,7 @@
             </a:ln>
             <a:extLst>
               <a:ext uri="{91240B29-F687-4f45-9708-019B960494DF}">
-                <a14:hiddenLine xmlns:a14="http://schemas.microsoft.com/office/drawing/2010/main" xmlns="" w="9525">
+                <a14:hiddenLine xmlns="" xmlns:a14="http://schemas.microsoft.com/office/drawing/2010/main" w="9525">
                   <a:solidFill>
                     <a:srgbClr val="000000"/>
                   </a:solidFill>
@@ -6106,7 +6079,7 @@
             </a:ln>
             <a:extLst>
               <a:ext uri="{91240B29-F687-4f45-9708-019B960494DF}">
-                <a14:hiddenLine xmlns:a14="http://schemas.microsoft.com/office/drawing/2010/main" xmlns="" w="9525">
+                <a14:hiddenLine xmlns="" xmlns:a14="http://schemas.microsoft.com/office/drawing/2010/main" w="9525">
                   <a:solidFill>
                     <a:srgbClr val="000000"/>
                   </a:solidFill>
@@ -6226,7 +6199,7 @@
             </a:ln>
             <a:extLst>
               <a:ext uri="{91240B29-F687-4f45-9708-019B960494DF}">
-                <a14:hiddenLine xmlns:a14="http://schemas.microsoft.com/office/drawing/2010/main" xmlns="" w="9525">
+                <a14:hiddenLine xmlns="" xmlns:a14="http://schemas.microsoft.com/office/drawing/2010/main" w="9525">
                   <a:solidFill>
                     <a:srgbClr val="000000"/>
                   </a:solidFill>
@@ -6294,7 +6267,7 @@
             </a:ln>
             <a:extLst>
               <a:ext uri="{91240B29-F687-4f45-9708-019B960494DF}">
-                <a14:hiddenLine xmlns:a14="http://schemas.microsoft.com/office/drawing/2010/main" xmlns="" w="9525">
+                <a14:hiddenLine xmlns="" xmlns:a14="http://schemas.microsoft.com/office/drawing/2010/main" w="9525">
                   <a:solidFill>
                     <a:srgbClr val="000000"/>
                   </a:solidFill>
@@ -6384,7 +6357,7 @@
             </a:ln>
             <a:extLst>
               <a:ext uri="{91240B29-F687-4f45-9708-019B960494DF}">
-                <a14:hiddenLine xmlns:a14="http://schemas.microsoft.com/office/drawing/2010/main" xmlns="" w="9525">
+                <a14:hiddenLine xmlns="" xmlns:a14="http://schemas.microsoft.com/office/drawing/2010/main" w="9525">
                   <a:solidFill>
                     <a:srgbClr val="000000"/>
                   </a:solidFill>
@@ -6524,7 +6497,7 @@
           <a:p>
             <a:fld id="{48A87A34-81AB-432B-8DAE-1953F412C126}" type="datetimeFigureOut">
               <a:rPr lang="en-US" dirty="0"/>
-              <a:t>6/15/2018</a:t>
+              <a:t>7/16/2018</a:t>
             </a:fld>
             <a:endParaRPr lang="en-US" dirty="0"/>
           </a:p>
@@ -6786,7 +6759,7 @@
           <a:p>
             <a:fld id="{48A87A34-81AB-432B-8DAE-1953F412C126}" type="datetimeFigureOut">
               <a:rPr lang="en-US" dirty="0"/>
-              <a:t>6/15/2018</a:t>
+              <a:t>7/16/2018</a:t>
             </a:fld>
             <a:endParaRPr lang="en-US" dirty="0"/>
           </a:p>
@@ -6977,7 +6950,7 @@
           <a:p>
             <a:fld id="{48A87A34-81AB-432B-8DAE-1953F412C126}" type="datetimeFigureOut">
               <a:rPr lang="en-US" dirty="0"/>
-              <a:t>6/15/2018</a:t>
+              <a:t>7/16/2018</a:t>
             </a:fld>
             <a:endParaRPr lang="en-US" dirty="0"/>
           </a:p>
@@ -7235,7 +7208,7 @@
           <a:p>
             <a:fld id="{48A87A34-81AB-432B-8DAE-1953F412C126}" type="datetimeFigureOut">
               <a:rPr lang="en-US" dirty="0"/>
-              <a:t>6/15/2018</a:t>
+              <a:t>7/16/2018</a:t>
             </a:fld>
             <a:endParaRPr lang="en-US" dirty="0"/>
           </a:p>
@@ -7664,7 +7637,7 @@
           <a:p>
             <a:fld id="{48A87A34-81AB-432B-8DAE-1953F412C126}" type="datetimeFigureOut">
               <a:rPr lang="en-US" dirty="0"/>
-              <a:t>6/15/2018</a:t>
+              <a:t>7/16/2018</a:t>
             </a:fld>
             <a:endParaRPr lang="en-US" dirty="0"/>
           </a:p>
@@ -8205,7 +8178,7 @@
           <a:p>
             <a:fld id="{48A87A34-81AB-432B-8DAE-1953F412C126}" type="datetimeFigureOut">
               <a:rPr lang="en-US" dirty="0"/>
-              <a:t>6/15/2018</a:t>
+              <a:t>7/16/2018</a:t>
             </a:fld>
             <a:endParaRPr lang="en-US" dirty="0"/>
           </a:p>
@@ -8920,7 +8893,7 @@
           <a:p>
             <a:fld id="{48A87A34-81AB-432B-8DAE-1953F412C126}" type="datetimeFigureOut">
               <a:rPr lang="en-US" dirty="0"/>
-              <a:t>6/15/2018</a:t>
+              <a:t>7/16/2018</a:t>
             </a:fld>
             <a:endParaRPr lang="en-US" dirty="0"/>
           </a:p>
@@ -9085,7 +9058,7 @@
           <a:p>
             <a:fld id="{48A87A34-81AB-432B-8DAE-1953F412C126}" type="datetimeFigureOut">
               <a:rPr lang="en-US" dirty="0"/>
-              <a:t>6/15/2018</a:t>
+              <a:t>7/16/2018</a:t>
             </a:fld>
             <a:endParaRPr lang="en-US" dirty="0"/>
           </a:p>
@@ -9260,7 +9233,7 @@
           <a:p>
             <a:fld id="{48A87A34-81AB-432B-8DAE-1953F412C126}" type="datetimeFigureOut">
               <a:rPr lang="en-US" dirty="0"/>
-              <a:t>6/15/2018</a:t>
+              <a:t>7/16/2018</a:t>
             </a:fld>
             <a:endParaRPr lang="en-US" dirty="0"/>
           </a:p>
@@ -9425,7 +9398,7 @@
           <a:p>
             <a:fld id="{48A87A34-81AB-432B-8DAE-1953F412C126}" type="datetimeFigureOut">
               <a:rPr lang="en-US" dirty="0"/>
-              <a:t>6/15/2018</a:t>
+              <a:t>7/16/2018</a:t>
             </a:fld>
             <a:endParaRPr lang="en-US" dirty="0"/>
           </a:p>
@@ -9670,7 +9643,7 @@
           <a:p>
             <a:fld id="{48A87A34-81AB-432B-8DAE-1953F412C126}" type="datetimeFigureOut">
               <a:rPr lang="en-US" dirty="0"/>
-              <a:t>6/15/2018</a:t>
+              <a:t>7/16/2018</a:t>
             </a:fld>
             <a:endParaRPr lang="en-US" dirty="0"/>
           </a:p>
@@ -9897,7 +9870,7 @@
           <a:p>
             <a:fld id="{48A87A34-81AB-432B-8DAE-1953F412C126}" type="datetimeFigureOut">
               <a:rPr lang="en-US" dirty="0"/>
-              <a:t>6/15/2018</a:t>
+              <a:t>7/16/2018</a:t>
             </a:fld>
             <a:endParaRPr lang="en-US" dirty="0"/>
           </a:p>
@@ -10273,7 +10246,7 @@
           <a:p>
             <a:fld id="{48A87A34-81AB-432B-8DAE-1953F412C126}" type="datetimeFigureOut">
               <a:rPr lang="en-US" dirty="0"/>
-              <a:t>6/15/2018</a:t>
+              <a:t>7/16/2018</a:t>
             </a:fld>
             <a:endParaRPr lang="en-US" dirty="0"/>
           </a:p>
@@ -10386,7 +10359,7 @@
           <a:p>
             <a:fld id="{48A87A34-81AB-432B-8DAE-1953F412C126}" type="datetimeFigureOut">
               <a:rPr lang="en-US" dirty="0"/>
-              <a:t>6/15/2018</a:t>
+              <a:t>7/16/2018</a:t>
             </a:fld>
             <a:endParaRPr lang="en-US" dirty="0"/>
           </a:p>
@@ -10476,7 +10449,7 @@
           <a:p>
             <a:fld id="{48A87A34-81AB-432B-8DAE-1953F412C126}" type="datetimeFigureOut">
               <a:rPr lang="en-US" dirty="0"/>
-              <a:t>6/15/2018</a:t>
+              <a:t>7/16/2018</a:t>
             </a:fld>
             <a:endParaRPr lang="en-US" dirty="0"/>
           </a:p>
@@ -10720,7 +10693,7 @@
           <a:p>
             <a:fld id="{48A87A34-81AB-432B-8DAE-1953F412C126}" type="datetimeFigureOut">
               <a:rPr lang="en-US" dirty="0"/>
-              <a:t>6/15/2018</a:t>
+              <a:t>7/16/2018</a:t>
             </a:fld>
             <a:endParaRPr lang="en-US" dirty="0"/>
           </a:p>
@@ -10995,7 +10968,7 @@
           <a:p>
             <a:fld id="{48A87A34-81AB-432B-8DAE-1953F412C126}" type="datetimeFigureOut">
               <a:rPr lang="en-US" dirty="0"/>
-              <a:t>6/15/2018</a:t>
+              <a:t>7/16/2018</a:t>
             </a:fld>
             <a:endParaRPr lang="en-US" dirty="0"/>
           </a:p>
@@ -11113,7 +11086,7 @@
           <a:noFill/>
           <a:extLst>
             <a:ext uri="{909E8E84-426E-40dd-AFC4-6F175D3DCCD1}">
-              <a14:hiddenFill xmlns:a14="http://schemas.microsoft.com/office/drawing/2010/main" xmlns="">
+              <a14:hiddenFill xmlns="" xmlns:a14="http://schemas.microsoft.com/office/drawing/2010/main">
                 <a:solidFill>
                   <a:srgbClr val="FFFFFF"/>
                 </a:solidFill>
@@ -11187,7 +11160,7 @@
               </a:ln>
               <a:extLst>
                 <a:ext uri="{91240B29-F687-4f45-9708-019B960494DF}">
-                  <a14:hiddenLine xmlns:a14="http://schemas.microsoft.com/office/drawing/2010/main" xmlns="" w="9525">
+                  <a14:hiddenLine xmlns="" xmlns:a14="http://schemas.microsoft.com/office/drawing/2010/main" w="9525">
                     <a:solidFill>
                       <a:srgbClr val="000000"/>
                     </a:solidFill>
@@ -11277,7 +11250,7 @@
               </a:ln>
               <a:extLst>
                 <a:ext uri="{91240B29-F687-4f45-9708-019B960494DF}">
-                  <a14:hiddenLine xmlns:a14="http://schemas.microsoft.com/office/drawing/2010/main" xmlns="" w="9525">
+                  <a14:hiddenLine xmlns="" xmlns:a14="http://schemas.microsoft.com/office/drawing/2010/main" w="9525">
                     <a:solidFill>
                       <a:srgbClr val="000000"/>
                     </a:solidFill>
@@ -11367,7 +11340,7 @@
               </a:ln>
               <a:extLst>
                 <a:ext uri="{91240B29-F687-4f45-9708-019B960494DF}">
-                  <a14:hiddenLine xmlns:a14="http://schemas.microsoft.com/office/drawing/2010/main" xmlns="" w="9525">
+                  <a14:hiddenLine xmlns="" xmlns:a14="http://schemas.microsoft.com/office/drawing/2010/main" w="9525">
                     <a:solidFill>
                       <a:srgbClr val="000000"/>
                     </a:solidFill>
@@ -11429,7 +11402,7 @@
               </a:ln>
               <a:extLst>
                 <a:ext uri="{91240B29-F687-4f45-9708-019B960494DF}">
-                  <a14:hiddenLine xmlns:a14="http://schemas.microsoft.com/office/drawing/2010/main" xmlns="" w="9525">
+                  <a14:hiddenLine xmlns="" xmlns:a14="http://schemas.microsoft.com/office/drawing/2010/main" w="9525">
                     <a:solidFill>
                       <a:srgbClr val="000000"/>
                     </a:solidFill>
@@ -11519,7 +11492,7 @@
               </a:ln>
               <a:extLst>
                 <a:ext uri="{91240B29-F687-4f45-9708-019B960494DF}">
-                  <a14:hiddenLine xmlns:a14="http://schemas.microsoft.com/office/drawing/2010/main" xmlns="" w="9525">
+                  <a14:hiddenLine xmlns="" xmlns:a14="http://schemas.microsoft.com/office/drawing/2010/main" w="9525">
                     <a:solidFill>
                       <a:srgbClr val="000000"/>
                     </a:solidFill>
@@ -11581,7 +11554,7 @@
               </a:ln>
               <a:extLst>
                 <a:ext uri="{91240B29-F687-4f45-9708-019B960494DF}">
-                  <a14:hiddenLine xmlns:a14="http://schemas.microsoft.com/office/drawing/2010/main" xmlns="" w="9525">
+                  <a14:hiddenLine xmlns="" xmlns:a14="http://schemas.microsoft.com/office/drawing/2010/main" w="9525">
                     <a:solidFill>
                       <a:srgbClr val="000000"/>
                     </a:solidFill>
@@ -11643,7 +11616,7 @@
               </a:ln>
               <a:extLst>
                 <a:ext uri="{91240B29-F687-4f45-9708-019B960494DF}">
-                  <a14:hiddenLine xmlns:a14="http://schemas.microsoft.com/office/drawing/2010/main" xmlns="" w="9525">
+                  <a14:hiddenLine xmlns="" xmlns:a14="http://schemas.microsoft.com/office/drawing/2010/main" w="9525">
                     <a:solidFill>
                       <a:srgbClr val="000000"/>
                     </a:solidFill>
@@ -11733,7 +11706,7 @@
               </a:ln>
               <a:extLst>
                 <a:ext uri="{91240B29-F687-4f45-9708-019B960494DF}">
-                  <a14:hiddenLine xmlns:a14="http://schemas.microsoft.com/office/drawing/2010/main" xmlns="" w="9525">
+                  <a14:hiddenLine xmlns="" xmlns:a14="http://schemas.microsoft.com/office/drawing/2010/main" w="9525">
                     <a:solidFill>
                       <a:srgbClr val="000000"/>
                     </a:solidFill>
@@ -11823,7 +11796,7 @@
               </a:ln>
               <a:extLst>
                 <a:ext uri="{91240B29-F687-4f45-9708-019B960494DF}">
-                  <a14:hiddenLine xmlns:a14="http://schemas.microsoft.com/office/drawing/2010/main" xmlns="" w="9525">
+                  <a14:hiddenLine xmlns="" xmlns:a14="http://schemas.microsoft.com/office/drawing/2010/main" w="9525">
                     <a:solidFill>
                       <a:srgbClr val="000000"/>
                     </a:solidFill>
@@ -11885,7 +11858,7 @@
               </a:ln>
               <a:extLst>
                 <a:ext uri="{91240B29-F687-4f45-9708-019B960494DF}">
-                  <a14:hiddenLine xmlns:a14="http://schemas.microsoft.com/office/drawing/2010/main" xmlns="" w="9525">
+                  <a14:hiddenLine xmlns="" xmlns:a14="http://schemas.microsoft.com/office/drawing/2010/main" w="9525">
                     <a:solidFill>
                       <a:srgbClr val="000000"/>
                     </a:solidFill>
@@ -11995,7 +11968,7 @@
               </a:ln>
               <a:extLst>
                 <a:ext uri="{91240B29-F687-4f45-9708-019B960494DF}">
-                  <a14:hiddenLine xmlns:a14="http://schemas.microsoft.com/office/drawing/2010/main" xmlns="" w="9525">
+                  <a14:hiddenLine xmlns="" xmlns:a14="http://schemas.microsoft.com/office/drawing/2010/main" w="9525">
                     <a:solidFill>
                       <a:srgbClr val="000000"/>
                     </a:solidFill>
@@ -12079,7 +12052,7 @@
               </a:ln>
               <a:extLst>
                 <a:ext uri="{91240B29-F687-4f45-9708-019B960494DF}">
-                  <a14:hiddenLine xmlns:a14="http://schemas.microsoft.com/office/drawing/2010/main" xmlns="" w="9525">
+                  <a14:hiddenLine xmlns="" xmlns:a14="http://schemas.microsoft.com/office/drawing/2010/main" w="9525">
                     <a:solidFill>
                       <a:srgbClr val="000000"/>
                     </a:solidFill>
@@ -12141,7 +12114,7 @@
               </a:ln>
               <a:extLst>
                 <a:ext uri="{91240B29-F687-4f45-9708-019B960494DF}">
-                  <a14:hiddenLine xmlns:a14="http://schemas.microsoft.com/office/drawing/2010/main" xmlns="" w="9525">
+                  <a14:hiddenLine xmlns="" xmlns:a14="http://schemas.microsoft.com/office/drawing/2010/main" w="9525">
                     <a:solidFill>
                       <a:srgbClr val="000000"/>
                     </a:solidFill>
@@ -12203,7 +12176,7 @@
               </a:ln>
               <a:extLst>
                 <a:ext uri="{91240B29-F687-4f45-9708-019B960494DF}">
-                  <a14:hiddenLine xmlns:a14="http://schemas.microsoft.com/office/drawing/2010/main" xmlns="" w="9525">
+                  <a14:hiddenLine xmlns="" xmlns:a14="http://schemas.microsoft.com/office/drawing/2010/main" w="9525">
                     <a:solidFill>
                       <a:srgbClr val="000000"/>
                     </a:solidFill>
@@ -12293,7 +12266,7 @@
               </a:ln>
               <a:extLst>
                 <a:ext uri="{91240B29-F687-4f45-9708-019B960494DF}">
-                  <a14:hiddenLine xmlns:a14="http://schemas.microsoft.com/office/drawing/2010/main" xmlns="" w="9525">
+                  <a14:hiddenLine xmlns="" xmlns:a14="http://schemas.microsoft.com/office/drawing/2010/main" w="9525">
                     <a:solidFill>
                       <a:srgbClr val="000000"/>
                     </a:solidFill>
@@ -12327,7 +12300,7 @@
               </a:ln>
               <a:extLst>
                 <a:ext uri="{91240B29-F687-4f45-9708-019B960494DF}">
-                  <a14:hiddenLine xmlns:a14="http://schemas.microsoft.com/office/drawing/2010/main" xmlns="" w="9525">
+                  <a14:hiddenLine xmlns="" xmlns:a14="http://schemas.microsoft.com/office/drawing/2010/main" w="9525">
                     <a:solidFill>
                       <a:srgbClr val="000000"/>
                     </a:solidFill>
@@ -12392,7 +12365,7 @@
               </a:ln>
               <a:extLst>
                 <a:ext uri="{91240B29-F687-4f45-9708-019B960494DF}">
-                  <a14:hiddenLine xmlns:a14="http://schemas.microsoft.com/office/drawing/2010/main" xmlns="" w="9525">
+                  <a14:hiddenLine xmlns="" xmlns:a14="http://schemas.microsoft.com/office/drawing/2010/main" w="9525">
                     <a:solidFill>
                       <a:srgbClr val="000000"/>
                     </a:solidFill>
@@ -12482,7 +12455,7 @@
               </a:ln>
               <a:extLst>
                 <a:ext uri="{91240B29-F687-4f45-9708-019B960494DF}">
-                  <a14:hiddenLine xmlns:a14="http://schemas.microsoft.com/office/drawing/2010/main" xmlns="" w="9525">
+                  <a14:hiddenLine xmlns="" xmlns:a14="http://schemas.microsoft.com/office/drawing/2010/main" w="9525">
                     <a:solidFill>
                       <a:srgbClr val="000000"/>
                     </a:solidFill>
@@ -12544,7 +12517,7 @@
               </a:ln>
               <a:extLst>
                 <a:ext uri="{91240B29-F687-4f45-9708-019B960494DF}">
-                  <a14:hiddenLine xmlns:a14="http://schemas.microsoft.com/office/drawing/2010/main" xmlns="" w="9525">
+                  <a14:hiddenLine xmlns="" xmlns:a14="http://schemas.microsoft.com/office/drawing/2010/main" w="9525">
                     <a:solidFill>
                       <a:srgbClr val="000000"/>
                     </a:solidFill>
@@ -12634,7 +12607,7 @@
               </a:ln>
               <a:extLst>
                 <a:ext uri="{91240B29-F687-4f45-9708-019B960494DF}">
-                  <a14:hiddenLine xmlns:a14="http://schemas.microsoft.com/office/drawing/2010/main" xmlns="" w="9525">
+                  <a14:hiddenLine xmlns="" xmlns:a14="http://schemas.microsoft.com/office/drawing/2010/main" w="9525">
                     <a:solidFill>
                       <a:srgbClr val="000000"/>
                     </a:solidFill>
@@ -12699,7 +12672,7 @@
               </a:ln>
               <a:extLst>
                 <a:ext uri="{91240B29-F687-4f45-9708-019B960494DF}">
-                  <a14:hiddenLine xmlns:a14="http://schemas.microsoft.com/office/drawing/2010/main" xmlns="" w="9525">
+                  <a14:hiddenLine xmlns="" xmlns:a14="http://schemas.microsoft.com/office/drawing/2010/main" w="9525">
                     <a:solidFill>
                       <a:srgbClr val="000000"/>
                     </a:solidFill>
@@ -12761,7 +12734,7 @@
               </a:ln>
               <a:extLst>
                 <a:ext uri="{91240B29-F687-4f45-9708-019B960494DF}">
-                  <a14:hiddenLine xmlns:a14="http://schemas.microsoft.com/office/drawing/2010/main" xmlns="" w="9525">
+                  <a14:hiddenLine xmlns="" xmlns:a14="http://schemas.microsoft.com/office/drawing/2010/main" w="9525">
                     <a:solidFill>
                       <a:srgbClr val="000000"/>
                     </a:solidFill>
@@ -12851,7 +12824,7 @@
               </a:ln>
               <a:extLst>
                 <a:ext uri="{91240B29-F687-4f45-9708-019B960494DF}">
-                  <a14:hiddenLine xmlns:a14="http://schemas.microsoft.com/office/drawing/2010/main" xmlns="" w="9525">
+                  <a14:hiddenLine xmlns="" xmlns:a14="http://schemas.microsoft.com/office/drawing/2010/main" w="9525">
                     <a:solidFill>
                       <a:srgbClr val="000000"/>
                     </a:solidFill>
@@ -12941,7 +12914,7 @@
               </a:ln>
               <a:extLst>
                 <a:ext uri="{91240B29-F687-4f45-9708-019B960494DF}">
-                  <a14:hiddenLine xmlns:a14="http://schemas.microsoft.com/office/drawing/2010/main" xmlns="" w="9525">
+                  <a14:hiddenLine xmlns="" xmlns:a14="http://schemas.microsoft.com/office/drawing/2010/main" w="9525">
                     <a:solidFill>
                       <a:srgbClr val="000000"/>
                     </a:solidFill>
@@ -13006,7 +12979,7 @@
               </a:ln>
               <a:extLst>
                 <a:ext uri="{91240B29-F687-4f45-9708-019B960494DF}">
-                  <a14:hiddenLine xmlns:a14="http://schemas.microsoft.com/office/drawing/2010/main" xmlns="" w="9525">
+                  <a14:hiddenLine xmlns="" xmlns:a14="http://schemas.microsoft.com/office/drawing/2010/main" w="9525">
                     <a:solidFill>
                       <a:srgbClr val="000000"/>
                     </a:solidFill>
@@ -13126,7 +13099,7 @@
               </a:ln>
               <a:extLst>
                 <a:ext uri="{91240B29-F687-4f45-9708-019B960494DF}">
-                  <a14:hiddenLine xmlns:a14="http://schemas.microsoft.com/office/drawing/2010/main" xmlns="" w="9525">
+                  <a14:hiddenLine xmlns="" xmlns:a14="http://schemas.microsoft.com/office/drawing/2010/main" w="9525">
                     <a:solidFill>
                       <a:srgbClr val="000000"/>
                     </a:solidFill>
@@ -13207,7 +13180,7 @@
               </a:ln>
               <a:extLst>
                 <a:ext uri="{91240B29-F687-4f45-9708-019B960494DF}">
-                  <a14:hiddenLine xmlns:a14="http://schemas.microsoft.com/office/drawing/2010/main" xmlns="" w="9525">
+                  <a14:hiddenLine xmlns="" xmlns:a14="http://schemas.microsoft.com/office/drawing/2010/main" w="9525">
                     <a:solidFill>
                       <a:srgbClr val="000000"/>
                     </a:solidFill>
@@ -13322,7 +13295,7 @@
               </a:ln>
               <a:extLst>
                 <a:ext uri="{91240B29-F687-4f45-9708-019B960494DF}">
-                  <a14:hiddenLine xmlns:a14="http://schemas.microsoft.com/office/drawing/2010/main" xmlns="" w="9525">
+                  <a14:hiddenLine xmlns="" xmlns:a14="http://schemas.microsoft.com/office/drawing/2010/main" w="9525">
                     <a:solidFill>
                       <a:srgbClr val="000000"/>
                     </a:solidFill>
@@ -13412,7 +13385,7 @@
               </a:ln>
               <a:extLst>
                 <a:ext uri="{91240B29-F687-4f45-9708-019B960494DF}">
-                  <a14:hiddenLine xmlns:a14="http://schemas.microsoft.com/office/drawing/2010/main" xmlns="" w="9525">
+                  <a14:hiddenLine xmlns="" xmlns:a14="http://schemas.microsoft.com/office/drawing/2010/main" w="9525">
                     <a:solidFill>
                       <a:srgbClr val="000000"/>
                     </a:solidFill>
@@ -13477,7 +13450,7 @@
               </a:ln>
               <a:extLst>
                 <a:ext uri="{91240B29-F687-4f45-9708-019B960494DF}">
-                  <a14:hiddenLine xmlns:a14="http://schemas.microsoft.com/office/drawing/2010/main" xmlns="" w="9525">
+                  <a14:hiddenLine xmlns="" xmlns:a14="http://schemas.microsoft.com/office/drawing/2010/main" w="9525">
                     <a:solidFill>
                       <a:srgbClr val="000000"/>
                     </a:solidFill>
@@ -13567,7 +13540,7 @@
               </a:ln>
               <a:extLst>
                 <a:ext uri="{91240B29-F687-4f45-9708-019B960494DF}">
-                  <a14:hiddenLine xmlns:a14="http://schemas.microsoft.com/office/drawing/2010/main" xmlns="" w="9525">
+                  <a14:hiddenLine xmlns="" xmlns:a14="http://schemas.microsoft.com/office/drawing/2010/main" w="9525">
                     <a:solidFill>
                       <a:srgbClr val="000000"/>
                     </a:solidFill>
@@ -13635,7 +13608,7 @@
               </a:ln>
               <a:extLst>
                 <a:ext uri="{91240B29-F687-4f45-9708-019B960494DF}">
-                  <a14:hiddenLine xmlns:a14="http://schemas.microsoft.com/office/drawing/2010/main" xmlns="" w="9525">
+                  <a14:hiddenLine xmlns="" xmlns:a14="http://schemas.microsoft.com/office/drawing/2010/main" w="9525">
                     <a:solidFill>
                       <a:srgbClr val="000000"/>
                     </a:solidFill>
@@ -13725,7 +13698,7 @@
               </a:ln>
               <a:extLst>
                 <a:ext uri="{91240B29-F687-4f45-9708-019B960494DF}">
-                  <a14:hiddenLine xmlns:a14="http://schemas.microsoft.com/office/drawing/2010/main" xmlns="" w="9525">
+                  <a14:hiddenLine xmlns="" xmlns:a14="http://schemas.microsoft.com/office/drawing/2010/main" w="9525">
                     <a:solidFill>
                       <a:srgbClr val="000000"/>
                     </a:solidFill>
@@ -13793,7 +13766,7 @@
               </a:ln>
               <a:extLst>
                 <a:ext uri="{91240B29-F687-4f45-9708-019B960494DF}">
-                  <a14:hiddenLine xmlns:a14="http://schemas.microsoft.com/office/drawing/2010/main" xmlns="" w="9525">
+                  <a14:hiddenLine xmlns="" xmlns:a14="http://schemas.microsoft.com/office/drawing/2010/main" w="9525">
                     <a:solidFill>
                       <a:srgbClr val="000000"/>
                     </a:solidFill>
@@ -13883,7 +13856,7 @@
               </a:ln>
               <a:extLst>
                 <a:ext uri="{91240B29-F687-4f45-9708-019B960494DF}">
-                  <a14:hiddenLine xmlns:a14="http://schemas.microsoft.com/office/drawing/2010/main" xmlns="" w="9525">
+                  <a14:hiddenLine xmlns="" xmlns:a14="http://schemas.microsoft.com/office/drawing/2010/main" w="9525">
                     <a:solidFill>
                       <a:srgbClr val="000000"/>
                     </a:solidFill>
@@ -13917,7 +13890,7 @@
               </a:ln>
               <a:extLst>
                 <a:ext uri="{91240B29-F687-4f45-9708-019B960494DF}">
-                  <a14:hiddenLine xmlns:a14="http://schemas.microsoft.com/office/drawing/2010/main" xmlns="" w="9525">
+                  <a14:hiddenLine xmlns="" xmlns:a14="http://schemas.microsoft.com/office/drawing/2010/main" w="9525">
                     <a:solidFill>
                       <a:srgbClr val="000000"/>
                     </a:solidFill>
@@ -14058,7 +14031,7 @@
             <a:fld id="{48A87A34-81AB-432B-8DAE-1953F412C126}" type="datetimeFigureOut">
               <a:rPr lang="en-US" dirty="0"/>
               <a:pPr/>
-              <a:t>6/15/2018</a:t>
+              <a:t>7/16/2018</a:t>
             </a:fld>
             <a:endParaRPr lang="en-US" dirty="0"/>
           </a:p>

--- a/Modules/Module 4 - Advanced Docker/Module 4 - Advanced Docker.pptx
+++ b/Modules/Module 4 - Advanced Docker/Module 4 - Advanced Docker.pptx
@@ -130,7 +130,7 @@
 <file path=ppt/revisionInfo.xml><?xml version="1.0" encoding="utf-8"?>
 <p1510:revInfo xmlns:a="http://schemas.openxmlformats.org/drawingml/2006/main" xmlns:r="http://schemas.openxmlformats.org/officeDocument/2006/relationships" xmlns:p1510="http://schemas.microsoft.com/office/powerpoint/2015/10/main">
   <p1510:revLst>
-    <p1510:client id="{157AC444-9F31-4E60-84AD-9B5CC09F8732}" v="394" dt="2018-07-16T14:10:18.330"/>
+    <p1510:client id="{BEBC91D3-A22F-4593-9DE7-FA6F1B02D70E}" v="38" dt="2018-08-15T00:30:58.525"/>
   </p1510:revLst>
 </p1510:revInfo>
 </file>
@@ -392,6 +392,37 @@
       </pc:sldChg>
     </pc:docChg>
   </pc:docChgLst>
+  <pc:docChgLst>
+    <pc:chgData name="Jim Cheshire" userId="b85fe55d-f0de-4d09-bc19-562bc869f811" providerId="ADAL" clId="{BEBC91D3-A22F-4593-9DE7-FA6F1B02D70E}"/>
+    <pc:docChg chg="modSld">
+      <pc:chgData name="Jim Cheshire" userId="b85fe55d-f0de-4d09-bc19-562bc869f811" providerId="ADAL" clId="{BEBC91D3-A22F-4593-9DE7-FA6F1B02D70E}" dt="2018-08-15T00:30:58.525" v="37" actId="20577"/>
+      <pc:docMkLst>
+        <pc:docMk/>
+      </pc:docMkLst>
+      <pc:sldChg chg="modAnim">
+        <pc:chgData name="Jim Cheshire" userId="b85fe55d-f0de-4d09-bc19-562bc869f811" providerId="ADAL" clId="{BEBC91D3-A22F-4593-9DE7-FA6F1B02D70E}" dt="2018-08-15T00:30:31.218" v="0"/>
+        <pc:sldMkLst>
+          <pc:docMk/>
+          <pc:sldMk cId="3075343060" sldId="260"/>
+        </pc:sldMkLst>
+      </pc:sldChg>
+      <pc:sldChg chg="modSp">
+        <pc:chgData name="Jim Cheshire" userId="b85fe55d-f0de-4d09-bc19-562bc869f811" providerId="ADAL" clId="{BEBC91D3-A22F-4593-9DE7-FA6F1B02D70E}" dt="2018-08-15T00:30:58.525" v="37" actId="20577"/>
+        <pc:sldMkLst>
+          <pc:docMk/>
+          <pc:sldMk cId="4242237458" sldId="261"/>
+        </pc:sldMkLst>
+        <pc:spChg chg="mod">
+          <ac:chgData name="Jim Cheshire" userId="b85fe55d-f0de-4d09-bc19-562bc869f811" providerId="ADAL" clId="{BEBC91D3-A22F-4593-9DE7-FA6F1B02D70E}" dt="2018-08-15T00:30:58.525" v="37" actId="20577"/>
+          <ac:spMkLst>
+            <pc:docMk/>
+            <pc:sldMk cId="4242237458" sldId="261"/>
+            <ac:spMk id="3" creationId="{F2D2AF97-283D-4370-9D12-1CA923B5BFD3}"/>
+          </ac:spMkLst>
+        </pc:spChg>
+      </pc:sldChg>
+    </pc:docChg>
+  </pc:docChgLst>
 </pc:chgInfo>
 </file>
 
@@ -477,7 +508,7 @@
           <a:p>
             <a:fld id="{89266479-4BF4-4BDA-B78B-D51F13CE1731}" type="datetimeFigureOut">
               <a:rPr lang="en-US" smtClean="0"/>
-              <a:t>7/16/2018</a:t>
+              <a:t>8/14/2018</a:t>
             </a:fld>
             <a:endParaRPr lang="en-US"/>
           </a:p>
@@ -2272,7 +2303,7 @@
           <a:noFill/>
           <a:extLst>
             <a:ext uri="{909E8E84-426E-40dd-AFC4-6F175D3DCCD1}">
-              <a14:hiddenFill xmlns="" xmlns:a14="http://schemas.microsoft.com/office/drawing/2010/main">
+              <a14:hiddenFill xmlns:a14="http://schemas.microsoft.com/office/drawing/2010/main" xmlns="">
                 <a:solidFill>
                   <a:srgbClr val="FFFFFF"/>
                 </a:solidFill>
@@ -2331,7 +2362,7 @@
             </a:ln>
             <a:extLst>
               <a:ext uri="{91240B29-F687-4f45-9708-019B960494DF}">
-                <a14:hiddenLine xmlns="" xmlns:a14="http://schemas.microsoft.com/office/drawing/2010/main" w="9525">
+                <a14:hiddenLine xmlns:a14="http://schemas.microsoft.com/office/drawing/2010/main" xmlns="" w="9525">
                   <a:solidFill>
                     <a:srgbClr val="000000"/>
                   </a:solidFill>
@@ -2421,7 +2452,7 @@
             </a:ln>
             <a:extLst>
               <a:ext uri="{91240B29-F687-4f45-9708-019B960494DF}">
-                <a14:hiddenLine xmlns="" xmlns:a14="http://schemas.microsoft.com/office/drawing/2010/main" w="9525">
+                <a14:hiddenLine xmlns:a14="http://schemas.microsoft.com/office/drawing/2010/main" xmlns="" w="9525">
                   <a:solidFill>
                     <a:srgbClr val="000000"/>
                   </a:solidFill>
@@ -2511,7 +2542,7 @@
             </a:ln>
             <a:extLst>
               <a:ext uri="{91240B29-F687-4f45-9708-019B960494DF}">
-                <a14:hiddenLine xmlns="" xmlns:a14="http://schemas.microsoft.com/office/drawing/2010/main" w="9525">
+                <a14:hiddenLine xmlns:a14="http://schemas.microsoft.com/office/drawing/2010/main" xmlns="" w="9525">
                   <a:solidFill>
                     <a:srgbClr val="000000"/>
                   </a:solidFill>
@@ -2545,7 +2576,7 @@
             </a:ln>
             <a:extLst>
               <a:ext uri="{91240B29-F687-4f45-9708-019B960494DF}">
-                <a14:hiddenLine xmlns="" xmlns:a14="http://schemas.microsoft.com/office/drawing/2010/main" w="9525">
+                <a14:hiddenLine xmlns:a14="http://schemas.microsoft.com/office/drawing/2010/main" xmlns="" w="9525">
                   <a:solidFill>
                     <a:srgbClr val="000000"/>
                   </a:solidFill>
@@ -2635,7 +2666,7 @@
             </a:ln>
             <a:extLst>
               <a:ext uri="{91240B29-F687-4f45-9708-019B960494DF}">
-                <a14:hiddenLine xmlns="" xmlns:a14="http://schemas.microsoft.com/office/drawing/2010/main" w="9525">
+                <a14:hiddenLine xmlns:a14="http://schemas.microsoft.com/office/drawing/2010/main" xmlns="" w="9525">
                   <a:solidFill>
                     <a:srgbClr val="000000"/>
                   </a:solidFill>
@@ -2697,7 +2728,7 @@
             </a:ln>
             <a:extLst>
               <a:ext uri="{91240B29-F687-4f45-9708-019B960494DF}">
-                <a14:hiddenLine xmlns="" xmlns:a14="http://schemas.microsoft.com/office/drawing/2010/main" w="9525">
+                <a14:hiddenLine xmlns:a14="http://schemas.microsoft.com/office/drawing/2010/main" xmlns="" w="9525">
                   <a:solidFill>
                     <a:srgbClr val="000000"/>
                   </a:solidFill>
@@ -2759,7 +2790,7 @@
             </a:ln>
             <a:extLst>
               <a:ext uri="{91240B29-F687-4f45-9708-019B960494DF}">
-                <a14:hiddenLine xmlns="" xmlns:a14="http://schemas.microsoft.com/office/drawing/2010/main" w="9525">
+                <a14:hiddenLine xmlns:a14="http://schemas.microsoft.com/office/drawing/2010/main" xmlns="" w="9525">
                   <a:solidFill>
                     <a:srgbClr val="000000"/>
                   </a:solidFill>
@@ -2849,7 +2880,7 @@
             </a:ln>
             <a:extLst>
               <a:ext uri="{91240B29-F687-4f45-9708-019B960494DF}">
-                <a14:hiddenLine xmlns="" xmlns:a14="http://schemas.microsoft.com/office/drawing/2010/main" w="9525">
+                <a14:hiddenLine xmlns:a14="http://schemas.microsoft.com/office/drawing/2010/main" xmlns="" w="9525">
                   <a:solidFill>
                     <a:srgbClr val="000000"/>
                   </a:solidFill>
@@ -2911,7 +2942,7 @@
             </a:ln>
             <a:extLst>
               <a:ext uri="{91240B29-F687-4f45-9708-019B960494DF}">
-                <a14:hiddenLine xmlns="" xmlns:a14="http://schemas.microsoft.com/office/drawing/2010/main" w="9525">
+                <a14:hiddenLine xmlns:a14="http://schemas.microsoft.com/office/drawing/2010/main" xmlns="" w="9525">
                   <a:solidFill>
                     <a:srgbClr val="000000"/>
                   </a:solidFill>
@@ -2973,7 +3004,7 @@
             </a:ln>
             <a:extLst>
               <a:ext uri="{91240B29-F687-4f45-9708-019B960494DF}">
-                <a14:hiddenLine xmlns="" xmlns:a14="http://schemas.microsoft.com/office/drawing/2010/main" w="9525">
+                <a14:hiddenLine xmlns:a14="http://schemas.microsoft.com/office/drawing/2010/main" xmlns="" w="9525">
                   <a:solidFill>
                     <a:srgbClr val="000000"/>
                   </a:solidFill>
@@ -3063,7 +3094,7 @@
             </a:ln>
             <a:extLst>
               <a:ext uri="{91240B29-F687-4f45-9708-019B960494DF}">
-                <a14:hiddenLine xmlns="" xmlns:a14="http://schemas.microsoft.com/office/drawing/2010/main" w="9525">
+                <a14:hiddenLine xmlns:a14="http://schemas.microsoft.com/office/drawing/2010/main" xmlns="" w="9525">
                   <a:solidFill>
                     <a:srgbClr val="000000"/>
                   </a:solidFill>
@@ -3153,7 +3184,7 @@
             </a:ln>
             <a:extLst>
               <a:ext uri="{91240B29-F687-4f45-9708-019B960494DF}">
-                <a14:hiddenLine xmlns="" xmlns:a14="http://schemas.microsoft.com/office/drawing/2010/main" w="9525">
+                <a14:hiddenLine xmlns:a14="http://schemas.microsoft.com/office/drawing/2010/main" xmlns="" w="9525">
                   <a:solidFill>
                     <a:srgbClr val="000000"/>
                   </a:solidFill>
@@ -3215,7 +3246,7 @@
             </a:ln>
             <a:extLst>
               <a:ext uri="{91240B29-F687-4f45-9708-019B960494DF}">
-                <a14:hiddenLine xmlns="" xmlns:a14="http://schemas.microsoft.com/office/drawing/2010/main" w="9525">
+                <a14:hiddenLine xmlns:a14="http://schemas.microsoft.com/office/drawing/2010/main" xmlns="" w="9525">
                   <a:solidFill>
                     <a:srgbClr val="000000"/>
                   </a:solidFill>
@@ -3325,7 +3356,7 @@
             </a:ln>
             <a:extLst>
               <a:ext uri="{91240B29-F687-4f45-9708-019B960494DF}">
-                <a14:hiddenLine xmlns="" xmlns:a14="http://schemas.microsoft.com/office/drawing/2010/main" w="9525">
+                <a14:hiddenLine xmlns:a14="http://schemas.microsoft.com/office/drawing/2010/main" xmlns="" w="9525">
                   <a:solidFill>
                     <a:srgbClr val="000000"/>
                   </a:solidFill>
@@ -3387,7 +3418,7 @@
             </a:ln>
             <a:extLst>
               <a:ext uri="{91240B29-F687-4f45-9708-019B960494DF}">
-                <a14:hiddenLine xmlns="" xmlns:a14="http://schemas.microsoft.com/office/drawing/2010/main" w="9525">
+                <a14:hiddenLine xmlns:a14="http://schemas.microsoft.com/office/drawing/2010/main" xmlns="" w="9525">
                   <a:solidFill>
                     <a:srgbClr val="000000"/>
                   </a:solidFill>
@@ -3477,7 +3508,7 @@
             </a:ln>
             <a:extLst>
               <a:ext uri="{91240B29-F687-4f45-9708-019B960494DF}">
-                <a14:hiddenLine xmlns="" xmlns:a14="http://schemas.microsoft.com/office/drawing/2010/main" w="9525">
+                <a14:hiddenLine xmlns:a14="http://schemas.microsoft.com/office/drawing/2010/main" xmlns="" w="9525">
                   <a:solidFill>
                     <a:srgbClr val="000000"/>
                   </a:solidFill>
@@ -3567,7 +3598,7 @@
             </a:ln>
             <a:extLst>
               <a:ext uri="{91240B29-F687-4f45-9708-019B960494DF}">
-                <a14:hiddenLine xmlns="" xmlns:a14="http://schemas.microsoft.com/office/drawing/2010/main" w="9525">
+                <a14:hiddenLine xmlns:a14="http://schemas.microsoft.com/office/drawing/2010/main" xmlns="" w="9525">
                   <a:solidFill>
                     <a:srgbClr val="000000"/>
                   </a:solidFill>
@@ -3629,7 +3660,7 @@
             </a:ln>
             <a:extLst>
               <a:ext uri="{91240B29-F687-4f45-9708-019B960494DF}">
-                <a14:hiddenLine xmlns="" xmlns:a14="http://schemas.microsoft.com/office/drawing/2010/main" w="9525">
+                <a14:hiddenLine xmlns:a14="http://schemas.microsoft.com/office/drawing/2010/main" xmlns="" w="9525">
                   <a:solidFill>
                     <a:srgbClr val="000000"/>
                   </a:solidFill>
@@ -3719,7 +3750,7 @@
             </a:ln>
             <a:extLst>
               <a:ext uri="{91240B29-F687-4f45-9708-019B960494DF}">
-                <a14:hiddenLine xmlns="" xmlns:a14="http://schemas.microsoft.com/office/drawing/2010/main" w="9525">
+                <a14:hiddenLine xmlns:a14="http://schemas.microsoft.com/office/drawing/2010/main" xmlns="" w="9525">
                   <a:solidFill>
                     <a:srgbClr val="000000"/>
                   </a:solidFill>
@@ -3809,7 +3840,7 @@
             </a:ln>
             <a:extLst>
               <a:ext uri="{91240B29-F687-4f45-9708-019B960494DF}">
-                <a14:hiddenLine xmlns="" xmlns:a14="http://schemas.microsoft.com/office/drawing/2010/main" w="9525">
+                <a14:hiddenLine xmlns:a14="http://schemas.microsoft.com/office/drawing/2010/main" xmlns="" w="9525">
                   <a:solidFill>
                     <a:srgbClr val="000000"/>
                   </a:solidFill>
@@ -3865,7 +3896,7 @@
             </a:ln>
             <a:extLst>
               <a:ext uri="{91240B29-F687-4f45-9708-019B960494DF}">
-                <a14:hiddenLine xmlns="" xmlns:a14="http://schemas.microsoft.com/office/drawing/2010/main" w="9525">
+                <a14:hiddenLine xmlns:a14="http://schemas.microsoft.com/office/drawing/2010/main" xmlns="" w="9525">
                   <a:solidFill>
                     <a:srgbClr val="000000"/>
                   </a:solidFill>
@@ -3955,7 +3986,7 @@
             </a:ln>
             <a:extLst>
               <a:ext uri="{91240B29-F687-4f45-9708-019B960494DF}">
-                <a14:hiddenLine xmlns="" xmlns:a14="http://schemas.microsoft.com/office/drawing/2010/main" w="9525">
+                <a14:hiddenLine xmlns:a14="http://schemas.microsoft.com/office/drawing/2010/main" xmlns="" w="9525">
                   <a:solidFill>
                     <a:srgbClr val="000000"/>
                   </a:solidFill>
@@ -4011,7 +4042,7 @@
             </a:ln>
             <a:extLst>
               <a:ext uri="{91240B29-F687-4f45-9708-019B960494DF}">
-                <a14:hiddenLine xmlns="" xmlns:a14="http://schemas.microsoft.com/office/drawing/2010/main" w="9525">
+                <a14:hiddenLine xmlns:a14="http://schemas.microsoft.com/office/drawing/2010/main" xmlns="" w="9525">
                   <a:solidFill>
                     <a:srgbClr val="000000"/>
                   </a:solidFill>
@@ -4101,7 +4132,7 @@
             </a:ln>
             <a:extLst>
               <a:ext uri="{91240B29-F687-4f45-9708-019B960494DF}">
-                <a14:hiddenLine xmlns="" xmlns:a14="http://schemas.microsoft.com/office/drawing/2010/main" w="9525">
+                <a14:hiddenLine xmlns:a14="http://schemas.microsoft.com/office/drawing/2010/main" xmlns="" w="9525">
                   <a:solidFill>
                     <a:srgbClr val="000000"/>
                   </a:solidFill>
@@ -4169,7 +4200,7 @@
             </a:ln>
             <a:extLst>
               <a:ext uri="{91240B29-F687-4f45-9708-019B960494DF}">
-                <a14:hiddenLine xmlns="" xmlns:a14="http://schemas.microsoft.com/office/drawing/2010/main" w="9525">
+                <a14:hiddenLine xmlns:a14="http://schemas.microsoft.com/office/drawing/2010/main" xmlns="" w="9525">
                   <a:solidFill>
                     <a:srgbClr val="000000"/>
                   </a:solidFill>
@@ -4259,7 +4290,7 @@
             </a:ln>
             <a:extLst>
               <a:ext uri="{91240B29-F687-4f45-9708-019B960494DF}">
-                <a14:hiddenLine xmlns="" xmlns:a14="http://schemas.microsoft.com/office/drawing/2010/main" w="9525">
+                <a14:hiddenLine xmlns:a14="http://schemas.microsoft.com/office/drawing/2010/main" xmlns="" w="9525">
                   <a:solidFill>
                     <a:srgbClr val="000000"/>
                   </a:solidFill>
@@ -4327,7 +4358,7 @@
             </a:ln>
             <a:extLst>
               <a:ext uri="{91240B29-F687-4f45-9708-019B960494DF}">
-                <a14:hiddenLine xmlns="" xmlns:a14="http://schemas.microsoft.com/office/drawing/2010/main" w="9525">
+                <a14:hiddenLine xmlns:a14="http://schemas.microsoft.com/office/drawing/2010/main" xmlns="" w="9525">
                   <a:solidFill>
                     <a:srgbClr val="000000"/>
                   </a:solidFill>
@@ -4417,7 +4448,7 @@
             </a:ln>
             <a:extLst>
               <a:ext uri="{91240B29-F687-4f45-9708-019B960494DF}">
-                <a14:hiddenLine xmlns="" xmlns:a14="http://schemas.microsoft.com/office/drawing/2010/main" w="9525">
+                <a14:hiddenLine xmlns:a14="http://schemas.microsoft.com/office/drawing/2010/main" xmlns="" w="9525">
                   <a:solidFill>
                     <a:srgbClr val="000000"/>
                   </a:solidFill>
@@ -4451,7 +4482,7 @@
             </a:ln>
             <a:extLst>
               <a:ext uri="{91240B29-F687-4f45-9708-019B960494DF}">
-                <a14:hiddenLine xmlns="" xmlns:a14="http://schemas.microsoft.com/office/drawing/2010/main" w="9525">
+                <a14:hiddenLine xmlns:a14="http://schemas.microsoft.com/office/drawing/2010/main" xmlns="" w="9525">
                   <a:solidFill>
                     <a:srgbClr val="000000"/>
                   </a:solidFill>
@@ -4541,7 +4572,7 @@
             </a:ln>
             <a:extLst>
               <a:ext uri="{91240B29-F687-4f45-9708-019B960494DF}">
-                <a14:hiddenLine xmlns="" xmlns:a14="http://schemas.microsoft.com/office/drawing/2010/main" w="9525">
+                <a14:hiddenLine xmlns:a14="http://schemas.microsoft.com/office/drawing/2010/main" xmlns="" w="9525">
                   <a:solidFill>
                     <a:srgbClr val="000000"/>
                   </a:solidFill>
@@ -4603,7 +4634,7 @@
             </a:ln>
             <a:extLst>
               <a:ext uri="{91240B29-F687-4f45-9708-019B960494DF}">
-                <a14:hiddenLine xmlns="" xmlns:a14="http://schemas.microsoft.com/office/drawing/2010/main" w="9525">
+                <a14:hiddenLine xmlns:a14="http://schemas.microsoft.com/office/drawing/2010/main" xmlns="" w="9525">
                   <a:solidFill>
                     <a:srgbClr val="000000"/>
                   </a:solidFill>
@@ -4665,7 +4696,7 @@
             </a:ln>
             <a:extLst>
               <a:ext uri="{91240B29-F687-4f45-9708-019B960494DF}">
-                <a14:hiddenLine xmlns="" xmlns:a14="http://schemas.microsoft.com/office/drawing/2010/main" w="9525">
+                <a14:hiddenLine xmlns:a14="http://schemas.microsoft.com/office/drawing/2010/main" xmlns="" w="9525">
                   <a:solidFill>
                     <a:srgbClr val="000000"/>
                   </a:solidFill>
@@ -4755,7 +4786,7 @@
             </a:ln>
             <a:extLst>
               <a:ext uri="{91240B29-F687-4f45-9708-019B960494DF}">
-                <a14:hiddenLine xmlns="" xmlns:a14="http://schemas.microsoft.com/office/drawing/2010/main" w="9525">
+                <a14:hiddenLine xmlns:a14="http://schemas.microsoft.com/office/drawing/2010/main" xmlns="" w="9525">
                   <a:solidFill>
                     <a:srgbClr val="000000"/>
                   </a:solidFill>
@@ -4823,7 +4854,7 @@
             </a:ln>
             <a:extLst>
               <a:ext uri="{91240B29-F687-4f45-9708-019B960494DF}">
-                <a14:hiddenLine xmlns="" xmlns:a14="http://schemas.microsoft.com/office/drawing/2010/main" w="9525">
+                <a14:hiddenLine xmlns:a14="http://schemas.microsoft.com/office/drawing/2010/main" xmlns="" w="9525">
                   <a:solidFill>
                     <a:srgbClr val="000000"/>
                   </a:solidFill>
@@ -4885,7 +4916,7 @@
             </a:ln>
             <a:extLst>
               <a:ext uri="{91240B29-F687-4f45-9708-019B960494DF}">
-                <a14:hiddenLine xmlns="" xmlns:a14="http://schemas.microsoft.com/office/drawing/2010/main" w="9525">
+                <a14:hiddenLine xmlns:a14="http://schemas.microsoft.com/office/drawing/2010/main" xmlns="" w="9525">
                   <a:solidFill>
                     <a:srgbClr val="000000"/>
                   </a:solidFill>
@@ -4975,7 +5006,7 @@
             </a:ln>
             <a:extLst>
               <a:ext uri="{91240B29-F687-4f45-9708-019B960494DF}">
-                <a14:hiddenLine xmlns="" xmlns:a14="http://schemas.microsoft.com/office/drawing/2010/main" w="9525">
+                <a14:hiddenLine xmlns:a14="http://schemas.microsoft.com/office/drawing/2010/main" xmlns="" w="9525">
                   <a:solidFill>
                     <a:srgbClr val="000000"/>
                   </a:solidFill>
@@ -5037,7 +5068,7 @@
             </a:ln>
             <a:extLst>
               <a:ext uri="{91240B29-F687-4f45-9708-019B960494DF}">
-                <a14:hiddenLine xmlns="" xmlns:a14="http://schemas.microsoft.com/office/drawing/2010/main" w="9525">
+                <a14:hiddenLine xmlns:a14="http://schemas.microsoft.com/office/drawing/2010/main" xmlns="" w="9525">
                   <a:solidFill>
                     <a:srgbClr val="000000"/>
                   </a:solidFill>
@@ -5127,7 +5158,7 @@
             </a:ln>
             <a:extLst>
               <a:ext uri="{91240B29-F687-4f45-9708-019B960494DF}">
-                <a14:hiddenLine xmlns="" xmlns:a14="http://schemas.microsoft.com/office/drawing/2010/main" w="9525">
+                <a14:hiddenLine xmlns:a14="http://schemas.microsoft.com/office/drawing/2010/main" xmlns="" w="9525">
                   <a:solidFill>
                     <a:srgbClr val="000000"/>
                   </a:solidFill>
@@ -5189,7 +5220,7 @@
             </a:ln>
             <a:extLst>
               <a:ext uri="{91240B29-F687-4f45-9708-019B960494DF}">
-                <a14:hiddenLine xmlns="" xmlns:a14="http://schemas.microsoft.com/office/drawing/2010/main" w="9525">
+                <a14:hiddenLine xmlns:a14="http://schemas.microsoft.com/office/drawing/2010/main" xmlns="" w="9525">
                   <a:solidFill>
                     <a:srgbClr val="000000"/>
                   </a:solidFill>
@@ -5279,7 +5310,7 @@
             </a:ln>
             <a:extLst>
               <a:ext uri="{91240B29-F687-4f45-9708-019B960494DF}">
-                <a14:hiddenLine xmlns="" xmlns:a14="http://schemas.microsoft.com/office/drawing/2010/main" w="9525">
+                <a14:hiddenLine xmlns:a14="http://schemas.microsoft.com/office/drawing/2010/main" xmlns="" w="9525">
                   <a:solidFill>
                     <a:srgbClr val="000000"/>
                   </a:solidFill>
@@ -5313,7 +5344,7 @@
             </a:ln>
             <a:extLst>
               <a:ext uri="{91240B29-F687-4f45-9708-019B960494DF}">
-                <a14:hiddenLine xmlns="" xmlns:a14="http://schemas.microsoft.com/office/drawing/2010/main" w="9525">
+                <a14:hiddenLine xmlns:a14="http://schemas.microsoft.com/office/drawing/2010/main" xmlns="" w="9525">
                   <a:solidFill>
                     <a:srgbClr val="000000"/>
                   </a:solidFill>
@@ -5378,7 +5409,7 @@
             </a:ln>
             <a:extLst>
               <a:ext uri="{91240B29-F687-4f45-9708-019B960494DF}">
-                <a14:hiddenLine xmlns="" xmlns:a14="http://schemas.microsoft.com/office/drawing/2010/main" w="9525">
+                <a14:hiddenLine xmlns:a14="http://schemas.microsoft.com/office/drawing/2010/main" xmlns="" w="9525">
                   <a:solidFill>
                     <a:srgbClr val="000000"/>
                   </a:solidFill>
@@ -5468,7 +5499,7 @@
             </a:ln>
             <a:extLst>
               <a:ext uri="{91240B29-F687-4f45-9708-019B960494DF}">
-                <a14:hiddenLine xmlns="" xmlns:a14="http://schemas.microsoft.com/office/drawing/2010/main" w="9525">
+                <a14:hiddenLine xmlns:a14="http://schemas.microsoft.com/office/drawing/2010/main" xmlns="" w="9525">
                   <a:solidFill>
                     <a:srgbClr val="000000"/>
                   </a:solidFill>
@@ -5530,7 +5561,7 @@
             </a:ln>
             <a:extLst>
               <a:ext uri="{91240B29-F687-4f45-9708-019B960494DF}">
-                <a14:hiddenLine xmlns="" xmlns:a14="http://schemas.microsoft.com/office/drawing/2010/main" w="9525">
+                <a14:hiddenLine xmlns:a14="http://schemas.microsoft.com/office/drawing/2010/main" xmlns="" w="9525">
                   <a:solidFill>
                     <a:srgbClr val="000000"/>
                   </a:solidFill>
@@ -5620,7 +5651,7 @@
             </a:ln>
             <a:extLst>
               <a:ext uri="{91240B29-F687-4f45-9708-019B960494DF}">
-                <a14:hiddenLine xmlns="" xmlns:a14="http://schemas.microsoft.com/office/drawing/2010/main" w="9525">
+                <a14:hiddenLine xmlns:a14="http://schemas.microsoft.com/office/drawing/2010/main" xmlns="" w="9525">
                   <a:solidFill>
                     <a:srgbClr val="000000"/>
                   </a:solidFill>
@@ -5710,7 +5741,7 @@
             </a:ln>
             <a:extLst>
               <a:ext uri="{91240B29-F687-4f45-9708-019B960494DF}">
-                <a14:hiddenLine xmlns="" xmlns:a14="http://schemas.microsoft.com/office/drawing/2010/main" w="9525">
+                <a14:hiddenLine xmlns:a14="http://schemas.microsoft.com/office/drawing/2010/main" xmlns="" w="9525">
                   <a:solidFill>
                     <a:srgbClr val="000000"/>
                   </a:solidFill>
@@ -5775,7 +5806,7 @@
             </a:ln>
             <a:extLst>
               <a:ext uri="{91240B29-F687-4f45-9708-019B960494DF}">
-                <a14:hiddenLine xmlns="" xmlns:a14="http://schemas.microsoft.com/office/drawing/2010/main" w="9525">
+                <a14:hiddenLine xmlns:a14="http://schemas.microsoft.com/office/drawing/2010/main" xmlns="" w="9525">
                   <a:solidFill>
                     <a:srgbClr val="000000"/>
                   </a:solidFill>
@@ -5837,7 +5868,7 @@
             </a:ln>
             <a:extLst>
               <a:ext uri="{91240B29-F687-4f45-9708-019B960494DF}">
-                <a14:hiddenLine xmlns="" xmlns:a14="http://schemas.microsoft.com/office/drawing/2010/main" w="9525">
+                <a14:hiddenLine xmlns:a14="http://schemas.microsoft.com/office/drawing/2010/main" xmlns="" w="9525">
                   <a:solidFill>
                     <a:srgbClr val="000000"/>
                   </a:solidFill>
@@ -5927,7 +5958,7 @@
             </a:ln>
             <a:extLst>
               <a:ext uri="{91240B29-F687-4f45-9708-019B960494DF}">
-                <a14:hiddenLine xmlns="" xmlns:a14="http://schemas.microsoft.com/office/drawing/2010/main" w="9525">
+                <a14:hiddenLine xmlns:a14="http://schemas.microsoft.com/office/drawing/2010/main" xmlns="" w="9525">
                   <a:solidFill>
                     <a:srgbClr val="000000"/>
                   </a:solidFill>
@@ -6017,7 +6048,7 @@
             </a:ln>
             <a:extLst>
               <a:ext uri="{91240B29-F687-4f45-9708-019B960494DF}">
-                <a14:hiddenLine xmlns="" xmlns:a14="http://schemas.microsoft.com/office/drawing/2010/main" w="9525">
+                <a14:hiddenLine xmlns:a14="http://schemas.microsoft.com/office/drawing/2010/main" xmlns="" w="9525">
                   <a:solidFill>
                     <a:srgbClr val="000000"/>
                   </a:solidFill>
@@ -6079,7 +6110,7 @@
             </a:ln>
             <a:extLst>
               <a:ext uri="{91240B29-F687-4f45-9708-019B960494DF}">
-                <a14:hiddenLine xmlns="" xmlns:a14="http://schemas.microsoft.com/office/drawing/2010/main" w="9525">
+                <a14:hiddenLine xmlns:a14="http://schemas.microsoft.com/office/drawing/2010/main" xmlns="" w="9525">
                   <a:solidFill>
                     <a:srgbClr val="000000"/>
                   </a:solidFill>
@@ -6199,7 +6230,7 @@
             </a:ln>
             <a:extLst>
               <a:ext uri="{91240B29-F687-4f45-9708-019B960494DF}">
-                <a14:hiddenLine xmlns="" xmlns:a14="http://schemas.microsoft.com/office/drawing/2010/main" w="9525">
+                <a14:hiddenLine xmlns:a14="http://schemas.microsoft.com/office/drawing/2010/main" xmlns="" w="9525">
                   <a:solidFill>
                     <a:srgbClr val="000000"/>
                   </a:solidFill>
@@ -6267,7 +6298,7 @@
             </a:ln>
             <a:extLst>
               <a:ext uri="{91240B29-F687-4f45-9708-019B960494DF}">
-                <a14:hiddenLine xmlns="" xmlns:a14="http://schemas.microsoft.com/office/drawing/2010/main" w="9525">
+                <a14:hiddenLine xmlns:a14="http://schemas.microsoft.com/office/drawing/2010/main" xmlns="" w="9525">
                   <a:solidFill>
                     <a:srgbClr val="000000"/>
                   </a:solidFill>
@@ -6357,7 +6388,7 @@
             </a:ln>
             <a:extLst>
               <a:ext uri="{91240B29-F687-4f45-9708-019B960494DF}">
-                <a14:hiddenLine xmlns="" xmlns:a14="http://schemas.microsoft.com/office/drawing/2010/main" w="9525">
+                <a14:hiddenLine xmlns:a14="http://schemas.microsoft.com/office/drawing/2010/main" xmlns="" w="9525">
                   <a:solidFill>
                     <a:srgbClr val="000000"/>
                   </a:solidFill>
@@ -6497,7 +6528,7 @@
           <a:p>
             <a:fld id="{48A87A34-81AB-432B-8DAE-1953F412C126}" type="datetimeFigureOut">
               <a:rPr lang="en-US" dirty="0"/>
-              <a:t>7/16/2018</a:t>
+              <a:t>8/14/2018</a:t>
             </a:fld>
             <a:endParaRPr lang="en-US" dirty="0"/>
           </a:p>
@@ -6759,7 +6790,7 @@
           <a:p>
             <a:fld id="{48A87A34-81AB-432B-8DAE-1953F412C126}" type="datetimeFigureOut">
               <a:rPr lang="en-US" dirty="0"/>
-              <a:t>7/16/2018</a:t>
+              <a:t>8/14/2018</a:t>
             </a:fld>
             <a:endParaRPr lang="en-US" dirty="0"/>
           </a:p>
@@ -6950,7 +6981,7 @@
           <a:p>
             <a:fld id="{48A87A34-81AB-432B-8DAE-1953F412C126}" type="datetimeFigureOut">
               <a:rPr lang="en-US" dirty="0"/>
-              <a:t>7/16/2018</a:t>
+              <a:t>8/14/2018</a:t>
             </a:fld>
             <a:endParaRPr lang="en-US" dirty="0"/>
           </a:p>
@@ -7208,7 +7239,7 @@
           <a:p>
             <a:fld id="{48A87A34-81AB-432B-8DAE-1953F412C126}" type="datetimeFigureOut">
               <a:rPr lang="en-US" dirty="0"/>
-              <a:t>7/16/2018</a:t>
+              <a:t>8/14/2018</a:t>
             </a:fld>
             <a:endParaRPr lang="en-US" dirty="0"/>
           </a:p>
@@ -7637,7 +7668,7 @@
           <a:p>
             <a:fld id="{48A87A34-81AB-432B-8DAE-1953F412C126}" type="datetimeFigureOut">
               <a:rPr lang="en-US" dirty="0"/>
-              <a:t>7/16/2018</a:t>
+              <a:t>8/14/2018</a:t>
             </a:fld>
             <a:endParaRPr lang="en-US" dirty="0"/>
           </a:p>
@@ -8178,7 +8209,7 @@
           <a:p>
             <a:fld id="{48A87A34-81AB-432B-8DAE-1953F412C126}" type="datetimeFigureOut">
               <a:rPr lang="en-US" dirty="0"/>
-              <a:t>7/16/2018</a:t>
+              <a:t>8/14/2018</a:t>
             </a:fld>
             <a:endParaRPr lang="en-US" dirty="0"/>
           </a:p>
@@ -8893,7 +8924,7 @@
           <a:p>
             <a:fld id="{48A87A34-81AB-432B-8DAE-1953F412C126}" type="datetimeFigureOut">
               <a:rPr lang="en-US" dirty="0"/>
-              <a:t>7/16/2018</a:t>
+              <a:t>8/14/2018</a:t>
             </a:fld>
             <a:endParaRPr lang="en-US" dirty="0"/>
           </a:p>
@@ -9058,7 +9089,7 @@
           <a:p>
             <a:fld id="{48A87A34-81AB-432B-8DAE-1953F412C126}" type="datetimeFigureOut">
               <a:rPr lang="en-US" dirty="0"/>
-              <a:t>7/16/2018</a:t>
+              <a:t>8/14/2018</a:t>
             </a:fld>
             <a:endParaRPr lang="en-US" dirty="0"/>
           </a:p>
@@ -9233,7 +9264,7 @@
           <a:p>
             <a:fld id="{48A87A34-81AB-432B-8DAE-1953F412C126}" type="datetimeFigureOut">
               <a:rPr lang="en-US" dirty="0"/>
-              <a:t>7/16/2018</a:t>
+              <a:t>8/14/2018</a:t>
             </a:fld>
             <a:endParaRPr lang="en-US" dirty="0"/>
           </a:p>
@@ -9398,7 +9429,7 @@
           <a:p>
             <a:fld id="{48A87A34-81AB-432B-8DAE-1953F412C126}" type="datetimeFigureOut">
               <a:rPr lang="en-US" dirty="0"/>
-              <a:t>7/16/2018</a:t>
+              <a:t>8/14/2018</a:t>
             </a:fld>
             <a:endParaRPr lang="en-US" dirty="0"/>
           </a:p>
@@ -9643,7 +9674,7 @@
           <a:p>
             <a:fld id="{48A87A34-81AB-432B-8DAE-1953F412C126}" type="datetimeFigureOut">
               <a:rPr lang="en-US" dirty="0"/>
-              <a:t>7/16/2018</a:t>
+              <a:t>8/14/2018</a:t>
             </a:fld>
             <a:endParaRPr lang="en-US" dirty="0"/>
           </a:p>
@@ -9870,7 +9901,7 @@
           <a:p>
             <a:fld id="{48A87A34-81AB-432B-8DAE-1953F412C126}" type="datetimeFigureOut">
               <a:rPr lang="en-US" dirty="0"/>
-              <a:t>7/16/2018</a:t>
+              <a:t>8/14/2018</a:t>
             </a:fld>
             <a:endParaRPr lang="en-US" dirty="0"/>
           </a:p>
@@ -10246,7 +10277,7 @@
           <a:p>
             <a:fld id="{48A87A34-81AB-432B-8DAE-1953F412C126}" type="datetimeFigureOut">
               <a:rPr lang="en-US" dirty="0"/>
-              <a:t>7/16/2018</a:t>
+              <a:t>8/14/2018</a:t>
             </a:fld>
             <a:endParaRPr lang="en-US" dirty="0"/>
           </a:p>
@@ -10359,7 +10390,7 @@
           <a:p>
             <a:fld id="{48A87A34-81AB-432B-8DAE-1953F412C126}" type="datetimeFigureOut">
               <a:rPr lang="en-US" dirty="0"/>
-              <a:t>7/16/2018</a:t>
+              <a:t>8/14/2018</a:t>
             </a:fld>
             <a:endParaRPr lang="en-US" dirty="0"/>
           </a:p>
@@ -10449,7 +10480,7 @@
           <a:p>
             <a:fld id="{48A87A34-81AB-432B-8DAE-1953F412C126}" type="datetimeFigureOut">
               <a:rPr lang="en-US" dirty="0"/>
-              <a:t>7/16/2018</a:t>
+              <a:t>8/14/2018</a:t>
             </a:fld>
             <a:endParaRPr lang="en-US" dirty="0"/>
           </a:p>
@@ -10693,7 +10724,7 @@
           <a:p>
             <a:fld id="{48A87A34-81AB-432B-8DAE-1953F412C126}" type="datetimeFigureOut">
               <a:rPr lang="en-US" dirty="0"/>
-              <a:t>7/16/2018</a:t>
+              <a:t>8/14/2018</a:t>
             </a:fld>
             <a:endParaRPr lang="en-US" dirty="0"/>
           </a:p>
@@ -10968,7 +10999,7 @@
           <a:p>
             <a:fld id="{48A87A34-81AB-432B-8DAE-1953F412C126}" type="datetimeFigureOut">
               <a:rPr lang="en-US" dirty="0"/>
-              <a:t>7/16/2018</a:t>
+              <a:t>8/14/2018</a:t>
             </a:fld>
             <a:endParaRPr lang="en-US" dirty="0"/>
           </a:p>
@@ -11086,7 +11117,7 @@
           <a:noFill/>
           <a:extLst>
             <a:ext uri="{909E8E84-426E-40dd-AFC4-6F175D3DCCD1}">
-              <a14:hiddenFill xmlns="" xmlns:a14="http://schemas.microsoft.com/office/drawing/2010/main">
+              <a14:hiddenFill xmlns:a14="http://schemas.microsoft.com/office/drawing/2010/main" xmlns="">
                 <a:solidFill>
                   <a:srgbClr val="FFFFFF"/>
                 </a:solidFill>
@@ -11160,7 +11191,7 @@
               </a:ln>
               <a:extLst>
                 <a:ext uri="{91240B29-F687-4f45-9708-019B960494DF}">
-                  <a14:hiddenLine xmlns="" xmlns:a14="http://schemas.microsoft.com/office/drawing/2010/main" w="9525">
+                  <a14:hiddenLine xmlns:a14="http://schemas.microsoft.com/office/drawing/2010/main" xmlns="" w="9525">
                     <a:solidFill>
                       <a:srgbClr val="000000"/>
                     </a:solidFill>
@@ -11250,7 +11281,7 @@
               </a:ln>
               <a:extLst>
                 <a:ext uri="{91240B29-F687-4f45-9708-019B960494DF}">
-                  <a14:hiddenLine xmlns="" xmlns:a14="http://schemas.microsoft.com/office/drawing/2010/main" w="9525">
+                  <a14:hiddenLine xmlns:a14="http://schemas.microsoft.com/office/drawing/2010/main" xmlns="" w="9525">
                     <a:solidFill>
                       <a:srgbClr val="000000"/>
                     </a:solidFill>
@@ -11340,7 +11371,7 @@
               </a:ln>
               <a:extLst>
                 <a:ext uri="{91240B29-F687-4f45-9708-019B960494DF}">
-                  <a14:hiddenLine xmlns="" xmlns:a14="http://schemas.microsoft.com/office/drawing/2010/main" w="9525">
+                  <a14:hiddenLine xmlns:a14="http://schemas.microsoft.com/office/drawing/2010/main" xmlns="" w="9525">
                     <a:solidFill>
                       <a:srgbClr val="000000"/>
                     </a:solidFill>
@@ -11402,7 +11433,7 @@
               </a:ln>
               <a:extLst>
                 <a:ext uri="{91240B29-F687-4f45-9708-019B960494DF}">
-                  <a14:hiddenLine xmlns="" xmlns:a14="http://schemas.microsoft.com/office/drawing/2010/main" w="9525">
+                  <a14:hiddenLine xmlns:a14="http://schemas.microsoft.com/office/drawing/2010/main" xmlns="" w="9525">
                     <a:solidFill>
                       <a:srgbClr val="000000"/>
                     </a:solidFill>
@@ -11492,7 +11523,7 @@
               </a:ln>
               <a:extLst>
                 <a:ext uri="{91240B29-F687-4f45-9708-019B960494DF}">
-                  <a14:hiddenLine xmlns="" xmlns:a14="http://schemas.microsoft.com/office/drawing/2010/main" w="9525">
+                  <a14:hiddenLine xmlns:a14="http://schemas.microsoft.com/office/drawing/2010/main" xmlns="" w="9525">
                     <a:solidFill>
                       <a:srgbClr val="000000"/>
                     </a:solidFill>
@@ -11554,7 +11585,7 @@
               </a:ln>
               <a:extLst>
                 <a:ext uri="{91240B29-F687-4f45-9708-019B960494DF}">
-                  <a14:hiddenLine xmlns="" xmlns:a14="http://schemas.microsoft.com/office/drawing/2010/main" w="9525">
+                  <a14:hiddenLine xmlns:a14="http://schemas.microsoft.com/office/drawing/2010/main" xmlns="" w="9525">
                     <a:solidFill>
                       <a:srgbClr val="000000"/>
                     </a:solidFill>
@@ -11616,7 +11647,7 @@
               </a:ln>
               <a:extLst>
                 <a:ext uri="{91240B29-F687-4f45-9708-019B960494DF}">
-                  <a14:hiddenLine xmlns="" xmlns:a14="http://schemas.microsoft.com/office/drawing/2010/main" w="9525">
+                  <a14:hiddenLine xmlns:a14="http://schemas.microsoft.com/office/drawing/2010/main" xmlns="" w="9525">
                     <a:solidFill>
                       <a:srgbClr val="000000"/>
                     </a:solidFill>
@@ -11706,7 +11737,7 @@
               </a:ln>
               <a:extLst>
                 <a:ext uri="{91240B29-F687-4f45-9708-019B960494DF}">
-                  <a14:hiddenLine xmlns="" xmlns:a14="http://schemas.microsoft.com/office/drawing/2010/main" w="9525">
+                  <a14:hiddenLine xmlns:a14="http://schemas.microsoft.com/office/drawing/2010/main" xmlns="" w="9525">
                     <a:solidFill>
                       <a:srgbClr val="000000"/>
                     </a:solidFill>
@@ -11796,7 +11827,7 @@
               </a:ln>
               <a:extLst>
                 <a:ext uri="{91240B29-F687-4f45-9708-019B960494DF}">
-                  <a14:hiddenLine xmlns="" xmlns:a14="http://schemas.microsoft.com/office/drawing/2010/main" w="9525">
+                  <a14:hiddenLine xmlns:a14="http://schemas.microsoft.com/office/drawing/2010/main" xmlns="" w="9525">
                     <a:solidFill>
                       <a:srgbClr val="000000"/>
                     </a:solidFill>
@@ -11858,7 +11889,7 @@
               </a:ln>
               <a:extLst>
                 <a:ext uri="{91240B29-F687-4f45-9708-019B960494DF}">
-                  <a14:hiddenLine xmlns="" xmlns:a14="http://schemas.microsoft.com/office/drawing/2010/main" w="9525">
+                  <a14:hiddenLine xmlns:a14="http://schemas.microsoft.com/office/drawing/2010/main" xmlns="" w="9525">
                     <a:solidFill>
                       <a:srgbClr val="000000"/>
                     </a:solidFill>
@@ -11968,7 +11999,7 @@
               </a:ln>
               <a:extLst>
                 <a:ext uri="{91240B29-F687-4f45-9708-019B960494DF}">
-                  <a14:hiddenLine xmlns="" xmlns:a14="http://schemas.microsoft.com/office/drawing/2010/main" w="9525">
+                  <a14:hiddenLine xmlns:a14="http://schemas.microsoft.com/office/drawing/2010/main" xmlns="" w="9525">
                     <a:solidFill>
                       <a:srgbClr val="000000"/>
                     </a:solidFill>
@@ -12052,7 +12083,7 @@
               </a:ln>
               <a:extLst>
                 <a:ext uri="{91240B29-F687-4f45-9708-019B960494DF}">
-                  <a14:hiddenLine xmlns="" xmlns:a14="http://schemas.microsoft.com/office/drawing/2010/main" w="9525">
+                  <a14:hiddenLine xmlns:a14="http://schemas.microsoft.com/office/drawing/2010/main" xmlns="" w="9525">
                     <a:solidFill>
                       <a:srgbClr val="000000"/>
                     </a:solidFill>
@@ -12114,7 +12145,7 @@
               </a:ln>
               <a:extLst>
                 <a:ext uri="{91240B29-F687-4f45-9708-019B960494DF}">
-                  <a14:hiddenLine xmlns="" xmlns:a14="http://schemas.microsoft.com/office/drawing/2010/main" w="9525">
+                  <a14:hiddenLine xmlns:a14="http://schemas.microsoft.com/office/drawing/2010/main" xmlns="" w="9525">
                     <a:solidFill>
                       <a:srgbClr val="000000"/>
                     </a:solidFill>
@@ -12176,7 +12207,7 @@
               </a:ln>
               <a:extLst>
                 <a:ext uri="{91240B29-F687-4f45-9708-019B960494DF}">
-                  <a14:hiddenLine xmlns="" xmlns:a14="http://schemas.microsoft.com/office/drawing/2010/main" w="9525">
+                  <a14:hiddenLine xmlns:a14="http://schemas.microsoft.com/office/drawing/2010/main" xmlns="" w="9525">
                     <a:solidFill>
                       <a:srgbClr val="000000"/>
                     </a:solidFill>
@@ -12266,7 +12297,7 @@
               </a:ln>
               <a:extLst>
                 <a:ext uri="{91240B29-F687-4f45-9708-019B960494DF}">
-                  <a14:hiddenLine xmlns="" xmlns:a14="http://schemas.microsoft.com/office/drawing/2010/main" w="9525">
+                  <a14:hiddenLine xmlns:a14="http://schemas.microsoft.com/office/drawing/2010/main" xmlns="" w="9525">
                     <a:solidFill>
                       <a:srgbClr val="000000"/>
                     </a:solidFill>
@@ -12300,7 +12331,7 @@
               </a:ln>
               <a:extLst>
                 <a:ext uri="{91240B29-F687-4f45-9708-019B960494DF}">
-                  <a14:hiddenLine xmlns="" xmlns:a14="http://schemas.microsoft.com/office/drawing/2010/main" w="9525">
+                  <a14:hiddenLine xmlns:a14="http://schemas.microsoft.com/office/drawing/2010/main" xmlns="" w="9525">
                     <a:solidFill>
                       <a:srgbClr val="000000"/>
                     </a:solidFill>
@@ -12365,7 +12396,7 @@
               </a:ln>
               <a:extLst>
                 <a:ext uri="{91240B29-F687-4f45-9708-019B960494DF}">
-                  <a14:hiddenLine xmlns="" xmlns:a14="http://schemas.microsoft.com/office/drawing/2010/main" w="9525">
+                  <a14:hiddenLine xmlns:a14="http://schemas.microsoft.com/office/drawing/2010/main" xmlns="" w="9525">
                     <a:solidFill>
                       <a:srgbClr val="000000"/>
                     </a:solidFill>
@@ -12455,7 +12486,7 @@
               </a:ln>
               <a:extLst>
                 <a:ext uri="{91240B29-F687-4f45-9708-019B960494DF}">
-                  <a14:hiddenLine xmlns="" xmlns:a14="http://schemas.microsoft.com/office/drawing/2010/main" w="9525">
+                  <a14:hiddenLine xmlns:a14="http://schemas.microsoft.com/office/drawing/2010/main" xmlns="" w="9525">
                     <a:solidFill>
                       <a:srgbClr val="000000"/>
                     </a:solidFill>
@@ -12517,7 +12548,7 @@
               </a:ln>
               <a:extLst>
                 <a:ext uri="{91240B29-F687-4f45-9708-019B960494DF}">
-                  <a14:hiddenLine xmlns="" xmlns:a14="http://schemas.microsoft.com/office/drawing/2010/main" w="9525">
+                  <a14:hiddenLine xmlns:a14="http://schemas.microsoft.com/office/drawing/2010/main" xmlns="" w="9525">
                     <a:solidFill>
                       <a:srgbClr val="000000"/>
                     </a:solidFill>
@@ -12607,7 +12638,7 @@
               </a:ln>
               <a:extLst>
                 <a:ext uri="{91240B29-F687-4f45-9708-019B960494DF}">
-                  <a14:hiddenLine xmlns="" xmlns:a14="http://schemas.microsoft.com/office/drawing/2010/main" w="9525">
+                  <a14:hiddenLine xmlns:a14="http://schemas.microsoft.com/office/drawing/2010/main" xmlns="" w="9525">
                     <a:solidFill>
                       <a:srgbClr val="000000"/>
                     </a:solidFill>
@@ -12672,7 +12703,7 @@
               </a:ln>
               <a:extLst>
                 <a:ext uri="{91240B29-F687-4f45-9708-019B960494DF}">
-                  <a14:hiddenLine xmlns="" xmlns:a14="http://schemas.microsoft.com/office/drawing/2010/main" w="9525">
+                  <a14:hiddenLine xmlns:a14="http://schemas.microsoft.com/office/drawing/2010/main" xmlns="" w="9525">
                     <a:solidFill>
                       <a:srgbClr val="000000"/>
                     </a:solidFill>
@@ -12734,7 +12765,7 @@
               </a:ln>
               <a:extLst>
                 <a:ext uri="{91240B29-F687-4f45-9708-019B960494DF}">
-                  <a14:hiddenLine xmlns="" xmlns:a14="http://schemas.microsoft.com/office/drawing/2010/main" w="9525">
+                  <a14:hiddenLine xmlns:a14="http://schemas.microsoft.com/office/drawing/2010/main" xmlns="" w="9525">
                     <a:solidFill>
                       <a:srgbClr val="000000"/>
                     </a:solidFill>
@@ -12824,7 +12855,7 @@
               </a:ln>
               <a:extLst>
                 <a:ext uri="{91240B29-F687-4f45-9708-019B960494DF}">
-                  <a14:hiddenLine xmlns="" xmlns:a14="http://schemas.microsoft.com/office/drawing/2010/main" w="9525">
+                  <a14:hiddenLine xmlns:a14="http://schemas.microsoft.com/office/drawing/2010/main" xmlns="" w="9525">
                     <a:solidFill>
                       <a:srgbClr val="000000"/>
                     </a:solidFill>
@@ -12914,7 +12945,7 @@
               </a:ln>
               <a:extLst>
                 <a:ext uri="{91240B29-F687-4f45-9708-019B960494DF}">
-                  <a14:hiddenLine xmlns="" xmlns:a14="http://schemas.microsoft.com/office/drawing/2010/main" w="9525">
+                  <a14:hiddenLine xmlns:a14="http://schemas.microsoft.com/office/drawing/2010/main" xmlns="" w="9525">
                     <a:solidFill>
                       <a:srgbClr val="000000"/>
                     </a:solidFill>
@@ -12979,7 +13010,7 @@
               </a:ln>
               <a:extLst>
                 <a:ext uri="{91240B29-F687-4f45-9708-019B960494DF}">
-                  <a14:hiddenLine xmlns="" xmlns:a14="http://schemas.microsoft.com/office/drawing/2010/main" w="9525">
+                  <a14:hiddenLine xmlns:a14="http://schemas.microsoft.com/office/drawing/2010/main" xmlns="" w="9525">
                     <a:solidFill>
                       <a:srgbClr val="000000"/>
                     </a:solidFill>
@@ -13099,7 +13130,7 @@
               </a:ln>
               <a:extLst>
                 <a:ext uri="{91240B29-F687-4f45-9708-019B960494DF}">
-                  <a14:hiddenLine xmlns="" xmlns:a14="http://schemas.microsoft.com/office/drawing/2010/main" w="9525">
+                  <a14:hiddenLine xmlns:a14="http://schemas.microsoft.com/office/drawing/2010/main" xmlns="" w="9525">
                     <a:solidFill>
                       <a:srgbClr val="000000"/>
                     </a:solidFill>
@@ -13180,7 +13211,7 @@
               </a:ln>
               <a:extLst>
                 <a:ext uri="{91240B29-F687-4f45-9708-019B960494DF}">
-                  <a14:hiddenLine xmlns="" xmlns:a14="http://schemas.microsoft.com/office/drawing/2010/main" w="9525">
+                  <a14:hiddenLine xmlns:a14="http://schemas.microsoft.com/office/drawing/2010/main" xmlns="" w="9525">
                     <a:solidFill>
                       <a:srgbClr val="000000"/>
                     </a:solidFill>
@@ -13295,7 +13326,7 @@
               </a:ln>
               <a:extLst>
                 <a:ext uri="{91240B29-F687-4f45-9708-019B960494DF}">
-                  <a14:hiddenLine xmlns="" xmlns:a14="http://schemas.microsoft.com/office/drawing/2010/main" w="9525">
+                  <a14:hiddenLine xmlns:a14="http://schemas.microsoft.com/office/drawing/2010/main" xmlns="" w="9525">
                     <a:solidFill>
                       <a:srgbClr val="000000"/>
                     </a:solidFill>
@@ -13385,7 +13416,7 @@
               </a:ln>
               <a:extLst>
                 <a:ext uri="{91240B29-F687-4f45-9708-019B960494DF}">
-                  <a14:hiddenLine xmlns="" xmlns:a14="http://schemas.microsoft.com/office/drawing/2010/main" w="9525">
+                  <a14:hiddenLine xmlns:a14="http://schemas.microsoft.com/office/drawing/2010/main" xmlns="" w="9525">
                     <a:solidFill>
                       <a:srgbClr val="000000"/>
                     </a:solidFill>
@@ -13450,7 +13481,7 @@
               </a:ln>
               <a:extLst>
                 <a:ext uri="{91240B29-F687-4f45-9708-019B960494DF}">
-                  <a14:hiddenLine xmlns="" xmlns:a14="http://schemas.microsoft.com/office/drawing/2010/main" w="9525">
+                  <a14:hiddenLine xmlns:a14="http://schemas.microsoft.com/office/drawing/2010/main" xmlns="" w="9525">
                     <a:solidFill>
                       <a:srgbClr val="000000"/>
                     </a:solidFill>
@@ -13540,7 +13571,7 @@
               </a:ln>
               <a:extLst>
                 <a:ext uri="{91240B29-F687-4f45-9708-019B960494DF}">
-                  <a14:hiddenLine xmlns="" xmlns:a14="http://schemas.microsoft.com/office/drawing/2010/main" w="9525">
+                  <a14:hiddenLine xmlns:a14="http://schemas.microsoft.com/office/drawing/2010/main" xmlns="" w="9525">
                     <a:solidFill>
                       <a:srgbClr val="000000"/>
                     </a:solidFill>
@@ -13608,7 +13639,7 @@
               </a:ln>
               <a:extLst>
                 <a:ext uri="{91240B29-F687-4f45-9708-019B960494DF}">
-                  <a14:hiddenLine xmlns="" xmlns:a14="http://schemas.microsoft.com/office/drawing/2010/main" w="9525">
+                  <a14:hiddenLine xmlns:a14="http://schemas.microsoft.com/office/drawing/2010/main" xmlns="" w="9525">
                     <a:solidFill>
                       <a:srgbClr val="000000"/>
                     </a:solidFill>
@@ -13698,7 +13729,7 @@
               </a:ln>
               <a:extLst>
                 <a:ext uri="{91240B29-F687-4f45-9708-019B960494DF}">
-                  <a14:hiddenLine xmlns="" xmlns:a14="http://schemas.microsoft.com/office/drawing/2010/main" w="9525">
+                  <a14:hiddenLine xmlns:a14="http://schemas.microsoft.com/office/drawing/2010/main" xmlns="" w="9525">
                     <a:solidFill>
                       <a:srgbClr val="000000"/>
                     </a:solidFill>
@@ -13766,7 +13797,7 @@
               </a:ln>
               <a:extLst>
                 <a:ext uri="{91240B29-F687-4f45-9708-019B960494DF}">
-                  <a14:hiddenLine xmlns="" xmlns:a14="http://schemas.microsoft.com/office/drawing/2010/main" w="9525">
+                  <a14:hiddenLine xmlns:a14="http://schemas.microsoft.com/office/drawing/2010/main" xmlns="" w="9525">
                     <a:solidFill>
                       <a:srgbClr val="000000"/>
                     </a:solidFill>
@@ -13856,7 +13887,7 @@
               </a:ln>
               <a:extLst>
                 <a:ext uri="{91240B29-F687-4f45-9708-019B960494DF}">
-                  <a14:hiddenLine xmlns="" xmlns:a14="http://schemas.microsoft.com/office/drawing/2010/main" w="9525">
+                  <a14:hiddenLine xmlns:a14="http://schemas.microsoft.com/office/drawing/2010/main" xmlns="" w="9525">
                     <a:solidFill>
                       <a:srgbClr val="000000"/>
                     </a:solidFill>
@@ -13890,7 +13921,7 @@
               </a:ln>
               <a:extLst>
                 <a:ext uri="{91240B29-F687-4f45-9708-019B960494DF}">
-                  <a14:hiddenLine xmlns="" xmlns:a14="http://schemas.microsoft.com/office/drawing/2010/main" w="9525">
+                  <a14:hiddenLine xmlns:a14="http://schemas.microsoft.com/office/drawing/2010/main" xmlns="" w="9525">
                     <a:solidFill>
                       <a:srgbClr val="000000"/>
                     </a:solidFill>
@@ -14031,7 +14062,7 @@
             <a:fld id="{48A87A34-81AB-432B-8DAE-1953F412C126}" type="datetimeFigureOut">
               <a:rPr lang="en-US" dirty="0"/>
               <a:pPr/>
-              <a:t>7/16/2018</a:t>
+              <a:t>8/14/2018</a:t>
             </a:fld>
             <a:endParaRPr lang="en-US" dirty="0"/>
           </a:p>
@@ -15429,6 +15460,283 @@
   <p:clrMapOvr>
     <a:masterClrMapping/>
   </p:clrMapOvr>
+  <p:timing>
+    <p:tnLst>
+      <p:par>
+        <p:cTn id="1" dur="indefinite" restart="never" nodeType="tmRoot">
+          <p:childTnLst>
+            <p:seq concurrent="1" nextAc="seek">
+              <p:cTn id="2" dur="indefinite" nodeType="mainSeq">
+                <p:childTnLst>
+                  <p:par>
+                    <p:cTn id="3" fill="hold">
+                      <p:stCondLst>
+                        <p:cond delay="indefinite"/>
+                      </p:stCondLst>
+                      <p:childTnLst>
+                        <p:par>
+                          <p:cTn id="4" fill="hold">
+                            <p:stCondLst>
+                              <p:cond delay="0"/>
+                            </p:stCondLst>
+                            <p:childTnLst>
+                              <p:par>
+                                <p:cTn id="5" presetID="10" presetClass="entr" presetSubtype="0" fill="hold" grpId="0" nodeType="clickEffect">
+                                  <p:stCondLst>
+                                    <p:cond delay="0"/>
+                                  </p:stCondLst>
+                                  <p:childTnLst>
+                                    <p:set>
+                                      <p:cBhvr>
+                                        <p:cTn id="6" dur="1" fill="hold">
+                                          <p:stCondLst>
+                                            <p:cond delay="0"/>
+                                          </p:stCondLst>
+                                        </p:cTn>
+                                        <p:tgtEl>
+                                          <p:spTgt spid="3">
+                                            <p:txEl>
+                                              <p:pRg st="0" end="0"/>
+                                            </p:txEl>
+                                          </p:spTgt>
+                                        </p:tgtEl>
+                                        <p:attrNameLst>
+                                          <p:attrName>style.visibility</p:attrName>
+                                        </p:attrNameLst>
+                                      </p:cBhvr>
+                                      <p:to>
+                                        <p:strVal val="visible"/>
+                                      </p:to>
+                                    </p:set>
+                                    <p:animEffect transition="in" filter="fade">
+                                      <p:cBhvr>
+                                        <p:cTn id="7" dur="500"/>
+                                        <p:tgtEl>
+                                          <p:spTgt spid="3">
+                                            <p:txEl>
+                                              <p:pRg st="0" end="0"/>
+                                            </p:txEl>
+                                          </p:spTgt>
+                                        </p:tgtEl>
+                                      </p:cBhvr>
+                                    </p:animEffect>
+                                  </p:childTnLst>
+                                </p:cTn>
+                              </p:par>
+                            </p:childTnLst>
+                          </p:cTn>
+                        </p:par>
+                      </p:childTnLst>
+                    </p:cTn>
+                  </p:par>
+                  <p:par>
+                    <p:cTn id="8" fill="hold">
+                      <p:stCondLst>
+                        <p:cond delay="indefinite"/>
+                      </p:stCondLst>
+                      <p:childTnLst>
+                        <p:par>
+                          <p:cTn id="9" fill="hold">
+                            <p:stCondLst>
+                              <p:cond delay="0"/>
+                            </p:stCondLst>
+                            <p:childTnLst>
+                              <p:par>
+                                <p:cTn id="10" presetID="10" presetClass="entr" presetSubtype="0" fill="hold" grpId="0" nodeType="clickEffect">
+                                  <p:stCondLst>
+                                    <p:cond delay="0"/>
+                                  </p:stCondLst>
+                                  <p:childTnLst>
+                                    <p:set>
+                                      <p:cBhvr>
+                                        <p:cTn id="11" dur="1" fill="hold">
+                                          <p:stCondLst>
+                                            <p:cond delay="0"/>
+                                          </p:stCondLst>
+                                        </p:cTn>
+                                        <p:tgtEl>
+                                          <p:spTgt spid="3">
+                                            <p:txEl>
+                                              <p:pRg st="1" end="1"/>
+                                            </p:txEl>
+                                          </p:spTgt>
+                                        </p:tgtEl>
+                                        <p:attrNameLst>
+                                          <p:attrName>style.visibility</p:attrName>
+                                        </p:attrNameLst>
+                                      </p:cBhvr>
+                                      <p:to>
+                                        <p:strVal val="visible"/>
+                                      </p:to>
+                                    </p:set>
+                                    <p:animEffect transition="in" filter="fade">
+                                      <p:cBhvr>
+                                        <p:cTn id="12" dur="500"/>
+                                        <p:tgtEl>
+                                          <p:spTgt spid="3">
+                                            <p:txEl>
+                                              <p:pRg st="1" end="1"/>
+                                            </p:txEl>
+                                          </p:spTgt>
+                                        </p:tgtEl>
+                                      </p:cBhvr>
+                                    </p:animEffect>
+                                  </p:childTnLst>
+                                </p:cTn>
+                              </p:par>
+                            </p:childTnLst>
+                          </p:cTn>
+                        </p:par>
+                      </p:childTnLst>
+                    </p:cTn>
+                  </p:par>
+                  <p:par>
+                    <p:cTn id="13" fill="hold">
+                      <p:stCondLst>
+                        <p:cond delay="indefinite"/>
+                      </p:stCondLst>
+                      <p:childTnLst>
+                        <p:par>
+                          <p:cTn id="14" fill="hold">
+                            <p:stCondLst>
+                              <p:cond delay="0"/>
+                            </p:stCondLst>
+                            <p:childTnLst>
+                              <p:par>
+                                <p:cTn id="15" presetID="10" presetClass="entr" presetSubtype="0" fill="hold" grpId="0" nodeType="clickEffect">
+                                  <p:stCondLst>
+                                    <p:cond delay="0"/>
+                                  </p:stCondLst>
+                                  <p:childTnLst>
+                                    <p:set>
+                                      <p:cBhvr>
+                                        <p:cTn id="16" dur="1" fill="hold">
+                                          <p:stCondLst>
+                                            <p:cond delay="0"/>
+                                          </p:stCondLst>
+                                        </p:cTn>
+                                        <p:tgtEl>
+                                          <p:spTgt spid="3">
+                                            <p:txEl>
+                                              <p:pRg st="3" end="3"/>
+                                            </p:txEl>
+                                          </p:spTgt>
+                                        </p:tgtEl>
+                                        <p:attrNameLst>
+                                          <p:attrName>style.visibility</p:attrName>
+                                        </p:attrNameLst>
+                                      </p:cBhvr>
+                                      <p:to>
+                                        <p:strVal val="visible"/>
+                                      </p:to>
+                                    </p:set>
+                                    <p:animEffect transition="in" filter="fade">
+                                      <p:cBhvr>
+                                        <p:cTn id="17" dur="500"/>
+                                        <p:tgtEl>
+                                          <p:spTgt spid="3">
+                                            <p:txEl>
+                                              <p:pRg st="3" end="3"/>
+                                            </p:txEl>
+                                          </p:spTgt>
+                                        </p:tgtEl>
+                                      </p:cBhvr>
+                                    </p:animEffect>
+                                  </p:childTnLst>
+                                </p:cTn>
+                              </p:par>
+                            </p:childTnLst>
+                          </p:cTn>
+                        </p:par>
+                      </p:childTnLst>
+                    </p:cTn>
+                  </p:par>
+                  <p:par>
+                    <p:cTn id="18" fill="hold">
+                      <p:stCondLst>
+                        <p:cond delay="indefinite"/>
+                      </p:stCondLst>
+                      <p:childTnLst>
+                        <p:par>
+                          <p:cTn id="19" fill="hold">
+                            <p:stCondLst>
+                              <p:cond delay="0"/>
+                            </p:stCondLst>
+                            <p:childTnLst>
+                              <p:par>
+                                <p:cTn id="20" presetID="10" presetClass="entr" presetSubtype="0" fill="hold" grpId="0" nodeType="clickEffect">
+                                  <p:stCondLst>
+                                    <p:cond delay="0"/>
+                                  </p:stCondLst>
+                                  <p:childTnLst>
+                                    <p:set>
+                                      <p:cBhvr>
+                                        <p:cTn id="21" dur="1" fill="hold">
+                                          <p:stCondLst>
+                                            <p:cond delay="0"/>
+                                          </p:stCondLst>
+                                        </p:cTn>
+                                        <p:tgtEl>
+                                          <p:spTgt spid="3">
+                                            <p:txEl>
+                                              <p:pRg st="4" end="4"/>
+                                            </p:txEl>
+                                          </p:spTgt>
+                                        </p:tgtEl>
+                                        <p:attrNameLst>
+                                          <p:attrName>style.visibility</p:attrName>
+                                        </p:attrNameLst>
+                                      </p:cBhvr>
+                                      <p:to>
+                                        <p:strVal val="visible"/>
+                                      </p:to>
+                                    </p:set>
+                                    <p:animEffect transition="in" filter="fade">
+                                      <p:cBhvr>
+                                        <p:cTn id="22" dur="500"/>
+                                        <p:tgtEl>
+                                          <p:spTgt spid="3">
+                                            <p:txEl>
+                                              <p:pRg st="4" end="4"/>
+                                            </p:txEl>
+                                          </p:spTgt>
+                                        </p:tgtEl>
+                                      </p:cBhvr>
+                                    </p:animEffect>
+                                  </p:childTnLst>
+                                </p:cTn>
+                              </p:par>
+                            </p:childTnLst>
+                          </p:cTn>
+                        </p:par>
+                      </p:childTnLst>
+                    </p:cTn>
+                  </p:par>
+                </p:childTnLst>
+              </p:cTn>
+              <p:prevCondLst>
+                <p:cond evt="onPrev" delay="0">
+                  <p:tgtEl>
+                    <p:sldTgt/>
+                  </p:tgtEl>
+                </p:cond>
+              </p:prevCondLst>
+              <p:nextCondLst>
+                <p:cond evt="onNext" delay="0">
+                  <p:tgtEl>
+                    <p:sldTgt/>
+                  </p:tgtEl>
+                </p:cond>
+              </p:nextCondLst>
+            </p:seq>
+          </p:childTnLst>
+        </p:cTn>
+      </p:par>
+    </p:tnLst>
+    <p:bldLst>
+      <p:bldP spid="3" grpId="0" build="p"/>
+    </p:bldLst>
+  </p:timing>
 </p:sld>
 </file>
 
@@ -15580,6 +15888,18 @@
                 <a:latin typeface="Consolas" panose="020B0609020204030204" pitchFamily="49" charset="0"/>
               </a:rPr>
               <a:t> /</a:t>
+            </a:r>
+            <a:r>
+              <a:rPr lang="en-US" sz="1800" dirty="0" err="1">
+                <a:latin typeface="Consolas" panose="020B0609020204030204" pitchFamily="49" charset="0"/>
+              </a:rPr>
+              <a:t>bigfiles</a:t>
+            </a:r>
+            <a:r>
+              <a:rPr lang="en-US" sz="1800" dirty="0">
+                <a:latin typeface="Consolas" panose="020B0609020204030204" pitchFamily="49" charset="0"/>
+              </a:rPr>
+              <a:t> #this unzips the file into /</a:t>
             </a:r>
             <a:r>
               <a:rPr lang="en-US" sz="1800" dirty="0" err="1">

--- a/Modules/Module 4 - Advanced Docker/Module 4 - Advanced Docker.pptx
+++ b/Modules/Module 4 - Advanced Docker/Module 4 - Advanced Docker.pptx
@@ -5,7 +5,7 @@
     <p:sldMasterId id="2147483648" r:id="rId1"/>
   </p:sldMasterIdLst>
   <p:notesMasterIdLst>
-    <p:notesMasterId r:id="rId15"/>
+    <p:notesMasterId r:id="rId13"/>
   </p:notesMasterIdLst>
   <p:sldIdLst>
     <p:sldId id="256" r:id="rId2"/>
@@ -18,9 +18,7 @@
     <p:sldId id="266" r:id="rId9"/>
     <p:sldId id="267" r:id="rId10"/>
     <p:sldId id="262" r:id="rId11"/>
-    <p:sldId id="263" r:id="rId12"/>
-    <p:sldId id="268" r:id="rId13"/>
-    <p:sldId id="269" r:id="rId14"/>
+    <p:sldId id="268" r:id="rId12"/>
   </p:sldIdLst>
   <p:sldSz cx="12192000" cy="6858000"/>
   <p:notesSz cx="6858000" cy="9144000"/>
@@ -150,6 +148,37 @@
           <pc:docMk/>
           <pc:sldMk cId="4242237458" sldId="261"/>
         </pc:sldMkLst>
+      </pc:sldChg>
+    </pc:docChg>
+  </pc:docChgLst>
+  <pc:docChgLst>
+    <pc:chgData name="Jim Cheshire" userId="b85fe55d-f0de-4d09-bc19-562bc869f811" providerId="ADAL" clId="{BEBC91D3-A22F-4593-9DE7-FA6F1B02D70E}"/>
+    <pc:docChg chg="modSld">
+      <pc:chgData name="Jim Cheshire" userId="b85fe55d-f0de-4d09-bc19-562bc869f811" providerId="ADAL" clId="{BEBC91D3-A22F-4593-9DE7-FA6F1B02D70E}" dt="2018-08-15T00:30:58.525" v="37" actId="20577"/>
+      <pc:docMkLst>
+        <pc:docMk/>
+      </pc:docMkLst>
+      <pc:sldChg chg="modAnim">
+        <pc:chgData name="Jim Cheshire" userId="b85fe55d-f0de-4d09-bc19-562bc869f811" providerId="ADAL" clId="{BEBC91D3-A22F-4593-9DE7-FA6F1B02D70E}" dt="2018-08-15T00:30:31.218" v="0"/>
+        <pc:sldMkLst>
+          <pc:docMk/>
+          <pc:sldMk cId="3075343060" sldId="260"/>
+        </pc:sldMkLst>
+      </pc:sldChg>
+      <pc:sldChg chg="modSp">
+        <pc:chgData name="Jim Cheshire" userId="b85fe55d-f0de-4d09-bc19-562bc869f811" providerId="ADAL" clId="{BEBC91D3-A22F-4593-9DE7-FA6F1B02D70E}" dt="2018-08-15T00:30:58.525" v="37" actId="20577"/>
+        <pc:sldMkLst>
+          <pc:docMk/>
+          <pc:sldMk cId="4242237458" sldId="261"/>
+        </pc:sldMkLst>
+        <pc:spChg chg="mod">
+          <ac:chgData name="Jim Cheshire" userId="b85fe55d-f0de-4d09-bc19-562bc869f811" providerId="ADAL" clId="{BEBC91D3-A22F-4593-9DE7-FA6F1B02D70E}" dt="2018-08-15T00:30:58.525" v="37" actId="20577"/>
+          <ac:spMkLst>
+            <pc:docMk/>
+            <pc:sldMk cId="4242237458" sldId="261"/>
+            <ac:spMk id="3" creationId="{F2D2AF97-283D-4370-9D12-1CA923B5BFD3}"/>
+          </ac:spMkLst>
+        </pc:spChg>
       </pc:sldChg>
     </pc:docChg>
   </pc:docChgLst>
@@ -392,37 +421,6 @@
       </pc:sldChg>
     </pc:docChg>
   </pc:docChgLst>
-  <pc:docChgLst>
-    <pc:chgData name="Jim Cheshire" userId="b85fe55d-f0de-4d09-bc19-562bc869f811" providerId="ADAL" clId="{BEBC91D3-A22F-4593-9DE7-FA6F1B02D70E}"/>
-    <pc:docChg chg="modSld">
-      <pc:chgData name="Jim Cheshire" userId="b85fe55d-f0de-4d09-bc19-562bc869f811" providerId="ADAL" clId="{BEBC91D3-A22F-4593-9DE7-FA6F1B02D70E}" dt="2018-08-15T00:30:58.525" v="37" actId="20577"/>
-      <pc:docMkLst>
-        <pc:docMk/>
-      </pc:docMkLst>
-      <pc:sldChg chg="modAnim">
-        <pc:chgData name="Jim Cheshire" userId="b85fe55d-f0de-4d09-bc19-562bc869f811" providerId="ADAL" clId="{BEBC91D3-A22F-4593-9DE7-FA6F1B02D70E}" dt="2018-08-15T00:30:31.218" v="0"/>
-        <pc:sldMkLst>
-          <pc:docMk/>
-          <pc:sldMk cId="3075343060" sldId="260"/>
-        </pc:sldMkLst>
-      </pc:sldChg>
-      <pc:sldChg chg="modSp">
-        <pc:chgData name="Jim Cheshire" userId="b85fe55d-f0de-4d09-bc19-562bc869f811" providerId="ADAL" clId="{BEBC91D3-A22F-4593-9DE7-FA6F1B02D70E}" dt="2018-08-15T00:30:58.525" v="37" actId="20577"/>
-        <pc:sldMkLst>
-          <pc:docMk/>
-          <pc:sldMk cId="4242237458" sldId="261"/>
-        </pc:sldMkLst>
-        <pc:spChg chg="mod">
-          <ac:chgData name="Jim Cheshire" userId="b85fe55d-f0de-4d09-bc19-562bc869f811" providerId="ADAL" clId="{BEBC91D3-A22F-4593-9DE7-FA6F1B02D70E}" dt="2018-08-15T00:30:58.525" v="37" actId="20577"/>
-          <ac:spMkLst>
-            <pc:docMk/>
-            <pc:sldMk cId="4242237458" sldId="261"/>
-            <ac:spMk id="3" creationId="{F2D2AF97-283D-4370-9D12-1CA923B5BFD3}"/>
-          </ac:spMkLst>
-        </pc:spChg>
-      </pc:sldChg>
-    </pc:docChg>
-  </pc:docChgLst>
 </pc:chgInfo>
 </file>
 
@@ -508,7 +506,7 @@
           <a:p>
             <a:fld id="{89266479-4BF4-4BDA-B78B-D51F13CE1731}" type="datetimeFigureOut">
               <a:rPr lang="en-US" smtClean="0"/>
-              <a:t>8/14/2018</a:t>
+              <a:t>8/29/18</a:t>
             </a:fld>
             <a:endParaRPr lang="en-US"/>
           </a:p>
@@ -895,94 +893,6 @@
 </p:notes>
 </file>
 
-<file path=ppt/notesSlides/notesSlide10.xml><?xml version="1.0" encoding="utf-8"?>
-<p:notes xmlns:a="http://schemas.openxmlformats.org/drawingml/2006/main" xmlns:r="http://schemas.openxmlformats.org/officeDocument/2006/relationships" xmlns:p="http://schemas.openxmlformats.org/presentationml/2006/main">
-  <p:cSld>
-    <p:spTree>
-      <p:nvGrpSpPr>
-        <p:cNvPr id="1" name=""/>
-        <p:cNvGrpSpPr/>
-        <p:nvPr/>
-      </p:nvGrpSpPr>
-      <p:grpSpPr>
-        <a:xfrm>
-          <a:off x="0" y="0"/>
-          <a:ext cx="0" cy="0"/>
-          <a:chOff x="0" y="0"/>
-          <a:chExt cx="0" cy="0"/>
-        </a:xfrm>
-      </p:grpSpPr>
-      <p:sp>
-        <p:nvSpPr>
-          <p:cNvPr id="2" name="Slide Image Placeholder 1"/>
-          <p:cNvSpPr>
-            <a:spLocks noGrp="1" noRot="1" noChangeAspect="1"/>
-          </p:cNvSpPr>
-          <p:nvPr>
-            <p:ph type="sldImg"/>
-          </p:nvPr>
-        </p:nvSpPr>
-        <p:spPr/>
-      </p:sp>
-      <p:sp>
-        <p:nvSpPr>
-          <p:cNvPr id="3" name="Notes Placeholder 2"/>
-          <p:cNvSpPr>
-            <a:spLocks noGrp="1"/>
-          </p:cNvSpPr>
-          <p:nvPr>
-            <p:ph type="body" idx="1"/>
-          </p:nvPr>
-        </p:nvSpPr>
-        <p:spPr/>
-        <p:txBody>
-          <a:bodyPr/>
-          <a:lstStyle/>
-          <a:p>
-            <a:pPr marL="0" lvl="0" indent="0">
-              <a:buFont typeface="+mj-lt"/>
-              <a:buNone/>
-            </a:pPr>
-            <a:endParaRPr lang="en-US" dirty="0"/>
-          </a:p>
-        </p:txBody>
-      </p:sp>
-      <p:sp>
-        <p:nvSpPr>
-          <p:cNvPr id="4" name="Slide Number Placeholder 3"/>
-          <p:cNvSpPr>
-            <a:spLocks noGrp="1"/>
-          </p:cNvSpPr>
-          <p:nvPr>
-            <p:ph type="sldNum" sz="quarter" idx="10"/>
-          </p:nvPr>
-        </p:nvSpPr>
-        <p:spPr/>
-        <p:txBody>
-          <a:bodyPr/>
-          <a:lstStyle/>
-          <a:p>
-            <a:fld id="{DF8FE4F4-5573-474B-93C4-D7AF020D1F81}" type="slidenum">
-              <a:rPr lang="en-US" smtClean="0"/>
-              <a:t>13</a:t>
-            </a:fld>
-            <a:endParaRPr lang="en-US"/>
-          </a:p>
-        </p:txBody>
-      </p:sp>
-    </p:spTree>
-    <p:extLst>
-      <p:ext uri="{BB962C8B-B14F-4D97-AF65-F5344CB8AC3E}">
-        <p14:creationId xmlns:p14="http://schemas.microsoft.com/office/powerpoint/2010/main" val="3555204875"/>
-      </p:ext>
-    </p:extLst>
-  </p:cSld>
-  <p:clrMapOvr>
-    <a:masterClrMapping/>
-  </p:clrMapOvr>
-</p:notes>
-</file>
-
 <file path=ppt/notesSlides/notesSlide2.xml><?xml version="1.0" encoding="utf-8"?>
 <p:notes xmlns:a="http://schemas.openxmlformats.org/drawingml/2006/main" xmlns:r="http://schemas.openxmlformats.org/officeDocument/2006/relationships" xmlns:p="http://schemas.openxmlformats.org/presentationml/2006/main">
   <p:cSld>
@@ -1693,550 +1603,6 @@
     <p:extLst>
       <p:ext uri="{BB962C8B-B14F-4D97-AF65-F5344CB8AC3E}">
         <p14:creationId xmlns:p14="http://schemas.microsoft.com/office/powerpoint/2010/main" val="3994830905"/>
-      </p:ext>
-    </p:extLst>
-  </p:cSld>
-  <p:clrMapOvr>
-    <a:masterClrMapping/>
-  </p:clrMapOvr>
-</p:notes>
-</file>
-
-<file path=ppt/notesSlides/notesSlide8.xml><?xml version="1.0" encoding="utf-8"?>
-<p:notes xmlns:a="http://schemas.openxmlformats.org/drawingml/2006/main" xmlns:r="http://schemas.openxmlformats.org/officeDocument/2006/relationships" xmlns:p="http://schemas.openxmlformats.org/presentationml/2006/main">
-  <p:cSld>
-    <p:spTree>
-      <p:nvGrpSpPr>
-        <p:cNvPr id="1" name=""/>
-        <p:cNvGrpSpPr/>
-        <p:nvPr/>
-      </p:nvGrpSpPr>
-      <p:grpSpPr>
-        <a:xfrm>
-          <a:off x="0" y="0"/>
-          <a:ext cx="0" cy="0"/>
-          <a:chOff x="0" y="0"/>
-          <a:chExt cx="0" cy="0"/>
-        </a:xfrm>
-      </p:grpSpPr>
-      <p:sp>
-        <p:nvSpPr>
-          <p:cNvPr id="2" name="Slide Image Placeholder 1"/>
-          <p:cNvSpPr>
-            <a:spLocks noGrp="1" noRot="1" noChangeAspect="1"/>
-          </p:cNvSpPr>
-          <p:nvPr>
-            <p:ph type="sldImg"/>
-          </p:nvPr>
-        </p:nvSpPr>
-        <p:spPr/>
-      </p:sp>
-      <p:sp>
-        <p:nvSpPr>
-          <p:cNvPr id="3" name="Notes Placeholder 2"/>
-          <p:cNvSpPr>
-            <a:spLocks noGrp="1"/>
-          </p:cNvSpPr>
-          <p:nvPr>
-            <p:ph type="body" idx="1"/>
-          </p:nvPr>
-        </p:nvSpPr>
-        <p:spPr/>
-        <p:txBody>
-          <a:bodyPr/>
-          <a:lstStyle/>
-          <a:p>
-            <a:pPr marL="228600" indent="-228600">
-              <a:buFont typeface="+mj-lt"/>
-              <a:buAutoNum type="arabicPeriod"/>
-            </a:pPr>
-            <a:r>
-              <a:rPr lang="en-US" dirty="0"/>
-              <a:t>Start with a basic </a:t>
-            </a:r>
-            <a:r>
-              <a:rPr lang="en-US" dirty="0" err="1"/>
-              <a:t>dockerfile</a:t>
-            </a:r>
-            <a:r>
-              <a:rPr lang="en-US" dirty="0"/>
-              <a:t> that contains only “FROM alpine”. </a:t>
-            </a:r>
-          </a:p>
-          <a:p>
-            <a:pPr marL="228600" indent="-228600">
-              <a:buFont typeface="+mj-lt"/>
-              <a:buAutoNum type="arabicPeriod"/>
-            </a:pPr>
-            <a:r>
-              <a:rPr lang="en-US" dirty="0"/>
-              <a:t>Put </a:t>
-            </a:r>
-            <a:r>
-              <a:rPr lang="en-US" dirty="0" err="1"/>
-              <a:t>dockerfile</a:t>
-            </a:r>
-            <a:r>
-              <a:rPr lang="en-US" dirty="0"/>
-              <a:t> in sub-folder on desktop.</a:t>
-            </a:r>
-          </a:p>
-          <a:p>
-            <a:pPr marL="228600" indent="-228600">
-              <a:buFont typeface="+mj-lt"/>
-              <a:buAutoNum type="arabicPeriod"/>
-            </a:pPr>
-            <a:r>
-              <a:rPr lang="en-US" dirty="0"/>
-              <a:t>Add a text file into the sub-folder called readme.txt.</a:t>
-            </a:r>
-          </a:p>
-          <a:p>
-            <a:pPr marL="228600" indent="-228600">
-              <a:buFont typeface="+mj-lt"/>
-              <a:buAutoNum type="arabicPeriod"/>
-            </a:pPr>
-            <a:r>
-              <a:rPr lang="en-US" dirty="0"/>
-              <a:t>Create image using:  docker built -t </a:t>
-            </a:r>
-            <a:r>
-              <a:rPr lang="en-US" dirty="0" err="1"/>
-              <a:t>testimage</a:t>
-            </a:r>
-            <a:r>
-              <a:rPr lang="en-US" dirty="0"/>
-              <a:t> .</a:t>
-            </a:r>
-          </a:p>
-          <a:p>
-            <a:pPr marL="228600" indent="-228600">
-              <a:buFont typeface="+mj-lt"/>
-              <a:buAutoNum type="arabicPeriod"/>
-            </a:pPr>
-            <a:r>
-              <a:rPr lang="en-US" dirty="0"/>
-              <a:t>Once image is created, run: docker images</a:t>
-            </a:r>
-          </a:p>
-          <a:p>
-            <a:pPr marL="228600" indent="-228600">
-              <a:buFont typeface="+mj-lt"/>
-              <a:buAutoNum type="arabicPeriod"/>
-            </a:pPr>
-            <a:r>
-              <a:rPr lang="en-US" dirty="0"/>
-              <a:t>Run the image:  docker run -it </a:t>
-            </a:r>
-            <a:r>
-              <a:rPr lang="en-US" dirty="0" err="1"/>
-              <a:t>testimage</a:t>
-            </a:r>
-            <a:r>
-              <a:rPr lang="en-US" dirty="0"/>
-              <a:t> </a:t>
-            </a:r>
-            <a:r>
-              <a:rPr lang="en-US" dirty="0" err="1"/>
-              <a:t>sh</a:t>
-            </a:r>
-            <a:endParaRPr lang="en-US" dirty="0"/>
-          </a:p>
-          <a:p>
-            <a:pPr marL="228600" indent="-228600">
-              <a:buFont typeface="+mj-lt"/>
-              <a:buAutoNum type="arabicPeriod"/>
-            </a:pPr>
-            <a:r>
-              <a:rPr lang="en-US" dirty="0"/>
-              <a:t>List directory structure to see that readme.txt is not there.</a:t>
-            </a:r>
-          </a:p>
-          <a:p>
-            <a:pPr marL="228600" indent="-228600">
-              <a:buFont typeface="+mj-lt"/>
-              <a:buAutoNum type="arabicPeriod"/>
-            </a:pPr>
-            <a:r>
-              <a:rPr lang="en-US" dirty="0"/>
-              <a:t>Exit shell.</a:t>
-            </a:r>
-          </a:p>
-          <a:p>
-            <a:pPr marL="228600" indent="-228600">
-              <a:buFont typeface="+mj-lt"/>
-              <a:buAutoNum type="arabicPeriod"/>
-            </a:pPr>
-            <a:r>
-              <a:rPr lang="en-US" dirty="0"/>
-              <a:t>Check to see if container is running. (docker </a:t>
-            </a:r>
-            <a:r>
-              <a:rPr lang="en-US" dirty="0" err="1"/>
-              <a:t>ps</a:t>
-            </a:r>
-            <a:r>
-              <a:rPr lang="en-US" dirty="0"/>
-              <a:t>)</a:t>
-            </a:r>
-          </a:p>
-          <a:p>
-            <a:pPr marL="228600" indent="-228600">
-              <a:buFont typeface="+mj-lt"/>
-              <a:buAutoNum type="arabicPeriod"/>
-            </a:pPr>
-            <a:r>
-              <a:rPr lang="en-US" dirty="0"/>
-              <a:t>Run “docker </a:t>
-            </a:r>
-            <a:r>
-              <a:rPr lang="en-US" dirty="0" err="1"/>
-              <a:t>ps</a:t>
-            </a:r>
-            <a:r>
-              <a:rPr lang="en-US" dirty="0"/>
-              <a:t> -all” if not running and show how to remove the container.</a:t>
-            </a:r>
-          </a:p>
-          <a:p>
-            <a:pPr marL="228600" indent="-228600">
-              <a:buFont typeface="+mj-lt"/>
-              <a:buAutoNum type="arabicPeriod"/>
-            </a:pPr>
-            <a:r>
-              <a:rPr lang="en-US" dirty="0"/>
-              <a:t>Remove the docker image.</a:t>
-            </a:r>
-          </a:p>
-          <a:p>
-            <a:pPr marL="228600" indent="-228600">
-              <a:buFont typeface="+mj-lt"/>
-              <a:buAutoNum type="arabicPeriod"/>
-            </a:pPr>
-            <a:r>
-              <a:rPr lang="en-US" dirty="0"/>
-              <a:t>Edit the </a:t>
-            </a:r>
-            <a:r>
-              <a:rPr lang="en-US" dirty="0" err="1"/>
-              <a:t>dockerfile</a:t>
-            </a:r>
-            <a:r>
-              <a:rPr lang="en-US" dirty="0"/>
-              <a:t> and add “COPY readme.txt /”</a:t>
-            </a:r>
-          </a:p>
-          <a:p>
-            <a:pPr marL="228600" indent="-228600">
-              <a:buFont typeface="+mj-lt"/>
-              <a:buAutoNum type="arabicPeriod"/>
-            </a:pPr>
-            <a:r>
-              <a:rPr lang="en-US" dirty="0"/>
-              <a:t>Create image and run.</a:t>
-            </a:r>
-          </a:p>
-          <a:p>
-            <a:pPr marL="228600" indent="-228600">
-              <a:buFont typeface="+mj-lt"/>
-              <a:buAutoNum type="arabicPeriod"/>
-            </a:pPr>
-            <a:r>
-              <a:rPr lang="en-US" dirty="0"/>
-              <a:t>List and show that readme.txt is now there.</a:t>
-            </a:r>
-          </a:p>
-          <a:p>
-            <a:pPr marL="228600" indent="-228600">
-              <a:buFont typeface="+mj-lt"/>
-              <a:buAutoNum type="arabicPeriod"/>
-            </a:pPr>
-            <a:endParaRPr lang="en-US" dirty="0"/>
-          </a:p>
-        </p:txBody>
-      </p:sp>
-      <p:sp>
-        <p:nvSpPr>
-          <p:cNvPr id="4" name="Slide Number Placeholder 3"/>
-          <p:cNvSpPr>
-            <a:spLocks noGrp="1"/>
-          </p:cNvSpPr>
-          <p:nvPr>
-            <p:ph type="sldNum" sz="quarter" idx="10"/>
-          </p:nvPr>
-        </p:nvSpPr>
-        <p:spPr/>
-        <p:txBody>
-          <a:bodyPr/>
-          <a:lstStyle/>
-          <a:p>
-            <a:fld id="{DF8FE4F4-5573-474B-93C4-D7AF020D1F81}" type="slidenum">
-              <a:rPr lang="en-US" smtClean="0"/>
-              <a:t>11</a:t>
-            </a:fld>
-            <a:endParaRPr lang="en-US"/>
-          </a:p>
-        </p:txBody>
-      </p:sp>
-    </p:spTree>
-    <p:extLst>
-      <p:ext uri="{BB962C8B-B14F-4D97-AF65-F5344CB8AC3E}">
-        <p14:creationId xmlns:p14="http://schemas.microsoft.com/office/powerpoint/2010/main" val="1626282737"/>
-      </p:ext>
-    </p:extLst>
-  </p:cSld>
-  <p:clrMapOvr>
-    <a:masterClrMapping/>
-  </p:clrMapOvr>
-</p:notes>
-</file>
-
-<file path=ppt/notesSlides/notesSlide9.xml><?xml version="1.0" encoding="utf-8"?>
-<p:notes xmlns:a="http://schemas.openxmlformats.org/drawingml/2006/main" xmlns:r="http://schemas.openxmlformats.org/officeDocument/2006/relationships" xmlns:p="http://schemas.openxmlformats.org/presentationml/2006/main">
-  <p:cSld>
-    <p:spTree>
-      <p:nvGrpSpPr>
-        <p:cNvPr id="1" name=""/>
-        <p:cNvGrpSpPr/>
-        <p:nvPr/>
-      </p:nvGrpSpPr>
-      <p:grpSpPr>
-        <a:xfrm>
-          <a:off x="0" y="0"/>
-          <a:ext cx="0" cy="0"/>
-          <a:chOff x="0" y="0"/>
-          <a:chExt cx="0" cy="0"/>
-        </a:xfrm>
-      </p:grpSpPr>
-      <p:sp>
-        <p:nvSpPr>
-          <p:cNvPr id="2" name="Slide Image Placeholder 1"/>
-          <p:cNvSpPr>
-            <a:spLocks noGrp="1" noRot="1" noChangeAspect="1"/>
-          </p:cNvSpPr>
-          <p:nvPr>
-            <p:ph type="sldImg"/>
-          </p:nvPr>
-        </p:nvSpPr>
-        <p:spPr/>
-      </p:sp>
-      <p:sp>
-        <p:nvSpPr>
-          <p:cNvPr id="3" name="Notes Placeholder 2"/>
-          <p:cNvSpPr>
-            <a:spLocks noGrp="1"/>
-          </p:cNvSpPr>
-          <p:nvPr>
-            <p:ph type="body" idx="1"/>
-          </p:nvPr>
-        </p:nvSpPr>
-        <p:spPr/>
-        <p:txBody>
-          <a:bodyPr/>
-          <a:lstStyle/>
-          <a:p>
-            <a:pPr marL="228600" indent="-228600">
-              <a:buFont typeface="+mj-lt"/>
-              <a:buAutoNum type="arabicPeriod"/>
-            </a:pPr>
-            <a:r>
-              <a:rPr lang="en-US" dirty="0"/>
-              <a:t>Use “FROM alpine” in a </a:t>
-            </a:r>
-            <a:r>
-              <a:rPr lang="en-US" dirty="0" err="1"/>
-              <a:t>dockerfile</a:t>
-            </a:r>
-            <a:r>
-              <a:rPr lang="en-US" dirty="0"/>
-              <a:t>.</a:t>
-            </a:r>
-          </a:p>
-          <a:p>
-            <a:pPr marL="228600" indent="-228600">
-              <a:buFont typeface="+mj-lt"/>
-              <a:buAutoNum type="arabicPeriod"/>
-            </a:pPr>
-            <a:r>
-              <a:rPr lang="en-US" dirty="0"/>
-              <a:t>Build with : “docker built -t </a:t>
-            </a:r>
-            <a:r>
-              <a:rPr lang="en-US" dirty="0" err="1"/>
-              <a:t>myimage</a:t>
-            </a:r>
-            <a:r>
-              <a:rPr lang="en-US" dirty="0"/>
-              <a:t> .”</a:t>
-            </a:r>
-          </a:p>
-          <a:p>
-            <a:pPr marL="228600" indent="-228600">
-              <a:buFont typeface="+mj-lt"/>
-              <a:buAutoNum type="arabicPeriod"/>
-            </a:pPr>
-            <a:r>
-              <a:rPr lang="en-US" dirty="0"/>
-              <a:t>Run with: “docker run -d </a:t>
-            </a:r>
-            <a:r>
-              <a:rPr lang="en-US" dirty="0" err="1"/>
-              <a:t>myimage</a:t>
-            </a:r>
-            <a:r>
-              <a:rPr lang="en-US" dirty="0"/>
-              <a:t> tail -f /dev/null”</a:t>
-            </a:r>
-          </a:p>
-          <a:p>
-            <a:pPr marL="457200" lvl="1" indent="0">
-              <a:buFont typeface="+mj-lt"/>
-              <a:buNone/>
-            </a:pPr>
-            <a:r>
-              <a:rPr lang="en-US" dirty="0"/>
-              <a:t>Explain that we do this to keep something running so we can connect and disconnect.</a:t>
-            </a:r>
-          </a:p>
-          <a:p>
-            <a:pPr marL="457200" lvl="1" indent="0">
-              <a:buFont typeface="+mj-lt"/>
-              <a:buNone/>
-            </a:pPr>
-            <a:r>
-              <a:rPr lang="en-US" dirty="0"/>
-              <a:t>Demonstrate connecting by “docker exec -it &lt;container&gt; </a:t>
-            </a:r>
-            <a:r>
-              <a:rPr lang="en-US" dirty="0" err="1"/>
-              <a:t>sh</a:t>
-            </a:r>
-            <a:r>
-              <a:rPr lang="en-US" dirty="0"/>
-              <a:t>”</a:t>
-            </a:r>
-          </a:p>
-          <a:p>
-            <a:pPr marL="228600" lvl="0" indent="-228600">
-              <a:buFont typeface="+mj-lt"/>
-              <a:buAutoNum type="arabicPeriod"/>
-            </a:pPr>
-            <a:r>
-              <a:rPr lang="en-US" dirty="0"/>
-              <a:t>Copy a file into the container using “docker cp file.txt &lt;container&gt;:/file.txt”</a:t>
-            </a:r>
-          </a:p>
-          <a:p>
-            <a:pPr marL="228600" lvl="0" indent="-228600">
-              <a:buFont typeface="+mj-lt"/>
-              <a:buAutoNum type="arabicPeriod"/>
-            </a:pPr>
-            <a:r>
-              <a:rPr lang="en-US" dirty="0"/>
-              <a:t>Connect to container and look to see file there. </a:t>
-            </a:r>
-          </a:p>
-          <a:p>
-            <a:pPr marL="228600" lvl="0" indent="-228600">
-              <a:buFont typeface="+mj-lt"/>
-              <a:buAutoNum type="arabicPeriod"/>
-            </a:pPr>
-            <a:endParaRPr lang="en-US" dirty="0"/>
-          </a:p>
-          <a:p>
-            <a:pPr marL="0" lvl="0" indent="0">
-              <a:buFont typeface="+mj-lt"/>
-              <a:buNone/>
-            </a:pPr>
-            <a:r>
-              <a:rPr lang="en-US" dirty="0"/>
-              <a:t>At this point, you can actually stop the container and run it again to see that the file doesn’t persist. (Based on time.) If you do, you’ll need to go through steps above again before proceeding.</a:t>
-            </a:r>
-          </a:p>
-          <a:p>
-            <a:pPr marL="0" lvl="0" indent="0">
-              <a:buFont typeface="+mj-lt"/>
-              <a:buNone/>
-            </a:pPr>
-            <a:endParaRPr lang="en-US" dirty="0"/>
-          </a:p>
-          <a:p>
-            <a:pPr marL="228600" lvl="0" indent="-228600">
-              <a:buFont typeface="+mj-lt"/>
-              <a:buAutoNum type="arabicPeriod"/>
-            </a:pPr>
-            <a:r>
-              <a:rPr lang="en-US" dirty="0"/>
-              <a:t>“docker commit &lt;container&gt; myimage:v2”</a:t>
-            </a:r>
-          </a:p>
-          <a:p>
-            <a:pPr marL="228600" lvl="0" indent="-228600">
-              <a:buFont typeface="+mj-lt"/>
-              <a:buAutoNum type="arabicPeriod"/>
-            </a:pPr>
-            <a:r>
-              <a:rPr lang="en-US" dirty="0"/>
-              <a:t>Run the new container and look to see that the file we added is now part of the image.</a:t>
-            </a:r>
-          </a:p>
-          <a:p>
-            <a:pPr marL="228600" lvl="0" indent="-228600">
-              <a:buFont typeface="+mj-lt"/>
-              <a:buAutoNum type="arabicPeriod"/>
-            </a:pPr>
-            <a:endParaRPr lang="en-US" dirty="0"/>
-          </a:p>
-          <a:p>
-            <a:pPr marL="0" lvl="0" indent="0">
-              <a:buFont typeface="+mj-lt"/>
-              <a:buNone/>
-            </a:pPr>
-            <a:endParaRPr lang="en-US" dirty="0"/>
-          </a:p>
-          <a:p>
-            <a:pPr marL="0" lvl="0" indent="0">
-              <a:buFont typeface="+mj-lt"/>
-              <a:buNone/>
-            </a:pPr>
-            <a:endParaRPr lang="en-US" dirty="0"/>
-          </a:p>
-          <a:p>
-            <a:pPr marL="0" lvl="0" indent="0">
-              <a:buFont typeface="+mj-lt"/>
-              <a:buNone/>
-            </a:pPr>
-            <a:endParaRPr lang="en-US" dirty="0"/>
-          </a:p>
-        </p:txBody>
-      </p:sp>
-      <p:sp>
-        <p:nvSpPr>
-          <p:cNvPr id="4" name="Slide Number Placeholder 3"/>
-          <p:cNvSpPr>
-            <a:spLocks noGrp="1"/>
-          </p:cNvSpPr>
-          <p:nvPr>
-            <p:ph type="sldNum" sz="quarter" idx="10"/>
-          </p:nvPr>
-        </p:nvSpPr>
-        <p:spPr/>
-        <p:txBody>
-          <a:bodyPr/>
-          <a:lstStyle/>
-          <a:p>
-            <a:fld id="{DF8FE4F4-5573-474B-93C4-D7AF020D1F81}" type="slidenum">
-              <a:rPr lang="en-US" smtClean="0"/>
-              <a:t>12</a:t>
-            </a:fld>
-            <a:endParaRPr lang="en-US"/>
-          </a:p>
-        </p:txBody>
-      </p:sp>
-    </p:spTree>
-    <p:extLst>
-      <p:ext uri="{BB962C8B-B14F-4D97-AF65-F5344CB8AC3E}">
-        <p14:creationId xmlns:p14="http://schemas.microsoft.com/office/powerpoint/2010/main" val="3824533986"/>
       </p:ext>
     </p:extLst>
   </p:cSld>
@@ -2303,7 +1669,7 @@
           <a:noFill/>
           <a:extLst>
             <a:ext uri="{909E8E84-426E-40dd-AFC4-6F175D3DCCD1}">
-              <a14:hiddenFill xmlns:a14="http://schemas.microsoft.com/office/drawing/2010/main" xmlns="">
+              <a14:hiddenFill xmlns="" xmlns:a14="http://schemas.microsoft.com/office/drawing/2010/main">
                 <a:solidFill>
                   <a:srgbClr val="FFFFFF"/>
                 </a:solidFill>
@@ -2362,7 +1728,7 @@
             </a:ln>
             <a:extLst>
               <a:ext uri="{91240B29-F687-4f45-9708-019B960494DF}">
-                <a14:hiddenLine xmlns:a14="http://schemas.microsoft.com/office/drawing/2010/main" xmlns="" w="9525">
+                <a14:hiddenLine xmlns="" xmlns:a14="http://schemas.microsoft.com/office/drawing/2010/main" w="9525">
                   <a:solidFill>
                     <a:srgbClr val="000000"/>
                   </a:solidFill>
@@ -2452,7 +1818,7 @@
             </a:ln>
             <a:extLst>
               <a:ext uri="{91240B29-F687-4f45-9708-019B960494DF}">
-                <a14:hiddenLine xmlns:a14="http://schemas.microsoft.com/office/drawing/2010/main" xmlns="" w="9525">
+                <a14:hiddenLine xmlns="" xmlns:a14="http://schemas.microsoft.com/office/drawing/2010/main" w="9525">
                   <a:solidFill>
                     <a:srgbClr val="000000"/>
                   </a:solidFill>
@@ -2542,7 +1908,7 @@
             </a:ln>
             <a:extLst>
               <a:ext uri="{91240B29-F687-4f45-9708-019B960494DF}">
-                <a14:hiddenLine xmlns:a14="http://schemas.microsoft.com/office/drawing/2010/main" xmlns="" w="9525">
+                <a14:hiddenLine xmlns="" xmlns:a14="http://schemas.microsoft.com/office/drawing/2010/main" w="9525">
                   <a:solidFill>
                     <a:srgbClr val="000000"/>
                   </a:solidFill>
@@ -2576,7 +1942,7 @@
             </a:ln>
             <a:extLst>
               <a:ext uri="{91240B29-F687-4f45-9708-019B960494DF}">
-                <a14:hiddenLine xmlns:a14="http://schemas.microsoft.com/office/drawing/2010/main" xmlns="" w="9525">
+                <a14:hiddenLine xmlns="" xmlns:a14="http://schemas.microsoft.com/office/drawing/2010/main" w="9525">
                   <a:solidFill>
                     <a:srgbClr val="000000"/>
                   </a:solidFill>
@@ -2666,7 +2032,7 @@
             </a:ln>
             <a:extLst>
               <a:ext uri="{91240B29-F687-4f45-9708-019B960494DF}">
-                <a14:hiddenLine xmlns:a14="http://schemas.microsoft.com/office/drawing/2010/main" xmlns="" w="9525">
+                <a14:hiddenLine xmlns="" xmlns:a14="http://schemas.microsoft.com/office/drawing/2010/main" w="9525">
                   <a:solidFill>
                     <a:srgbClr val="000000"/>
                   </a:solidFill>
@@ -2728,7 +2094,7 @@
             </a:ln>
             <a:extLst>
               <a:ext uri="{91240B29-F687-4f45-9708-019B960494DF}">
-                <a14:hiddenLine xmlns:a14="http://schemas.microsoft.com/office/drawing/2010/main" xmlns="" w="9525">
+                <a14:hiddenLine xmlns="" xmlns:a14="http://schemas.microsoft.com/office/drawing/2010/main" w="9525">
                   <a:solidFill>
                     <a:srgbClr val="000000"/>
                   </a:solidFill>
@@ -2790,7 +2156,7 @@
             </a:ln>
             <a:extLst>
               <a:ext uri="{91240B29-F687-4f45-9708-019B960494DF}">
-                <a14:hiddenLine xmlns:a14="http://schemas.microsoft.com/office/drawing/2010/main" xmlns="" w="9525">
+                <a14:hiddenLine xmlns="" xmlns:a14="http://schemas.microsoft.com/office/drawing/2010/main" w="9525">
                   <a:solidFill>
                     <a:srgbClr val="000000"/>
                   </a:solidFill>
@@ -2880,7 +2246,7 @@
             </a:ln>
             <a:extLst>
               <a:ext uri="{91240B29-F687-4f45-9708-019B960494DF}">
-                <a14:hiddenLine xmlns:a14="http://schemas.microsoft.com/office/drawing/2010/main" xmlns="" w="9525">
+                <a14:hiddenLine xmlns="" xmlns:a14="http://schemas.microsoft.com/office/drawing/2010/main" w="9525">
                   <a:solidFill>
                     <a:srgbClr val="000000"/>
                   </a:solidFill>
@@ -2942,7 +2308,7 @@
             </a:ln>
             <a:extLst>
               <a:ext uri="{91240B29-F687-4f45-9708-019B960494DF}">
-                <a14:hiddenLine xmlns:a14="http://schemas.microsoft.com/office/drawing/2010/main" xmlns="" w="9525">
+                <a14:hiddenLine xmlns="" xmlns:a14="http://schemas.microsoft.com/office/drawing/2010/main" w="9525">
                   <a:solidFill>
                     <a:srgbClr val="000000"/>
                   </a:solidFill>
@@ -3004,7 +2370,7 @@
             </a:ln>
             <a:extLst>
               <a:ext uri="{91240B29-F687-4f45-9708-019B960494DF}">
-                <a14:hiddenLine xmlns:a14="http://schemas.microsoft.com/office/drawing/2010/main" xmlns="" w="9525">
+                <a14:hiddenLine xmlns="" xmlns:a14="http://schemas.microsoft.com/office/drawing/2010/main" w="9525">
                   <a:solidFill>
                     <a:srgbClr val="000000"/>
                   </a:solidFill>
@@ -3094,7 +2460,7 @@
             </a:ln>
             <a:extLst>
               <a:ext uri="{91240B29-F687-4f45-9708-019B960494DF}">
-                <a14:hiddenLine xmlns:a14="http://schemas.microsoft.com/office/drawing/2010/main" xmlns="" w="9525">
+                <a14:hiddenLine xmlns="" xmlns:a14="http://schemas.microsoft.com/office/drawing/2010/main" w="9525">
                   <a:solidFill>
                     <a:srgbClr val="000000"/>
                   </a:solidFill>
@@ -3184,7 +2550,7 @@
             </a:ln>
             <a:extLst>
               <a:ext uri="{91240B29-F687-4f45-9708-019B960494DF}">
-                <a14:hiddenLine xmlns:a14="http://schemas.microsoft.com/office/drawing/2010/main" xmlns="" w="9525">
+                <a14:hiddenLine xmlns="" xmlns:a14="http://schemas.microsoft.com/office/drawing/2010/main" w="9525">
                   <a:solidFill>
                     <a:srgbClr val="000000"/>
                   </a:solidFill>
@@ -3246,7 +2612,7 @@
             </a:ln>
             <a:extLst>
               <a:ext uri="{91240B29-F687-4f45-9708-019B960494DF}">
-                <a14:hiddenLine xmlns:a14="http://schemas.microsoft.com/office/drawing/2010/main" xmlns="" w="9525">
+                <a14:hiddenLine xmlns="" xmlns:a14="http://schemas.microsoft.com/office/drawing/2010/main" w="9525">
                   <a:solidFill>
                     <a:srgbClr val="000000"/>
                   </a:solidFill>
@@ -3356,7 +2722,7 @@
             </a:ln>
             <a:extLst>
               <a:ext uri="{91240B29-F687-4f45-9708-019B960494DF}">
-                <a14:hiddenLine xmlns:a14="http://schemas.microsoft.com/office/drawing/2010/main" xmlns="" w="9525">
+                <a14:hiddenLine xmlns="" xmlns:a14="http://schemas.microsoft.com/office/drawing/2010/main" w="9525">
                   <a:solidFill>
                     <a:srgbClr val="000000"/>
                   </a:solidFill>
@@ -3418,7 +2784,7 @@
             </a:ln>
             <a:extLst>
               <a:ext uri="{91240B29-F687-4f45-9708-019B960494DF}">
-                <a14:hiddenLine xmlns:a14="http://schemas.microsoft.com/office/drawing/2010/main" xmlns="" w="9525">
+                <a14:hiddenLine xmlns="" xmlns:a14="http://schemas.microsoft.com/office/drawing/2010/main" w="9525">
                   <a:solidFill>
                     <a:srgbClr val="000000"/>
                   </a:solidFill>
@@ -3508,7 +2874,7 @@
             </a:ln>
             <a:extLst>
               <a:ext uri="{91240B29-F687-4f45-9708-019B960494DF}">
-                <a14:hiddenLine xmlns:a14="http://schemas.microsoft.com/office/drawing/2010/main" xmlns="" w="9525">
+                <a14:hiddenLine xmlns="" xmlns:a14="http://schemas.microsoft.com/office/drawing/2010/main" w="9525">
                   <a:solidFill>
                     <a:srgbClr val="000000"/>
                   </a:solidFill>
@@ -3598,7 +2964,7 @@
             </a:ln>
             <a:extLst>
               <a:ext uri="{91240B29-F687-4f45-9708-019B960494DF}">
-                <a14:hiddenLine xmlns:a14="http://schemas.microsoft.com/office/drawing/2010/main" xmlns="" w="9525">
+                <a14:hiddenLine xmlns="" xmlns:a14="http://schemas.microsoft.com/office/drawing/2010/main" w="9525">
                   <a:solidFill>
                     <a:srgbClr val="000000"/>
                   </a:solidFill>
@@ -3660,7 +3026,7 @@
             </a:ln>
             <a:extLst>
               <a:ext uri="{91240B29-F687-4f45-9708-019B960494DF}">
-                <a14:hiddenLine xmlns:a14="http://schemas.microsoft.com/office/drawing/2010/main" xmlns="" w="9525">
+                <a14:hiddenLine xmlns="" xmlns:a14="http://schemas.microsoft.com/office/drawing/2010/main" w="9525">
                   <a:solidFill>
                     <a:srgbClr val="000000"/>
                   </a:solidFill>
@@ -3750,7 +3116,7 @@
             </a:ln>
             <a:extLst>
               <a:ext uri="{91240B29-F687-4f45-9708-019B960494DF}">
-                <a14:hiddenLine xmlns:a14="http://schemas.microsoft.com/office/drawing/2010/main" xmlns="" w="9525">
+                <a14:hiddenLine xmlns="" xmlns:a14="http://schemas.microsoft.com/office/drawing/2010/main" w="9525">
                   <a:solidFill>
                     <a:srgbClr val="000000"/>
                   </a:solidFill>
@@ -3840,7 +3206,7 @@
             </a:ln>
             <a:extLst>
               <a:ext uri="{91240B29-F687-4f45-9708-019B960494DF}">
-                <a14:hiddenLine xmlns:a14="http://schemas.microsoft.com/office/drawing/2010/main" xmlns="" w="9525">
+                <a14:hiddenLine xmlns="" xmlns:a14="http://schemas.microsoft.com/office/drawing/2010/main" w="9525">
                   <a:solidFill>
                     <a:srgbClr val="000000"/>
                   </a:solidFill>
@@ -3896,7 +3262,7 @@
             </a:ln>
             <a:extLst>
               <a:ext uri="{91240B29-F687-4f45-9708-019B960494DF}">
-                <a14:hiddenLine xmlns:a14="http://schemas.microsoft.com/office/drawing/2010/main" xmlns="" w="9525">
+                <a14:hiddenLine xmlns="" xmlns:a14="http://schemas.microsoft.com/office/drawing/2010/main" w="9525">
                   <a:solidFill>
                     <a:srgbClr val="000000"/>
                   </a:solidFill>
@@ -3986,7 +3352,7 @@
             </a:ln>
             <a:extLst>
               <a:ext uri="{91240B29-F687-4f45-9708-019B960494DF}">
-                <a14:hiddenLine xmlns:a14="http://schemas.microsoft.com/office/drawing/2010/main" xmlns="" w="9525">
+                <a14:hiddenLine xmlns="" xmlns:a14="http://schemas.microsoft.com/office/drawing/2010/main" w="9525">
                   <a:solidFill>
                     <a:srgbClr val="000000"/>
                   </a:solidFill>
@@ -4042,7 +3408,7 @@
             </a:ln>
             <a:extLst>
               <a:ext uri="{91240B29-F687-4f45-9708-019B960494DF}">
-                <a14:hiddenLine xmlns:a14="http://schemas.microsoft.com/office/drawing/2010/main" xmlns="" w="9525">
+                <a14:hiddenLine xmlns="" xmlns:a14="http://schemas.microsoft.com/office/drawing/2010/main" w="9525">
                   <a:solidFill>
                     <a:srgbClr val="000000"/>
                   </a:solidFill>
@@ -4132,7 +3498,7 @@
             </a:ln>
             <a:extLst>
               <a:ext uri="{91240B29-F687-4f45-9708-019B960494DF}">
-                <a14:hiddenLine xmlns:a14="http://schemas.microsoft.com/office/drawing/2010/main" xmlns="" w="9525">
+                <a14:hiddenLine xmlns="" xmlns:a14="http://schemas.microsoft.com/office/drawing/2010/main" w="9525">
                   <a:solidFill>
                     <a:srgbClr val="000000"/>
                   </a:solidFill>
@@ -4200,7 +3566,7 @@
             </a:ln>
             <a:extLst>
               <a:ext uri="{91240B29-F687-4f45-9708-019B960494DF}">
-                <a14:hiddenLine xmlns:a14="http://schemas.microsoft.com/office/drawing/2010/main" xmlns="" w="9525">
+                <a14:hiddenLine xmlns="" xmlns:a14="http://schemas.microsoft.com/office/drawing/2010/main" w="9525">
                   <a:solidFill>
                     <a:srgbClr val="000000"/>
                   </a:solidFill>
@@ -4290,7 +3656,7 @@
             </a:ln>
             <a:extLst>
               <a:ext uri="{91240B29-F687-4f45-9708-019B960494DF}">
-                <a14:hiddenLine xmlns:a14="http://schemas.microsoft.com/office/drawing/2010/main" xmlns="" w="9525">
+                <a14:hiddenLine xmlns="" xmlns:a14="http://schemas.microsoft.com/office/drawing/2010/main" w="9525">
                   <a:solidFill>
                     <a:srgbClr val="000000"/>
                   </a:solidFill>
@@ -4358,7 +3724,7 @@
             </a:ln>
             <a:extLst>
               <a:ext uri="{91240B29-F687-4f45-9708-019B960494DF}">
-                <a14:hiddenLine xmlns:a14="http://schemas.microsoft.com/office/drawing/2010/main" xmlns="" w="9525">
+                <a14:hiddenLine xmlns="" xmlns:a14="http://schemas.microsoft.com/office/drawing/2010/main" w="9525">
                   <a:solidFill>
                     <a:srgbClr val="000000"/>
                   </a:solidFill>
@@ -4448,7 +3814,7 @@
             </a:ln>
             <a:extLst>
               <a:ext uri="{91240B29-F687-4f45-9708-019B960494DF}">
-                <a14:hiddenLine xmlns:a14="http://schemas.microsoft.com/office/drawing/2010/main" xmlns="" w="9525">
+                <a14:hiddenLine xmlns="" xmlns:a14="http://schemas.microsoft.com/office/drawing/2010/main" w="9525">
                   <a:solidFill>
                     <a:srgbClr val="000000"/>
                   </a:solidFill>
@@ -4482,7 +3848,7 @@
             </a:ln>
             <a:extLst>
               <a:ext uri="{91240B29-F687-4f45-9708-019B960494DF}">
-                <a14:hiddenLine xmlns:a14="http://schemas.microsoft.com/office/drawing/2010/main" xmlns="" w="9525">
+                <a14:hiddenLine xmlns="" xmlns:a14="http://schemas.microsoft.com/office/drawing/2010/main" w="9525">
                   <a:solidFill>
                     <a:srgbClr val="000000"/>
                   </a:solidFill>
@@ -4572,7 +3938,7 @@
             </a:ln>
             <a:extLst>
               <a:ext uri="{91240B29-F687-4f45-9708-019B960494DF}">
-                <a14:hiddenLine xmlns:a14="http://schemas.microsoft.com/office/drawing/2010/main" xmlns="" w="9525">
+                <a14:hiddenLine xmlns="" xmlns:a14="http://schemas.microsoft.com/office/drawing/2010/main" w="9525">
                   <a:solidFill>
                     <a:srgbClr val="000000"/>
                   </a:solidFill>
@@ -4634,7 +4000,7 @@
             </a:ln>
             <a:extLst>
               <a:ext uri="{91240B29-F687-4f45-9708-019B960494DF}">
-                <a14:hiddenLine xmlns:a14="http://schemas.microsoft.com/office/drawing/2010/main" xmlns="" w="9525">
+                <a14:hiddenLine xmlns="" xmlns:a14="http://schemas.microsoft.com/office/drawing/2010/main" w="9525">
                   <a:solidFill>
                     <a:srgbClr val="000000"/>
                   </a:solidFill>
@@ -4696,7 +4062,7 @@
             </a:ln>
             <a:extLst>
               <a:ext uri="{91240B29-F687-4f45-9708-019B960494DF}">
-                <a14:hiddenLine xmlns:a14="http://schemas.microsoft.com/office/drawing/2010/main" xmlns="" w="9525">
+                <a14:hiddenLine xmlns="" xmlns:a14="http://schemas.microsoft.com/office/drawing/2010/main" w="9525">
                   <a:solidFill>
                     <a:srgbClr val="000000"/>
                   </a:solidFill>
@@ -4786,7 +4152,7 @@
             </a:ln>
             <a:extLst>
               <a:ext uri="{91240B29-F687-4f45-9708-019B960494DF}">
-                <a14:hiddenLine xmlns:a14="http://schemas.microsoft.com/office/drawing/2010/main" xmlns="" w="9525">
+                <a14:hiddenLine xmlns="" xmlns:a14="http://schemas.microsoft.com/office/drawing/2010/main" w="9525">
                   <a:solidFill>
                     <a:srgbClr val="000000"/>
                   </a:solidFill>
@@ -4854,7 +4220,7 @@
             </a:ln>
             <a:extLst>
               <a:ext uri="{91240B29-F687-4f45-9708-019B960494DF}">
-                <a14:hiddenLine xmlns:a14="http://schemas.microsoft.com/office/drawing/2010/main" xmlns="" w="9525">
+                <a14:hiddenLine xmlns="" xmlns:a14="http://schemas.microsoft.com/office/drawing/2010/main" w="9525">
                   <a:solidFill>
                     <a:srgbClr val="000000"/>
                   </a:solidFill>
@@ -4916,7 +4282,7 @@
             </a:ln>
             <a:extLst>
               <a:ext uri="{91240B29-F687-4f45-9708-019B960494DF}">
-                <a14:hiddenLine xmlns:a14="http://schemas.microsoft.com/office/drawing/2010/main" xmlns="" w="9525">
+                <a14:hiddenLine xmlns="" xmlns:a14="http://schemas.microsoft.com/office/drawing/2010/main" w="9525">
                   <a:solidFill>
                     <a:srgbClr val="000000"/>
                   </a:solidFill>
@@ -5006,7 +4372,7 @@
             </a:ln>
             <a:extLst>
               <a:ext uri="{91240B29-F687-4f45-9708-019B960494DF}">
-                <a14:hiddenLine xmlns:a14="http://schemas.microsoft.com/office/drawing/2010/main" xmlns="" w="9525">
+                <a14:hiddenLine xmlns="" xmlns:a14="http://schemas.microsoft.com/office/drawing/2010/main" w="9525">
                   <a:solidFill>
                     <a:srgbClr val="000000"/>
                   </a:solidFill>
@@ -5068,7 +4434,7 @@
             </a:ln>
             <a:extLst>
               <a:ext uri="{91240B29-F687-4f45-9708-019B960494DF}">
-                <a14:hiddenLine xmlns:a14="http://schemas.microsoft.com/office/drawing/2010/main" xmlns="" w="9525">
+                <a14:hiddenLine xmlns="" xmlns:a14="http://schemas.microsoft.com/office/drawing/2010/main" w="9525">
                   <a:solidFill>
                     <a:srgbClr val="000000"/>
                   </a:solidFill>
@@ -5158,7 +4524,7 @@
             </a:ln>
             <a:extLst>
               <a:ext uri="{91240B29-F687-4f45-9708-019B960494DF}">
-                <a14:hiddenLine xmlns:a14="http://schemas.microsoft.com/office/drawing/2010/main" xmlns="" w="9525">
+                <a14:hiddenLine xmlns="" xmlns:a14="http://schemas.microsoft.com/office/drawing/2010/main" w="9525">
                   <a:solidFill>
                     <a:srgbClr val="000000"/>
                   </a:solidFill>
@@ -5220,7 +4586,7 @@
             </a:ln>
             <a:extLst>
               <a:ext uri="{91240B29-F687-4f45-9708-019B960494DF}">
-                <a14:hiddenLine xmlns:a14="http://schemas.microsoft.com/office/drawing/2010/main" xmlns="" w="9525">
+                <a14:hiddenLine xmlns="" xmlns:a14="http://schemas.microsoft.com/office/drawing/2010/main" w="9525">
                   <a:solidFill>
                     <a:srgbClr val="000000"/>
                   </a:solidFill>
@@ -5310,7 +4676,7 @@
             </a:ln>
             <a:extLst>
               <a:ext uri="{91240B29-F687-4f45-9708-019B960494DF}">
-                <a14:hiddenLine xmlns:a14="http://schemas.microsoft.com/office/drawing/2010/main" xmlns="" w="9525">
+                <a14:hiddenLine xmlns="" xmlns:a14="http://schemas.microsoft.com/office/drawing/2010/main" w="9525">
                   <a:solidFill>
                     <a:srgbClr val="000000"/>
                   </a:solidFill>
@@ -5344,7 +4710,7 @@
             </a:ln>
             <a:extLst>
               <a:ext uri="{91240B29-F687-4f45-9708-019B960494DF}">
-                <a14:hiddenLine xmlns:a14="http://schemas.microsoft.com/office/drawing/2010/main" xmlns="" w="9525">
+                <a14:hiddenLine xmlns="" xmlns:a14="http://schemas.microsoft.com/office/drawing/2010/main" w="9525">
                   <a:solidFill>
                     <a:srgbClr val="000000"/>
                   </a:solidFill>
@@ -5409,7 +4775,7 @@
             </a:ln>
             <a:extLst>
               <a:ext uri="{91240B29-F687-4f45-9708-019B960494DF}">
-                <a14:hiddenLine xmlns:a14="http://schemas.microsoft.com/office/drawing/2010/main" xmlns="" w="9525">
+                <a14:hiddenLine xmlns="" xmlns:a14="http://schemas.microsoft.com/office/drawing/2010/main" w="9525">
                   <a:solidFill>
                     <a:srgbClr val="000000"/>
                   </a:solidFill>
@@ -5499,7 +4865,7 @@
             </a:ln>
             <a:extLst>
               <a:ext uri="{91240B29-F687-4f45-9708-019B960494DF}">
-                <a14:hiddenLine xmlns:a14="http://schemas.microsoft.com/office/drawing/2010/main" xmlns="" w="9525">
+                <a14:hiddenLine xmlns="" xmlns:a14="http://schemas.microsoft.com/office/drawing/2010/main" w="9525">
                   <a:solidFill>
                     <a:srgbClr val="000000"/>
                   </a:solidFill>
@@ -5561,7 +4927,7 @@
             </a:ln>
             <a:extLst>
               <a:ext uri="{91240B29-F687-4f45-9708-019B960494DF}">
-                <a14:hiddenLine xmlns:a14="http://schemas.microsoft.com/office/drawing/2010/main" xmlns="" w="9525">
+                <a14:hiddenLine xmlns="" xmlns:a14="http://schemas.microsoft.com/office/drawing/2010/main" w="9525">
                   <a:solidFill>
                     <a:srgbClr val="000000"/>
                   </a:solidFill>
@@ -5651,7 +5017,7 @@
             </a:ln>
             <a:extLst>
               <a:ext uri="{91240B29-F687-4f45-9708-019B960494DF}">
-                <a14:hiddenLine xmlns:a14="http://schemas.microsoft.com/office/drawing/2010/main" xmlns="" w="9525">
+                <a14:hiddenLine xmlns="" xmlns:a14="http://schemas.microsoft.com/office/drawing/2010/main" w="9525">
                   <a:solidFill>
                     <a:srgbClr val="000000"/>
                   </a:solidFill>
@@ -5741,7 +5107,7 @@
             </a:ln>
             <a:extLst>
               <a:ext uri="{91240B29-F687-4f45-9708-019B960494DF}">
-                <a14:hiddenLine xmlns:a14="http://schemas.microsoft.com/office/drawing/2010/main" xmlns="" w="9525">
+                <a14:hiddenLine xmlns="" xmlns:a14="http://schemas.microsoft.com/office/drawing/2010/main" w="9525">
                   <a:solidFill>
                     <a:srgbClr val="000000"/>
                   </a:solidFill>
@@ -5806,7 +5172,7 @@
             </a:ln>
             <a:extLst>
               <a:ext uri="{91240B29-F687-4f45-9708-019B960494DF}">
-                <a14:hiddenLine xmlns:a14="http://schemas.microsoft.com/office/drawing/2010/main" xmlns="" w="9525">
+                <a14:hiddenLine xmlns="" xmlns:a14="http://schemas.microsoft.com/office/drawing/2010/main" w="9525">
                   <a:solidFill>
                     <a:srgbClr val="000000"/>
                   </a:solidFill>
@@ -5868,7 +5234,7 @@
             </a:ln>
             <a:extLst>
               <a:ext uri="{91240B29-F687-4f45-9708-019B960494DF}">
-                <a14:hiddenLine xmlns:a14="http://schemas.microsoft.com/office/drawing/2010/main" xmlns="" w="9525">
+                <a14:hiddenLine xmlns="" xmlns:a14="http://schemas.microsoft.com/office/drawing/2010/main" w="9525">
                   <a:solidFill>
                     <a:srgbClr val="000000"/>
                   </a:solidFill>
@@ -5958,7 +5324,7 @@
             </a:ln>
             <a:extLst>
               <a:ext uri="{91240B29-F687-4f45-9708-019B960494DF}">
-                <a14:hiddenLine xmlns:a14="http://schemas.microsoft.com/office/drawing/2010/main" xmlns="" w="9525">
+                <a14:hiddenLine xmlns="" xmlns:a14="http://schemas.microsoft.com/office/drawing/2010/main" w="9525">
                   <a:solidFill>
                     <a:srgbClr val="000000"/>
                   </a:solidFill>
@@ -6048,7 +5414,7 @@
             </a:ln>
             <a:extLst>
               <a:ext uri="{91240B29-F687-4f45-9708-019B960494DF}">
-                <a14:hiddenLine xmlns:a14="http://schemas.microsoft.com/office/drawing/2010/main" xmlns="" w="9525">
+                <a14:hiddenLine xmlns="" xmlns:a14="http://schemas.microsoft.com/office/drawing/2010/main" w="9525">
                   <a:solidFill>
                     <a:srgbClr val="000000"/>
                   </a:solidFill>
@@ -6110,7 +5476,7 @@
             </a:ln>
             <a:extLst>
               <a:ext uri="{91240B29-F687-4f45-9708-019B960494DF}">
-                <a14:hiddenLine xmlns:a14="http://schemas.microsoft.com/office/drawing/2010/main" xmlns="" w="9525">
+                <a14:hiddenLine xmlns="" xmlns:a14="http://schemas.microsoft.com/office/drawing/2010/main" w="9525">
                   <a:solidFill>
                     <a:srgbClr val="000000"/>
                   </a:solidFill>
@@ -6230,7 +5596,7 @@
             </a:ln>
             <a:extLst>
               <a:ext uri="{91240B29-F687-4f45-9708-019B960494DF}">
-                <a14:hiddenLine xmlns:a14="http://schemas.microsoft.com/office/drawing/2010/main" xmlns="" w="9525">
+                <a14:hiddenLine xmlns="" xmlns:a14="http://schemas.microsoft.com/office/drawing/2010/main" w="9525">
                   <a:solidFill>
                     <a:srgbClr val="000000"/>
                   </a:solidFill>
@@ -6298,7 +5664,7 @@
             </a:ln>
             <a:extLst>
               <a:ext uri="{91240B29-F687-4f45-9708-019B960494DF}">
-                <a14:hiddenLine xmlns:a14="http://schemas.microsoft.com/office/drawing/2010/main" xmlns="" w="9525">
+                <a14:hiddenLine xmlns="" xmlns:a14="http://schemas.microsoft.com/office/drawing/2010/main" w="9525">
                   <a:solidFill>
                     <a:srgbClr val="000000"/>
                   </a:solidFill>
@@ -6388,7 +5754,7 @@
             </a:ln>
             <a:extLst>
               <a:ext uri="{91240B29-F687-4f45-9708-019B960494DF}">
-                <a14:hiddenLine xmlns:a14="http://schemas.microsoft.com/office/drawing/2010/main" xmlns="" w="9525">
+                <a14:hiddenLine xmlns="" xmlns:a14="http://schemas.microsoft.com/office/drawing/2010/main" w="9525">
                   <a:solidFill>
                     <a:srgbClr val="000000"/>
                   </a:solidFill>
@@ -6528,7 +5894,7 @@
           <a:p>
             <a:fld id="{48A87A34-81AB-432B-8DAE-1953F412C126}" type="datetimeFigureOut">
               <a:rPr lang="en-US" dirty="0"/>
-              <a:t>8/14/2018</a:t>
+              <a:t>8/29/18</a:t>
             </a:fld>
             <a:endParaRPr lang="en-US" dirty="0"/>
           </a:p>
@@ -6790,7 +6156,7 @@
           <a:p>
             <a:fld id="{48A87A34-81AB-432B-8DAE-1953F412C126}" type="datetimeFigureOut">
               <a:rPr lang="en-US" dirty="0"/>
-              <a:t>8/14/2018</a:t>
+              <a:t>8/29/18</a:t>
             </a:fld>
             <a:endParaRPr lang="en-US" dirty="0"/>
           </a:p>
@@ -6981,7 +6347,7 @@
           <a:p>
             <a:fld id="{48A87A34-81AB-432B-8DAE-1953F412C126}" type="datetimeFigureOut">
               <a:rPr lang="en-US" dirty="0"/>
-              <a:t>8/14/2018</a:t>
+              <a:t>8/29/18</a:t>
             </a:fld>
             <a:endParaRPr lang="en-US" dirty="0"/>
           </a:p>
@@ -7239,7 +6605,7 @@
           <a:p>
             <a:fld id="{48A87A34-81AB-432B-8DAE-1953F412C126}" type="datetimeFigureOut">
               <a:rPr lang="en-US" dirty="0"/>
-              <a:t>8/14/2018</a:t>
+              <a:t>8/29/18</a:t>
             </a:fld>
             <a:endParaRPr lang="en-US" dirty="0"/>
           </a:p>
@@ -7668,7 +7034,7 @@
           <a:p>
             <a:fld id="{48A87A34-81AB-432B-8DAE-1953F412C126}" type="datetimeFigureOut">
               <a:rPr lang="en-US" dirty="0"/>
-              <a:t>8/14/2018</a:t>
+              <a:t>8/29/18</a:t>
             </a:fld>
             <a:endParaRPr lang="en-US" dirty="0"/>
           </a:p>
@@ -8209,7 +7575,7 @@
           <a:p>
             <a:fld id="{48A87A34-81AB-432B-8DAE-1953F412C126}" type="datetimeFigureOut">
               <a:rPr lang="en-US" dirty="0"/>
-              <a:t>8/14/2018</a:t>
+              <a:t>8/29/18</a:t>
             </a:fld>
             <a:endParaRPr lang="en-US" dirty="0"/>
           </a:p>
@@ -8924,7 +8290,7 @@
           <a:p>
             <a:fld id="{48A87A34-81AB-432B-8DAE-1953F412C126}" type="datetimeFigureOut">
               <a:rPr lang="en-US" dirty="0"/>
-              <a:t>8/14/2018</a:t>
+              <a:t>8/29/18</a:t>
             </a:fld>
             <a:endParaRPr lang="en-US" dirty="0"/>
           </a:p>
@@ -9089,7 +8455,7 @@
           <a:p>
             <a:fld id="{48A87A34-81AB-432B-8DAE-1953F412C126}" type="datetimeFigureOut">
               <a:rPr lang="en-US" dirty="0"/>
-              <a:t>8/14/2018</a:t>
+              <a:t>8/29/18</a:t>
             </a:fld>
             <a:endParaRPr lang="en-US" dirty="0"/>
           </a:p>
@@ -9264,7 +8630,7 @@
           <a:p>
             <a:fld id="{48A87A34-81AB-432B-8DAE-1953F412C126}" type="datetimeFigureOut">
               <a:rPr lang="en-US" dirty="0"/>
-              <a:t>8/14/2018</a:t>
+              <a:t>8/29/18</a:t>
             </a:fld>
             <a:endParaRPr lang="en-US" dirty="0"/>
           </a:p>
@@ -9429,7 +8795,7 @@
           <a:p>
             <a:fld id="{48A87A34-81AB-432B-8DAE-1953F412C126}" type="datetimeFigureOut">
               <a:rPr lang="en-US" dirty="0"/>
-              <a:t>8/14/2018</a:t>
+              <a:t>8/29/18</a:t>
             </a:fld>
             <a:endParaRPr lang="en-US" dirty="0"/>
           </a:p>
@@ -9674,7 +9040,7 @@
           <a:p>
             <a:fld id="{48A87A34-81AB-432B-8DAE-1953F412C126}" type="datetimeFigureOut">
               <a:rPr lang="en-US" dirty="0"/>
-              <a:t>8/14/2018</a:t>
+              <a:t>8/29/18</a:t>
             </a:fld>
             <a:endParaRPr lang="en-US" dirty="0"/>
           </a:p>
@@ -9901,7 +9267,7 @@
           <a:p>
             <a:fld id="{48A87A34-81AB-432B-8DAE-1953F412C126}" type="datetimeFigureOut">
               <a:rPr lang="en-US" dirty="0"/>
-              <a:t>8/14/2018</a:t>
+              <a:t>8/29/18</a:t>
             </a:fld>
             <a:endParaRPr lang="en-US" dirty="0"/>
           </a:p>
@@ -10277,7 +9643,7 @@
           <a:p>
             <a:fld id="{48A87A34-81AB-432B-8DAE-1953F412C126}" type="datetimeFigureOut">
               <a:rPr lang="en-US" dirty="0"/>
-              <a:t>8/14/2018</a:t>
+              <a:t>8/29/18</a:t>
             </a:fld>
             <a:endParaRPr lang="en-US" dirty="0"/>
           </a:p>
@@ -10390,7 +9756,7 @@
           <a:p>
             <a:fld id="{48A87A34-81AB-432B-8DAE-1953F412C126}" type="datetimeFigureOut">
               <a:rPr lang="en-US" dirty="0"/>
-              <a:t>8/14/2018</a:t>
+              <a:t>8/29/18</a:t>
             </a:fld>
             <a:endParaRPr lang="en-US" dirty="0"/>
           </a:p>
@@ -10480,7 +9846,7 @@
           <a:p>
             <a:fld id="{48A87A34-81AB-432B-8DAE-1953F412C126}" type="datetimeFigureOut">
               <a:rPr lang="en-US" dirty="0"/>
-              <a:t>8/14/2018</a:t>
+              <a:t>8/29/18</a:t>
             </a:fld>
             <a:endParaRPr lang="en-US" dirty="0"/>
           </a:p>
@@ -10724,7 +10090,7 @@
           <a:p>
             <a:fld id="{48A87A34-81AB-432B-8DAE-1953F412C126}" type="datetimeFigureOut">
               <a:rPr lang="en-US" dirty="0"/>
-              <a:t>8/14/2018</a:t>
+              <a:t>8/29/18</a:t>
             </a:fld>
             <a:endParaRPr lang="en-US" dirty="0"/>
           </a:p>
@@ -10999,7 +10365,7 @@
           <a:p>
             <a:fld id="{48A87A34-81AB-432B-8DAE-1953F412C126}" type="datetimeFigureOut">
               <a:rPr lang="en-US" dirty="0"/>
-              <a:t>8/14/2018</a:t>
+              <a:t>8/29/18</a:t>
             </a:fld>
             <a:endParaRPr lang="en-US" dirty="0"/>
           </a:p>
@@ -11117,7 +10483,7 @@
           <a:noFill/>
           <a:extLst>
             <a:ext uri="{909E8E84-426E-40dd-AFC4-6F175D3DCCD1}">
-              <a14:hiddenFill xmlns:a14="http://schemas.microsoft.com/office/drawing/2010/main" xmlns="">
+              <a14:hiddenFill xmlns="" xmlns:a14="http://schemas.microsoft.com/office/drawing/2010/main">
                 <a:solidFill>
                   <a:srgbClr val="FFFFFF"/>
                 </a:solidFill>
@@ -11191,7 +10557,7 @@
               </a:ln>
               <a:extLst>
                 <a:ext uri="{91240B29-F687-4f45-9708-019B960494DF}">
-                  <a14:hiddenLine xmlns:a14="http://schemas.microsoft.com/office/drawing/2010/main" xmlns="" w="9525">
+                  <a14:hiddenLine xmlns="" xmlns:a14="http://schemas.microsoft.com/office/drawing/2010/main" w="9525">
                     <a:solidFill>
                       <a:srgbClr val="000000"/>
                     </a:solidFill>
@@ -11281,7 +10647,7 @@
               </a:ln>
               <a:extLst>
                 <a:ext uri="{91240B29-F687-4f45-9708-019B960494DF}">
-                  <a14:hiddenLine xmlns:a14="http://schemas.microsoft.com/office/drawing/2010/main" xmlns="" w="9525">
+                  <a14:hiddenLine xmlns="" xmlns:a14="http://schemas.microsoft.com/office/drawing/2010/main" w="9525">
                     <a:solidFill>
                       <a:srgbClr val="000000"/>
                     </a:solidFill>
@@ -11371,7 +10737,7 @@
               </a:ln>
               <a:extLst>
                 <a:ext uri="{91240B29-F687-4f45-9708-019B960494DF}">
-                  <a14:hiddenLine xmlns:a14="http://schemas.microsoft.com/office/drawing/2010/main" xmlns="" w="9525">
+                  <a14:hiddenLine xmlns="" xmlns:a14="http://schemas.microsoft.com/office/drawing/2010/main" w="9525">
                     <a:solidFill>
                       <a:srgbClr val="000000"/>
                     </a:solidFill>
@@ -11433,7 +10799,7 @@
               </a:ln>
               <a:extLst>
                 <a:ext uri="{91240B29-F687-4f45-9708-019B960494DF}">
-                  <a14:hiddenLine xmlns:a14="http://schemas.microsoft.com/office/drawing/2010/main" xmlns="" w="9525">
+                  <a14:hiddenLine xmlns="" xmlns:a14="http://schemas.microsoft.com/office/drawing/2010/main" w="9525">
                     <a:solidFill>
                       <a:srgbClr val="000000"/>
                     </a:solidFill>
@@ -11523,7 +10889,7 @@
               </a:ln>
               <a:extLst>
                 <a:ext uri="{91240B29-F687-4f45-9708-019B960494DF}">
-                  <a14:hiddenLine xmlns:a14="http://schemas.microsoft.com/office/drawing/2010/main" xmlns="" w="9525">
+                  <a14:hiddenLine xmlns="" xmlns:a14="http://schemas.microsoft.com/office/drawing/2010/main" w="9525">
                     <a:solidFill>
                       <a:srgbClr val="000000"/>
                     </a:solidFill>
@@ -11585,7 +10951,7 @@
               </a:ln>
               <a:extLst>
                 <a:ext uri="{91240B29-F687-4f45-9708-019B960494DF}">
-                  <a14:hiddenLine xmlns:a14="http://schemas.microsoft.com/office/drawing/2010/main" xmlns="" w="9525">
+                  <a14:hiddenLine xmlns="" xmlns:a14="http://schemas.microsoft.com/office/drawing/2010/main" w="9525">
                     <a:solidFill>
                       <a:srgbClr val="000000"/>
                     </a:solidFill>
@@ -11647,7 +11013,7 @@
               </a:ln>
               <a:extLst>
                 <a:ext uri="{91240B29-F687-4f45-9708-019B960494DF}">
-                  <a14:hiddenLine xmlns:a14="http://schemas.microsoft.com/office/drawing/2010/main" xmlns="" w="9525">
+                  <a14:hiddenLine xmlns="" xmlns:a14="http://schemas.microsoft.com/office/drawing/2010/main" w="9525">
                     <a:solidFill>
                       <a:srgbClr val="000000"/>
                     </a:solidFill>
@@ -11737,7 +11103,7 @@
               </a:ln>
               <a:extLst>
                 <a:ext uri="{91240B29-F687-4f45-9708-019B960494DF}">
-                  <a14:hiddenLine xmlns:a14="http://schemas.microsoft.com/office/drawing/2010/main" xmlns="" w="9525">
+                  <a14:hiddenLine xmlns="" xmlns:a14="http://schemas.microsoft.com/office/drawing/2010/main" w="9525">
                     <a:solidFill>
                       <a:srgbClr val="000000"/>
                     </a:solidFill>
@@ -11827,7 +11193,7 @@
               </a:ln>
               <a:extLst>
                 <a:ext uri="{91240B29-F687-4f45-9708-019B960494DF}">
-                  <a14:hiddenLine xmlns:a14="http://schemas.microsoft.com/office/drawing/2010/main" xmlns="" w="9525">
+                  <a14:hiddenLine xmlns="" xmlns:a14="http://schemas.microsoft.com/office/drawing/2010/main" w="9525">
                     <a:solidFill>
                       <a:srgbClr val="000000"/>
                     </a:solidFill>
@@ -11889,7 +11255,7 @@
               </a:ln>
               <a:extLst>
                 <a:ext uri="{91240B29-F687-4f45-9708-019B960494DF}">
-                  <a14:hiddenLine xmlns:a14="http://schemas.microsoft.com/office/drawing/2010/main" xmlns="" w="9525">
+                  <a14:hiddenLine xmlns="" xmlns:a14="http://schemas.microsoft.com/office/drawing/2010/main" w="9525">
                     <a:solidFill>
                       <a:srgbClr val="000000"/>
                     </a:solidFill>
@@ -11999,7 +11365,7 @@
               </a:ln>
               <a:extLst>
                 <a:ext uri="{91240B29-F687-4f45-9708-019B960494DF}">
-                  <a14:hiddenLine xmlns:a14="http://schemas.microsoft.com/office/drawing/2010/main" xmlns="" w="9525">
+                  <a14:hiddenLine xmlns="" xmlns:a14="http://schemas.microsoft.com/office/drawing/2010/main" w="9525">
                     <a:solidFill>
                       <a:srgbClr val="000000"/>
                     </a:solidFill>
@@ -12083,7 +11449,7 @@
               </a:ln>
               <a:extLst>
                 <a:ext uri="{91240B29-F687-4f45-9708-019B960494DF}">
-                  <a14:hiddenLine xmlns:a14="http://schemas.microsoft.com/office/drawing/2010/main" xmlns="" w="9525">
+                  <a14:hiddenLine xmlns="" xmlns:a14="http://schemas.microsoft.com/office/drawing/2010/main" w="9525">
                     <a:solidFill>
                       <a:srgbClr val="000000"/>
                     </a:solidFill>
@@ -12145,7 +11511,7 @@
               </a:ln>
               <a:extLst>
                 <a:ext uri="{91240B29-F687-4f45-9708-019B960494DF}">
-                  <a14:hiddenLine xmlns:a14="http://schemas.microsoft.com/office/drawing/2010/main" xmlns="" w="9525">
+                  <a14:hiddenLine xmlns="" xmlns:a14="http://schemas.microsoft.com/office/drawing/2010/main" w="9525">
                     <a:solidFill>
                       <a:srgbClr val="000000"/>
                     </a:solidFill>
@@ -12207,7 +11573,7 @@
               </a:ln>
               <a:extLst>
                 <a:ext uri="{91240B29-F687-4f45-9708-019B960494DF}">
-                  <a14:hiddenLine xmlns:a14="http://schemas.microsoft.com/office/drawing/2010/main" xmlns="" w="9525">
+                  <a14:hiddenLine xmlns="" xmlns:a14="http://schemas.microsoft.com/office/drawing/2010/main" w="9525">
                     <a:solidFill>
                       <a:srgbClr val="000000"/>
                     </a:solidFill>
@@ -12297,7 +11663,7 @@
               </a:ln>
               <a:extLst>
                 <a:ext uri="{91240B29-F687-4f45-9708-019B960494DF}">
-                  <a14:hiddenLine xmlns:a14="http://schemas.microsoft.com/office/drawing/2010/main" xmlns="" w="9525">
+                  <a14:hiddenLine xmlns="" xmlns:a14="http://schemas.microsoft.com/office/drawing/2010/main" w="9525">
                     <a:solidFill>
                       <a:srgbClr val="000000"/>
                     </a:solidFill>
@@ -12331,7 +11697,7 @@
               </a:ln>
               <a:extLst>
                 <a:ext uri="{91240B29-F687-4f45-9708-019B960494DF}">
-                  <a14:hiddenLine xmlns:a14="http://schemas.microsoft.com/office/drawing/2010/main" xmlns="" w="9525">
+                  <a14:hiddenLine xmlns="" xmlns:a14="http://schemas.microsoft.com/office/drawing/2010/main" w="9525">
                     <a:solidFill>
                       <a:srgbClr val="000000"/>
                     </a:solidFill>
@@ -12396,7 +11762,7 @@
               </a:ln>
               <a:extLst>
                 <a:ext uri="{91240B29-F687-4f45-9708-019B960494DF}">
-                  <a14:hiddenLine xmlns:a14="http://schemas.microsoft.com/office/drawing/2010/main" xmlns="" w="9525">
+                  <a14:hiddenLine xmlns="" xmlns:a14="http://schemas.microsoft.com/office/drawing/2010/main" w="9525">
                     <a:solidFill>
                       <a:srgbClr val="000000"/>
                     </a:solidFill>
@@ -12486,7 +11852,7 @@
               </a:ln>
               <a:extLst>
                 <a:ext uri="{91240B29-F687-4f45-9708-019B960494DF}">
-                  <a14:hiddenLine xmlns:a14="http://schemas.microsoft.com/office/drawing/2010/main" xmlns="" w="9525">
+                  <a14:hiddenLine xmlns="" xmlns:a14="http://schemas.microsoft.com/office/drawing/2010/main" w="9525">
                     <a:solidFill>
                       <a:srgbClr val="000000"/>
                     </a:solidFill>
@@ -12548,7 +11914,7 @@
               </a:ln>
               <a:extLst>
                 <a:ext uri="{91240B29-F687-4f45-9708-019B960494DF}">
-                  <a14:hiddenLine xmlns:a14="http://schemas.microsoft.com/office/drawing/2010/main" xmlns="" w="9525">
+                  <a14:hiddenLine xmlns="" xmlns:a14="http://schemas.microsoft.com/office/drawing/2010/main" w="9525">
                     <a:solidFill>
                       <a:srgbClr val="000000"/>
                     </a:solidFill>
@@ -12638,7 +12004,7 @@
               </a:ln>
               <a:extLst>
                 <a:ext uri="{91240B29-F687-4f45-9708-019B960494DF}">
-                  <a14:hiddenLine xmlns:a14="http://schemas.microsoft.com/office/drawing/2010/main" xmlns="" w="9525">
+                  <a14:hiddenLine xmlns="" xmlns:a14="http://schemas.microsoft.com/office/drawing/2010/main" w="9525">
                     <a:solidFill>
                       <a:srgbClr val="000000"/>
                     </a:solidFill>
@@ -12703,7 +12069,7 @@
               </a:ln>
               <a:extLst>
                 <a:ext uri="{91240B29-F687-4f45-9708-019B960494DF}">
-                  <a14:hiddenLine xmlns:a14="http://schemas.microsoft.com/office/drawing/2010/main" xmlns="" w="9525">
+                  <a14:hiddenLine xmlns="" xmlns:a14="http://schemas.microsoft.com/office/drawing/2010/main" w="9525">
                     <a:solidFill>
                       <a:srgbClr val="000000"/>
                     </a:solidFill>
@@ -12765,7 +12131,7 @@
               </a:ln>
               <a:extLst>
                 <a:ext uri="{91240B29-F687-4f45-9708-019B960494DF}">
-                  <a14:hiddenLine xmlns:a14="http://schemas.microsoft.com/office/drawing/2010/main" xmlns="" w="9525">
+                  <a14:hiddenLine xmlns="" xmlns:a14="http://schemas.microsoft.com/office/drawing/2010/main" w="9525">
                     <a:solidFill>
                       <a:srgbClr val="000000"/>
                     </a:solidFill>
@@ -12855,7 +12221,7 @@
               </a:ln>
               <a:extLst>
                 <a:ext uri="{91240B29-F687-4f45-9708-019B960494DF}">
-                  <a14:hiddenLine xmlns:a14="http://schemas.microsoft.com/office/drawing/2010/main" xmlns="" w="9525">
+                  <a14:hiddenLine xmlns="" xmlns:a14="http://schemas.microsoft.com/office/drawing/2010/main" w="9525">
                     <a:solidFill>
                       <a:srgbClr val="000000"/>
                     </a:solidFill>
@@ -12945,7 +12311,7 @@
               </a:ln>
               <a:extLst>
                 <a:ext uri="{91240B29-F687-4f45-9708-019B960494DF}">
-                  <a14:hiddenLine xmlns:a14="http://schemas.microsoft.com/office/drawing/2010/main" xmlns="" w="9525">
+                  <a14:hiddenLine xmlns="" xmlns:a14="http://schemas.microsoft.com/office/drawing/2010/main" w="9525">
                     <a:solidFill>
                       <a:srgbClr val="000000"/>
                     </a:solidFill>
@@ -13010,7 +12376,7 @@
               </a:ln>
               <a:extLst>
                 <a:ext uri="{91240B29-F687-4f45-9708-019B960494DF}">
-                  <a14:hiddenLine xmlns:a14="http://schemas.microsoft.com/office/drawing/2010/main" xmlns="" w="9525">
+                  <a14:hiddenLine xmlns="" xmlns:a14="http://schemas.microsoft.com/office/drawing/2010/main" w="9525">
                     <a:solidFill>
                       <a:srgbClr val="000000"/>
                     </a:solidFill>
@@ -13130,7 +12496,7 @@
               </a:ln>
               <a:extLst>
                 <a:ext uri="{91240B29-F687-4f45-9708-019B960494DF}">
-                  <a14:hiddenLine xmlns:a14="http://schemas.microsoft.com/office/drawing/2010/main" xmlns="" w="9525">
+                  <a14:hiddenLine xmlns="" xmlns:a14="http://schemas.microsoft.com/office/drawing/2010/main" w="9525">
                     <a:solidFill>
                       <a:srgbClr val="000000"/>
                     </a:solidFill>
@@ -13211,7 +12577,7 @@
               </a:ln>
               <a:extLst>
                 <a:ext uri="{91240B29-F687-4f45-9708-019B960494DF}">
-                  <a14:hiddenLine xmlns:a14="http://schemas.microsoft.com/office/drawing/2010/main" xmlns="" w="9525">
+                  <a14:hiddenLine xmlns="" xmlns:a14="http://schemas.microsoft.com/office/drawing/2010/main" w="9525">
                     <a:solidFill>
                       <a:srgbClr val="000000"/>
                     </a:solidFill>
@@ -13326,7 +12692,7 @@
               </a:ln>
               <a:extLst>
                 <a:ext uri="{91240B29-F687-4f45-9708-019B960494DF}">
-                  <a14:hiddenLine xmlns:a14="http://schemas.microsoft.com/office/drawing/2010/main" xmlns="" w="9525">
+                  <a14:hiddenLine xmlns="" xmlns:a14="http://schemas.microsoft.com/office/drawing/2010/main" w="9525">
                     <a:solidFill>
                       <a:srgbClr val="000000"/>
                     </a:solidFill>
@@ -13416,7 +12782,7 @@
               </a:ln>
               <a:extLst>
                 <a:ext uri="{91240B29-F687-4f45-9708-019B960494DF}">
-                  <a14:hiddenLine xmlns:a14="http://schemas.microsoft.com/office/drawing/2010/main" xmlns="" w="9525">
+                  <a14:hiddenLine xmlns="" xmlns:a14="http://schemas.microsoft.com/office/drawing/2010/main" w="9525">
                     <a:solidFill>
                       <a:srgbClr val="000000"/>
                     </a:solidFill>
@@ -13481,7 +12847,7 @@
               </a:ln>
               <a:extLst>
                 <a:ext uri="{91240B29-F687-4f45-9708-019B960494DF}">
-                  <a14:hiddenLine xmlns:a14="http://schemas.microsoft.com/office/drawing/2010/main" xmlns="" w="9525">
+                  <a14:hiddenLine xmlns="" xmlns:a14="http://schemas.microsoft.com/office/drawing/2010/main" w="9525">
                     <a:solidFill>
                       <a:srgbClr val="000000"/>
                     </a:solidFill>
@@ -13571,7 +12937,7 @@
               </a:ln>
               <a:extLst>
                 <a:ext uri="{91240B29-F687-4f45-9708-019B960494DF}">
-                  <a14:hiddenLine xmlns:a14="http://schemas.microsoft.com/office/drawing/2010/main" xmlns="" w="9525">
+                  <a14:hiddenLine xmlns="" xmlns:a14="http://schemas.microsoft.com/office/drawing/2010/main" w="9525">
                     <a:solidFill>
                       <a:srgbClr val="000000"/>
                     </a:solidFill>
@@ -13639,7 +13005,7 @@
               </a:ln>
               <a:extLst>
                 <a:ext uri="{91240B29-F687-4f45-9708-019B960494DF}">
-                  <a14:hiddenLine xmlns:a14="http://schemas.microsoft.com/office/drawing/2010/main" xmlns="" w="9525">
+                  <a14:hiddenLine xmlns="" xmlns:a14="http://schemas.microsoft.com/office/drawing/2010/main" w="9525">
                     <a:solidFill>
                       <a:srgbClr val="000000"/>
                     </a:solidFill>
@@ -13729,7 +13095,7 @@
               </a:ln>
               <a:extLst>
                 <a:ext uri="{91240B29-F687-4f45-9708-019B960494DF}">
-                  <a14:hiddenLine xmlns:a14="http://schemas.microsoft.com/office/drawing/2010/main" xmlns="" w="9525">
+                  <a14:hiddenLine xmlns="" xmlns:a14="http://schemas.microsoft.com/office/drawing/2010/main" w="9525">
                     <a:solidFill>
                       <a:srgbClr val="000000"/>
                     </a:solidFill>
@@ -13797,7 +13163,7 @@
               </a:ln>
               <a:extLst>
                 <a:ext uri="{91240B29-F687-4f45-9708-019B960494DF}">
-                  <a14:hiddenLine xmlns:a14="http://schemas.microsoft.com/office/drawing/2010/main" xmlns="" w="9525">
+                  <a14:hiddenLine xmlns="" xmlns:a14="http://schemas.microsoft.com/office/drawing/2010/main" w="9525">
                     <a:solidFill>
                       <a:srgbClr val="000000"/>
                     </a:solidFill>
@@ -13887,7 +13253,7 @@
               </a:ln>
               <a:extLst>
                 <a:ext uri="{91240B29-F687-4f45-9708-019B960494DF}">
-                  <a14:hiddenLine xmlns:a14="http://schemas.microsoft.com/office/drawing/2010/main" xmlns="" w="9525">
+                  <a14:hiddenLine xmlns="" xmlns:a14="http://schemas.microsoft.com/office/drawing/2010/main" w="9525">
                     <a:solidFill>
                       <a:srgbClr val="000000"/>
                     </a:solidFill>
@@ -13921,7 +13287,7 @@
               </a:ln>
               <a:extLst>
                 <a:ext uri="{91240B29-F687-4f45-9708-019B960494DF}">
-                  <a14:hiddenLine xmlns:a14="http://schemas.microsoft.com/office/drawing/2010/main" xmlns="" w="9525">
+                  <a14:hiddenLine xmlns="" xmlns:a14="http://schemas.microsoft.com/office/drawing/2010/main" w="9525">
                     <a:solidFill>
                       <a:srgbClr val="000000"/>
                     </a:solidFill>
@@ -14062,7 +13428,7 @@
             <a:fld id="{48A87A34-81AB-432B-8DAE-1953F412C126}" type="datetimeFigureOut">
               <a:rPr lang="en-US" dirty="0"/>
               <a:pPr/>
-              <a:t>8/14/2018</a:t>
+              <a:t>8/29/18</a:t>
             </a:fld>
             <a:endParaRPr lang="en-US" dirty="0"/>
           </a:p>
@@ -14713,10 +14079,41 @@
       </p:grpSpPr>
       <p:sp>
         <p:nvSpPr>
+          <p:cNvPr id="2" name="Title 1">
+            <a:extLst>
+              <a:ext uri="{FF2B5EF4-FFF2-40B4-BE49-F238E27FC236}">
+                <a16:creationId xmlns:a16="http://schemas.microsoft.com/office/drawing/2014/main" id="{4038BCA6-1157-0042-9727-8785B9F29275}"/>
+              </a:ext>
+            </a:extLst>
+          </p:cNvPr>
+          <p:cNvSpPr>
+            <a:spLocks noGrp="1"/>
+          </p:cNvSpPr>
+          <p:nvPr>
+            <p:ph type="title"/>
+          </p:nvPr>
+        </p:nvSpPr>
+        <p:spPr/>
+        <p:txBody>
+          <a:bodyPr>
+            <a:normAutofit/>
+          </a:bodyPr>
+          <a:lstStyle/>
+          <a:p>
+            <a:r>
+              <a:rPr lang="en-US" sz="4800" dirty="0"/>
+              <a:t>LABS</a:t>
+            </a:r>
+            <a:endParaRPr lang="en-US" dirty="0"/>
+          </a:p>
+        </p:txBody>
+      </p:sp>
+      <p:sp>
+        <p:nvSpPr>
           <p:cNvPr id="4" name="TextBox 3">
             <a:extLst>
               <a:ext uri="{FF2B5EF4-FFF2-40B4-BE49-F238E27FC236}">
-                <a16:creationId xmlns:a16="http://schemas.microsoft.com/office/drawing/2014/main" id="{9567C008-AD5B-4A32-807E-50EDD2C34029}"/>
+                <a16:creationId xmlns:a16="http://schemas.microsoft.com/office/drawing/2014/main" id="{03061C37-22DE-D24D-A94B-564D14FA7147}"/>
               </a:ext>
             </a:extLst>
           </p:cNvPr>
@@ -14725,8 +14122,8 @@
         </p:nvSpPr>
         <p:spPr>
           <a:xfrm>
-            <a:off x="1754038" y="2892891"/>
-            <a:ext cx="8683924" cy="646331"/>
+            <a:off x="1358900" y="1828800"/>
+            <a:ext cx="9131300" cy="954107"/>
           </a:xfrm>
           <a:prstGeom prst="rect">
             <a:avLst/>
@@ -14739,10 +14136,9 @@
           </a:bodyPr>
           <a:lstStyle/>
           <a:p>
-            <a:pPr algn="ctr"/>
-            <a:r>
-              <a:rPr lang="en-US" sz="3600" dirty="0"/>
-              <a:t>Guided Walkthrough of Building an Image</a:t>
+            <a:r>
+              <a:rPr lang="en-US" sz="2800" dirty="0"/>
+              <a:t>At this point, complete the four labs in the Linux Boot Camp GitHub repository.</a:t>
             </a:r>
           </a:p>
         </p:txBody>
@@ -14750,139 +14146,7 @@
     </p:spTree>
     <p:extLst>
       <p:ext uri="{BB962C8B-B14F-4D97-AF65-F5344CB8AC3E}">
-        <p14:creationId xmlns:p14="http://schemas.microsoft.com/office/powerpoint/2010/main" val="2848180539"/>
-      </p:ext>
-    </p:extLst>
-  </p:cSld>
-  <p:clrMapOvr>
-    <a:masterClrMapping/>
-  </p:clrMapOvr>
-</p:sld>
-</file>
-
-<file path=ppt/slides/slide12.xml><?xml version="1.0" encoding="utf-8"?>
-<p:sld xmlns:a="http://schemas.openxmlformats.org/drawingml/2006/main" xmlns:r="http://schemas.openxmlformats.org/officeDocument/2006/relationships" xmlns:p="http://schemas.openxmlformats.org/presentationml/2006/main">
-  <p:cSld>
-    <p:spTree>
-      <p:nvGrpSpPr>
-        <p:cNvPr id="1" name=""/>
-        <p:cNvGrpSpPr/>
-        <p:nvPr/>
-      </p:nvGrpSpPr>
-      <p:grpSpPr>
-        <a:xfrm>
-          <a:off x="0" y="0"/>
-          <a:ext cx="0" cy="0"/>
-          <a:chOff x="0" y="0"/>
-          <a:chExt cx="0" cy="0"/>
-        </a:xfrm>
-      </p:grpSpPr>
-      <p:sp>
-        <p:nvSpPr>
-          <p:cNvPr id="4" name="TextBox 3">
-            <a:extLst>
-              <a:ext uri="{FF2B5EF4-FFF2-40B4-BE49-F238E27FC236}">
-                <a16:creationId xmlns:a16="http://schemas.microsoft.com/office/drawing/2014/main" id="{9567C008-AD5B-4A32-807E-50EDD2C34029}"/>
-              </a:ext>
-            </a:extLst>
-          </p:cNvPr>
-          <p:cNvSpPr txBox="1"/>
-          <p:nvPr/>
-        </p:nvSpPr>
-        <p:spPr>
-          <a:xfrm>
-            <a:off x="1754038" y="2892891"/>
-            <a:ext cx="8683924" cy="646331"/>
-          </a:xfrm>
-          <a:prstGeom prst="rect">
-            <a:avLst/>
-          </a:prstGeom>
-          <a:noFill/>
-        </p:spPr>
-        <p:txBody>
-          <a:bodyPr wrap="square" rtlCol="0">
-            <a:spAutoFit/>
-          </a:bodyPr>
-          <a:lstStyle/>
-          <a:p>
-            <a:pPr algn="ctr"/>
-            <a:r>
-              <a:rPr lang="en-US" sz="3600" dirty="0"/>
-              <a:t>Guided Walkthrough of Docker Commit</a:t>
-            </a:r>
-          </a:p>
-        </p:txBody>
-      </p:sp>
-    </p:spTree>
-    <p:extLst>
-      <p:ext uri="{BB962C8B-B14F-4D97-AF65-F5344CB8AC3E}">
-        <p14:creationId xmlns:p14="http://schemas.microsoft.com/office/powerpoint/2010/main" val="22268749"/>
-      </p:ext>
-    </p:extLst>
-  </p:cSld>
-  <p:clrMapOvr>
-    <a:masterClrMapping/>
-  </p:clrMapOvr>
-</p:sld>
-</file>
-
-<file path=ppt/slides/slide13.xml><?xml version="1.0" encoding="utf-8"?>
-<p:sld xmlns:a="http://schemas.openxmlformats.org/drawingml/2006/main" xmlns:r="http://schemas.openxmlformats.org/officeDocument/2006/relationships" xmlns:p="http://schemas.openxmlformats.org/presentationml/2006/main">
-  <p:cSld>
-    <p:spTree>
-      <p:nvGrpSpPr>
-        <p:cNvPr id="1" name=""/>
-        <p:cNvGrpSpPr/>
-        <p:nvPr/>
-      </p:nvGrpSpPr>
-      <p:grpSpPr>
-        <a:xfrm>
-          <a:off x="0" y="0"/>
-          <a:ext cx="0" cy="0"/>
-          <a:chOff x="0" y="0"/>
-          <a:chExt cx="0" cy="0"/>
-        </a:xfrm>
-      </p:grpSpPr>
-      <p:sp>
-        <p:nvSpPr>
-          <p:cNvPr id="4" name="TextBox 3">
-            <a:extLst>
-              <a:ext uri="{FF2B5EF4-FFF2-40B4-BE49-F238E27FC236}">
-                <a16:creationId xmlns:a16="http://schemas.microsoft.com/office/drawing/2014/main" id="{9567C008-AD5B-4A32-807E-50EDD2C34029}"/>
-              </a:ext>
-            </a:extLst>
-          </p:cNvPr>
-          <p:cNvSpPr txBox="1"/>
-          <p:nvPr/>
-        </p:nvSpPr>
-        <p:spPr>
-          <a:xfrm>
-            <a:off x="1754038" y="2892891"/>
-            <a:ext cx="8683924" cy="646331"/>
-          </a:xfrm>
-          <a:prstGeom prst="rect">
-            <a:avLst/>
-          </a:prstGeom>
-          <a:noFill/>
-        </p:spPr>
-        <p:txBody>
-          <a:bodyPr wrap="square" rtlCol="0">
-            <a:spAutoFit/>
-          </a:bodyPr>
-          <a:lstStyle/>
-          <a:p>
-            <a:pPr algn="ctr"/>
-            <a:r>
-              <a:rPr lang="en-US" sz="3600" dirty="0"/>
-              <a:t>Guided Walkthrough of Automated Build</a:t>
-            </a:r>
-          </a:p>
-        </p:txBody>
-      </p:sp>
-    </p:spTree>
-    <p:extLst>
-      <p:ext uri="{BB962C8B-B14F-4D97-AF65-F5344CB8AC3E}">
-        <p14:creationId xmlns:p14="http://schemas.microsoft.com/office/powerpoint/2010/main" val="926218094"/>
+        <p14:creationId xmlns:p14="http://schemas.microsoft.com/office/powerpoint/2010/main" val="853700557"/>
       </p:ext>
     </p:extLst>
   </p:cSld>

--- a/Modules/Module 4 - Advanced Docker/Module 4 - Advanced Docker.pptx
+++ b/Modules/Module 4 - Advanced Docker/Module 4 - Advanced Docker.pptx
@@ -5,7 +5,7 @@
     <p:sldMasterId id="2147483648" r:id="rId1"/>
   </p:sldMasterIdLst>
   <p:notesMasterIdLst>
-    <p:notesMasterId r:id="rId13"/>
+    <p:notesMasterId r:id="rId14"/>
   </p:notesMasterIdLst>
   <p:sldIdLst>
     <p:sldId id="256" r:id="rId2"/>
@@ -18,7 +18,8 @@
     <p:sldId id="266" r:id="rId9"/>
     <p:sldId id="267" r:id="rId10"/>
     <p:sldId id="262" r:id="rId11"/>
-    <p:sldId id="268" r:id="rId12"/>
+    <p:sldId id="269" r:id="rId12"/>
+    <p:sldId id="268" r:id="rId13"/>
   </p:sldIdLst>
   <p:sldSz cx="12192000" cy="6858000"/>
   <p:notesSz cx="6858000" cy="9144000"/>
@@ -506,7 +507,7 @@
           <a:p>
             <a:fld id="{89266479-4BF4-4BDA-B78B-D51F13CE1731}" type="datetimeFigureOut">
               <a:rPr lang="en-US" smtClean="0"/>
-              <a:t>8/29/18</a:t>
+              <a:t>9/5/18</a:t>
             </a:fld>
             <a:endParaRPr lang="en-US"/>
           </a:p>
@@ -1239,11 +1240,7 @@
             </a:pPr>
             <a:r>
               <a:rPr lang="en-US" dirty="0"/>
-              <a:t>This is a good place to explain that EXPOSE simply makes the port available on the container’s network. If you want to allow communication over the port to other Docker containers outside of that network or to the host machine, you need to publish the port. This can be done using the –p option in “docker run”. More on “docker run</a:t>
-            </a:r>
-            <a:r>
-              <a:rPr lang="en-US"/>
-              <a:t>” later.</a:t>
+              <a:t>This is a good place to explain that EXPOSE simply makes the port available on the container’s network. If you want to allow communication over the port to other Docker containers outside of that network or to the host machine, you need to publish the port. This can be done using the –p option in “docker run”. More on “docker run” later.</a:t>
             </a:r>
           </a:p>
         </p:txBody>
@@ -1669,7 +1666,7 @@
           <a:noFill/>
           <a:extLst>
             <a:ext uri="{909E8E84-426E-40dd-AFC4-6F175D3DCCD1}">
-              <a14:hiddenFill xmlns="" xmlns:a14="http://schemas.microsoft.com/office/drawing/2010/main">
+              <a14:hiddenFill xmlns:a14="http://schemas.microsoft.com/office/drawing/2010/main" xmlns="">
                 <a:solidFill>
                   <a:srgbClr val="FFFFFF"/>
                 </a:solidFill>
@@ -1728,7 +1725,7 @@
             </a:ln>
             <a:extLst>
               <a:ext uri="{91240B29-F687-4f45-9708-019B960494DF}">
-                <a14:hiddenLine xmlns="" xmlns:a14="http://schemas.microsoft.com/office/drawing/2010/main" w="9525">
+                <a14:hiddenLine xmlns:a14="http://schemas.microsoft.com/office/drawing/2010/main" xmlns="" w="9525">
                   <a:solidFill>
                     <a:srgbClr val="000000"/>
                   </a:solidFill>
@@ -1818,7 +1815,7 @@
             </a:ln>
             <a:extLst>
               <a:ext uri="{91240B29-F687-4f45-9708-019B960494DF}">
-                <a14:hiddenLine xmlns="" xmlns:a14="http://schemas.microsoft.com/office/drawing/2010/main" w="9525">
+                <a14:hiddenLine xmlns:a14="http://schemas.microsoft.com/office/drawing/2010/main" xmlns="" w="9525">
                   <a:solidFill>
                     <a:srgbClr val="000000"/>
                   </a:solidFill>
@@ -1908,7 +1905,7 @@
             </a:ln>
             <a:extLst>
               <a:ext uri="{91240B29-F687-4f45-9708-019B960494DF}">
-                <a14:hiddenLine xmlns="" xmlns:a14="http://schemas.microsoft.com/office/drawing/2010/main" w="9525">
+                <a14:hiddenLine xmlns:a14="http://schemas.microsoft.com/office/drawing/2010/main" xmlns="" w="9525">
                   <a:solidFill>
                     <a:srgbClr val="000000"/>
                   </a:solidFill>
@@ -1942,7 +1939,7 @@
             </a:ln>
             <a:extLst>
               <a:ext uri="{91240B29-F687-4f45-9708-019B960494DF}">
-                <a14:hiddenLine xmlns="" xmlns:a14="http://schemas.microsoft.com/office/drawing/2010/main" w="9525">
+                <a14:hiddenLine xmlns:a14="http://schemas.microsoft.com/office/drawing/2010/main" xmlns="" w="9525">
                   <a:solidFill>
                     <a:srgbClr val="000000"/>
                   </a:solidFill>
@@ -2032,7 +2029,7 @@
             </a:ln>
             <a:extLst>
               <a:ext uri="{91240B29-F687-4f45-9708-019B960494DF}">
-                <a14:hiddenLine xmlns="" xmlns:a14="http://schemas.microsoft.com/office/drawing/2010/main" w="9525">
+                <a14:hiddenLine xmlns:a14="http://schemas.microsoft.com/office/drawing/2010/main" xmlns="" w="9525">
                   <a:solidFill>
                     <a:srgbClr val="000000"/>
                   </a:solidFill>
@@ -2094,7 +2091,7 @@
             </a:ln>
             <a:extLst>
               <a:ext uri="{91240B29-F687-4f45-9708-019B960494DF}">
-                <a14:hiddenLine xmlns="" xmlns:a14="http://schemas.microsoft.com/office/drawing/2010/main" w="9525">
+                <a14:hiddenLine xmlns:a14="http://schemas.microsoft.com/office/drawing/2010/main" xmlns="" w="9525">
                   <a:solidFill>
                     <a:srgbClr val="000000"/>
                   </a:solidFill>
@@ -2156,7 +2153,7 @@
             </a:ln>
             <a:extLst>
               <a:ext uri="{91240B29-F687-4f45-9708-019B960494DF}">
-                <a14:hiddenLine xmlns="" xmlns:a14="http://schemas.microsoft.com/office/drawing/2010/main" w="9525">
+                <a14:hiddenLine xmlns:a14="http://schemas.microsoft.com/office/drawing/2010/main" xmlns="" w="9525">
                   <a:solidFill>
                     <a:srgbClr val="000000"/>
                   </a:solidFill>
@@ -2246,7 +2243,7 @@
             </a:ln>
             <a:extLst>
               <a:ext uri="{91240B29-F687-4f45-9708-019B960494DF}">
-                <a14:hiddenLine xmlns="" xmlns:a14="http://schemas.microsoft.com/office/drawing/2010/main" w="9525">
+                <a14:hiddenLine xmlns:a14="http://schemas.microsoft.com/office/drawing/2010/main" xmlns="" w="9525">
                   <a:solidFill>
                     <a:srgbClr val="000000"/>
                   </a:solidFill>
@@ -2308,7 +2305,7 @@
             </a:ln>
             <a:extLst>
               <a:ext uri="{91240B29-F687-4f45-9708-019B960494DF}">
-                <a14:hiddenLine xmlns="" xmlns:a14="http://schemas.microsoft.com/office/drawing/2010/main" w="9525">
+                <a14:hiddenLine xmlns:a14="http://schemas.microsoft.com/office/drawing/2010/main" xmlns="" w="9525">
                   <a:solidFill>
                     <a:srgbClr val="000000"/>
                   </a:solidFill>
@@ -2370,7 +2367,7 @@
             </a:ln>
             <a:extLst>
               <a:ext uri="{91240B29-F687-4f45-9708-019B960494DF}">
-                <a14:hiddenLine xmlns="" xmlns:a14="http://schemas.microsoft.com/office/drawing/2010/main" w="9525">
+                <a14:hiddenLine xmlns:a14="http://schemas.microsoft.com/office/drawing/2010/main" xmlns="" w="9525">
                   <a:solidFill>
                     <a:srgbClr val="000000"/>
                   </a:solidFill>
@@ -2460,7 +2457,7 @@
             </a:ln>
             <a:extLst>
               <a:ext uri="{91240B29-F687-4f45-9708-019B960494DF}">
-                <a14:hiddenLine xmlns="" xmlns:a14="http://schemas.microsoft.com/office/drawing/2010/main" w="9525">
+                <a14:hiddenLine xmlns:a14="http://schemas.microsoft.com/office/drawing/2010/main" xmlns="" w="9525">
                   <a:solidFill>
                     <a:srgbClr val="000000"/>
                   </a:solidFill>
@@ -2550,7 +2547,7 @@
             </a:ln>
             <a:extLst>
               <a:ext uri="{91240B29-F687-4f45-9708-019B960494DF}">
-                <a14:hiddenLine xmlns="" xmlns:a14="http://schemas.microsoft.com/office/drawing/2010/main" w="9525">
+                <a14:hiddenLine xmlns:a14="http://schemas.microsoft.com/office/drawing/2010/main" xmlns="" w="9525">
                   <a:solidFill>
                     <a:srgbClr val="000000"/>
                   </a:solidFill>
@@ -2612,7 +2609,7 @@
             </a:ln>
             <a:extLst>
               <a:ext uri="{91240B29-F687-4f45-9708-019B960494DF}">
-                <a14:hiddenLine xmlns="" xmlns:a14="http://schemas.microsoft.com/office/drawing/2010/main" w="9525">
+                <a14:hiddenLine xmlns:a14="http://schemas.microsoft.com/office/drawing/2010/main" xmlns="" w="9525">
                   <a:solidFill>
                     <a:srgbClr val="000000"/>
                   </a:solidFill>
@@ -2722,7 +2719,7 @@
             </a:ln>
             <a:extLst>
               <a:ext uri="{91240B29-F687-4f45-9708-019B960494DF}">
-                <a14:hiddenLine xmlns="" xmlns:a14="http://schemas.microsoft.com/office/drawing/2010/main" w="9525">
+                <a14:hiddenLine xmlns:a14="http://schemas.microsoft.com/office/drawing/2010/main" xmlns="" w="9525">
                   <a:solidFill>
                     <a:srgbClr val="000000"/>
                   </a:solidFill>
@@ -2784,7 +2781,7 @@
             </a:ln>
             <a:extLst>
               <a:ext uri="{91240B29-F687-4f45-9708-019B960494DF}">
-                <a14:hiddenLine xmlns="" xmlns:a14="http://schemas.microsoft.com/office/drawing/2010/main" w="9525">
+                <a14:hiddenLine xmlns:a14="http://schemas.microsoft.com/office/drawing/2010/main" xmlns="" w="9525">
                   <a:solidFill>
                     <a:srgbClr val="000000"/>
                   </a:solidFill>
@@ -2874,7 +2871,7 @@
             </a:ln>
             <a:extLst>
               <a:ext uri="{91240B29-F687-4f45-9708-019B960494DF}">
-                <a14:hiddenLine xmlns="" xmlns:a14="http://schemas.microsoft.com/office/drawing/2010/main" w="9525">
+                <a14:hiddenLine xmlns:a14="http://schemas.microsoft.com/office/drawing/2010/main" xmlns="" w="9525">
                   <a:solidFill>
                     <a:srgbClr val="000000"/>
                   </a:solidFill>
@@ -2964,7 +2961,7 @@
             </a:ln>
             <a:extLst>
               <a:ext uri="{91240B29-F687-4f45-9708-019B960494DF}">
-                <a14:hiddenLine xmlns="" xmlns:a14="http://schemas.microsoft.com/office/drawing/2010/main" w="9525">
+                <a14:hiddenLine xmlns:a14="http://schemas.microsoft.com/office/drawing/2010/main" xmlns="" w="9525">
                   <a:solidFill>
                     <a:srgbClr val="000000"/>
                   </a:solidFill>
@@ -3026,7 +3023,7 @@
             </a:ln>
             <a:extLst>
               <a:ext uri="{91240B29-F687-4f45-9708-019B960494DF}">
-                <a14:hiddenLine xmlns="" xmlns:a14="http://schemas.microsoft.com/office/drawing/2010/main" w="9525">
+                <a14:hiddenLine xmlns:a14="http://schemas.microsoft.com/office/drawing/2010/main" xmlns="" w="9525">
                   <a:solidFill>
                     <a:srgbClr val="000000"/>
                   </a:solidFill>
@@ -3116,7 +3113,7 @@
             </a:ln>
             <a:extLst>
               <a:ext uri="{91240B29-F687-4f45-9708-019B960494DF}">
-                <a14:hiddenLine xmlns="" xmlns:a14="http://schemas.microsoft.com/office/drawing/2010/main" w="9525">
+                <a14:hiddenLine xmlns:a14="http://schemas.microsoft.com/office/drawing/2010/main" xmlns="" w="9525">
                   <a:solidFill>
                     <a:srgbClr val="000000"/>
                   </a:solidFill>
@@ -3206,7 +3203,7 @@
             </a:ln>
             <a:extLst>
               <a:ext uri="{91240B29-F687-4f45-9708-019B960494DF}">
-                <a14:hiddenLine xmlns="" xmlns:a14="http://schemas.microsoft.com/office/drawing/2010/main" w="9525">
+                <a14:hiddenLine xmlns:a14="http://schemas.microsoft.com/office/drawing/2010/main" xmlns="" w="9525">
                   <a:solidFill>
                     <a:srgbClr val="000000"/>
                   </a:solidFill>
@@ -3262,7 +3259,7 @@
             </a:ln>
             <a:extLst>
               <a:ext uri="{91240B29-F687-4f45-9708-019B960494DF}">
-                <a14:hiddenLine xmlns="" xmlns:a14="http://schemas.microsoft.com/office/drawing/2010/main" w="9525">
+                <a14:hiddenLine xmlns:a14="http://schemas.microsoft.com/office/drawing/2010/main" xmlns="" w="9525">
                   <a:solidFill>
                     <a:srgbClr val="000000"/>
                   </a:solidFill>
@@ -3352,7 +3349,7 @@
             </a:ln>
             <a:extLst>
               <a:ext uri="{91240B29-F687-4f45-9708-019B960494DF}">
-                <a14:hiddenLine xmlns="" xmlns:a14="http://schemas.microsoft.com/office/drawing/2010/main" w="9525">
+                <a14:hiddenLine xmlns:a14="http://schemas.microsoft.com/office/drawing/2010/main" xmlns="" w="9525">
                   <a:solidFill>
                     <a:srgbClr val="000000"/>
                   </a:solidFill>
@@ -3408,7 +3405,7 @@
             </a:ln>
             <a:extLst>
               <a:ext uri="{91240B29-F687-4f45-9708-019B960494DF}">
-                <a14:hiddenLine xmlns="" xmlns:a14="http://schemas.microsoft.com/office/drawing/2010/main" w="9525">
+                <a14:hiddenLine xmlns:a14="http://schemas.microsoft.com/office/drawing/2010/main" xmlns="" w="9525">
                   <a:solidFill>
                     <a:srgbClr val="000000"/>
                   </a:solidFill>
@@ -3498,7 +3495,7 @@
             </a:ln>
             <a:extLst>
               <a:ext uri="{91240B29-F687-4f45-9708-019B960494DF}">
-                <a14:hiddenLine xmlns="" xmlns:a14="http://schemas.microsoft.com/office/drawing/2010/main" w="9525">
+                <a14:hiddenLine xmlns:a14="http://schemas.microsoft.com/office/drawing/2010/main" xmlns="" w="9525">
                   <a:solidFill>
                     <a:srgbClr val="000000"/>
                   </a:solidFill>
@@ -3566,7 +3563,7 @@
             </a:ln>
             <a:extLst>
               <a:ext uri="{91240B29-F687-4f45-9708-019B960494DF}">
-                <a14:hiddenLine xmlns="" xmlns:a14="http://schemas.microsoft.com/office/drawing/2010/main" w="9525">
+                <a14:hiddenLine xmlns:a14="http://schemas.microsoft.com/office/drawing/2010/main" xmlns="" w="9525">
                   <a:solidFill>
                     <a:srgbClr val="000000"/>
                   </a:solidFill>
@@ -3656,7 +3653,7 @@
             </a:ln>
             <a:extLst>
               <a:ext uri="{91240B29-F687-4f45-9708-019B960494DF}">
-                <a14:hiddenLine xmlns="" xmlns:a14="http://schemas.microsoft.com/office/drawing/2010/main" w="9525">
+                <a14:hiddenLine xmlns:a14="http://schemas.microsoft.com/office/drawing/2010/main" xmlns="" w="9525">
                   <a:solidFill>
                     <a:srgbClr val="000000"/>
                   </a:solidFill>
@@ -3724,7 +3721,7 @@
             </a:ln>
             <a:extLst>
               <a:ext uri="{91240B29-F687-4f45-9708-019B960494DF}">
-                <a14:hiddenLine xmlns="" xmlns:a14="http://schemas.microsoft.com/office/drawing/2010/main" w="9525">
+                <a14:hiddenLine xmlns:a14="http://schemas.microsoft.com/office/drawing/2010/main" xmlns="" w="9525">
                   <a:solidFill>
                     <a:srgbClr val="000000"/>
                   </a:solidFill>
@@ -3814,7 +3811,7 @@
             </a:ln>
             <a:extLst>
               <a:ext uri="{91240B29-F687-4f45-9708-019B960494DF}">
-                <a14:hiddenLine xmlns="" xmlns:a14="http://schemas.microsoft.com/office/drawing/2010/main" w="9525">
+                <a14:hiddenLine xmlns:a14="http://schemas.microsoft.com/office/drawing/2010/main" xmlns="" w="9525">
                   <a:solidFill>
                     <a:srgbClr val="000000"/>
                   </a:solidFill>
@@ -3848,7 +3845,7 @@
             </a:ln>
             <a:extLst>
               <a:ext uri="{91240B29-F687-4f45-9708-019B960494DF}">
-                <a14:hiddenLine xmlns="" xmlns:a14="http://schemas.microsoft.com/office/drawing/2010/main" w="9525">
+                <a14:hiddenLine xmlns:a14="http://schemas.microsoft.com/office/drawing/2010/main" xmlns="" w="9525">
                   <a:solidFill>
                     <a:srgbClr val="000000"/>
                   </a:solidFill>
@@ -3938,7 +3935,7 @@
             </a:ln>
             <a:extLst>
               <a:ext uri="{91240B29-F687-4f45-9708-019B960494DF}">
-                <a14:hiddenLine xmlns="" xmlns:a14="http://schemas.microsoft.com/office/drawing/2010/main" w="9525">
+                <a14:hiddenLine xmlns:a14="http://schemas.microsoft.com/office/drawing/2010/main" xmlns="" w="9525">
                   <a:solidFill>
                     <a:srgbClr val="000000"/>
                   </a:solidFill>
@@ -4000,7 +3997,7 @@
             </a:ln>
             <a:extLst>
               <a:ext uri="{91240B29-F687-4f45-9708-019B960494DF}">
-                <a14:hiddenLine xmlns="" xmlns:a14="http://schemas.microsoft.com/office/drawing/2010/main" w="9525">
+                <a14:hiddenLine xmlns:a14="http://schemas.microsoft.com/office/drawing/2010/main" xmlns="" w="9525">
                   <a:solidFill>
                     <a:srgbClr val="000000"/>
                   </a:solidFill>
@@ -4062,7 +4059,7 @@
             </a:ln>
             <a:extLst>
               <a:ext uri="{91240B29-F687-4f45-9708-019B960494DF}">
-                <a14:hiddenLine xmlns="" xmlns:a14="http://schemas.microsoft.com/office/drawing/2010/main" w="9525">
+                <a14:hiddenLine xmlns:a14="http://schemas.microsoft.com/office/drawing/2010/main" xmlns="" w="9525">
                   <a:solidFill>
                     <a:srgbClr val="000000"/>
                   </a:solidFill>
@@ -4152,7 +4149,7 @@
             </a:ln>
             <a:extLst>
               <a:ext uri="{91240B29-F687-4f45-9708-019B960494DF}">
-                <a14:hiddenLine xmlns="" xmlns:a14="http://schemas.microsoft.com/office/drawing/2010/main" w="9525">
+                <a14:hiddenLine xmlns:a14="http://schemas.microsoft.com/office/drawing/2010/main" xmlns="" w="9525">
                   <a:solidFill>
                     <a:srgbClr val="000000"/>
                   </a:solidFill>
@@ -4220,7 +4217,7 @@
             </a:ln>
             <a:extLst>
               <a:ext uri="{91240B29-F687-4f45-9708-019B960494DF}">
-                <a14:hiddenLine xmlns="" xmlns:a14="http://schemas.microsoft.com/office/drawing/2010/main" w="9525">
+                <a14:hiddenLine xmlns:a14="http://schemas.microsoft.com/office/drawing/2010/main" xmlns="" w="9525">
                   <a:solidFill>
                     <a:srgbClr val="000000"/>
                   </a:solidFill>
@@ -4282,7 +4279,7 @@
             </a:ln>
             <a:extLst>
               <a:ext uri="{91240B29-F687-4f45-9708-019B960494DF}">
-                <a14:hiddenLine xmlns="" xmlns:a14="http://schemas.microsoft.com/office/drawing/2010/main" w="9525">
+                <a14:hiddenLine xmlns:a14="http://schemas.microsoft.com/office/drawing/2010/main" xmlns="" w="9525">
                   <a:solidFill>
                     <a:srgbClr val="000000"/>
                   </a:solidFill>
@@ -4372,7 +4369,7 @@
             </a:ln>
             <a:extLst>
               <a:ext uri="{91240B29-F687-4f45-9708-019B960494DF}">
-                <a14:hiddenLine xmlns="" xmlns:a14="http://schemas.microsoft.com/office/drawing/2010/main" w="9525">
+                <a14:hiddenLine xmlns:a14="http://schemas.microsoft.com/office/drawing/2010/main" xmlns="" w="9525">
                   <a:solidFill>
                     <a:srgbClr val="000000"/>
                   </a:solidFill>
@@ -4434,7 +4431,7 @@
             </a:ln>
             <a:extLst>
               <a:ext uri="{91240B29-F687-4f45-9708-019B960494DF}">
-                <a14:hiddenLine xmlns="" xmlns:a14="http://schemas.microsoft.com/office/drawing/2010/main" w="9525">
+                <a14:hiddenLine xmlns:a14="http://schemas.microsoft.com/office/drawing/2010/main" xmlns="" w="9525">
                   <a:solidFill>
                     <a:srgbClr val="000000"/>
                   </a:solidFill>
@@ -4524,7 +4521,7 @@
             </a:ln>
             <a:extLst>
               <a:ext uri="{91240B29-F687-4f45-9708-019B960494DF}">
-                <a14:hiddenLine xmlns="" xmlns:a14="http://schemas.microsoft.com/office/drawing/2010/main" w="9525">
+                <a14:hiddenLine xmlns:a14="http://schemas.microsoft.com/office/drawing/2010/main" xmlns="" w="9525">
                   <a:solidFill>
                     <a:srgbClr val="000000"/>
                   </a:solidFill>
@@ -4586,7 +4583,7 @@
             </a:ln>
             <a:extLst>
               <a:ext uri="{91240B29-F687-4f45-9708-019B960494DF}">
-                <a14:hiddenLine xmlns="" xmlns:a14="http://schemas.microsoft.com/office/drawing/2010/main" w="9525">
+                <a14:hiddenLine xmlns:a14="http://schemas.microsoft.com/office/drawing/2010/main" xmlns="" w="9525">
                   <a:solidFill>
                     <a:srgbClr val="000000"/>
                   </a:solidFill>
@@ -4676,7 +4673,7 @@
             </a:ln>
             <a:extLst>
               <a:ext uri="{91240B29-F687-4f45-9708-019B960494DF}">
-                <a14:hiddenLine xmlns="" xmlns:a14="http://schemas.microsoft.com/office/drawing/2010/main" w="9525">
+                <a14:hiddenLine xmlns:a14="http://schemas.microsoft.com/office/drawing/2010/main" xmlns="" w="9525">
                   <a:solidFill>
                     <a:srgbClr val="000000"/>
                   </a:solidFill>
@@ -4710,7 +4707,7 @@
             </a:ln>
             <a:extLst>
               <a:ext uri="{91240B29-F687-4f45-9708-019B960494DF}">
-                <a14:hiddenLine xmlns="" xmlns:a14="http://schemas.microsoft.com/office/drawing/2010/main" w="9525">
+                <a14:hiddenLine xmlns:a14="http://schemas.microsoft.com/office/drawing/2010/main" xmlns="" w="9525">
                   <a:solidFill>
                     <a:srgbClr val="000000"/>
                   </a:solidFill>
@@ -4775,7 +4772,7 @@
             </a:ln>
             <a:extLst>
               <a:ext uri="{91240B29-F687-4f45-9708-019B960494DF}">
-                <a14:hiddenLine xmlns="" xmlns:a14="http://schemas.microsoft.com/office/drawing/2010/main" w="9525">
+                <a14:hiddenLine xmlns:a14="http://schemas.microsoft.com/office/drawing/2010/main" xmlns="" w="9525">
                   <a:solidFill>
                     <a:srgbClr val="000000"/>
                   </a:solidFill>
@@ -4865,7 +4862,7 @@
             </a:ln>
             <a:extLst>
               <a:ext uri="{91240B29-F687-4f45-9708-019B960494DF}">
-                <a14:hiddenLine xmlns="" xmlns:a14="http://schemas.microsoft.com/office/drawing/2010/main" w="9525">
+                <a14:hiddenLine xmlns:a14="http://schemas.microsoft.com/office/drawing/2010/main" xmlns="" w="9525">
                   <a:solidFill>
                     <a:srgbClr val="000000"/>
                   </a:solidFill>
@@ -4927,7 +4924,7 @@
             </a:ln>
             <a:extLst>
               <a:ext uri="{91240B29-F687-4f45-9708-019B960494DF}">
-                <a14:hiddenLine xmlns="" xmlns:a14="http://schemas.microsoft.com/office/drawing/2010/main" w="9525">
+                <a14:hiddenLine xmlns:a14="http://schemas.microsoft.com/office/drawing/2010/main" xmlns="" w="9525">
                   <a:solidFill>
                     <a:srgbClr val="000000"/>
                   </a:solidFill>
@@ -5017,7 +5014,7 @@
             </a:ln>
             <a:extLst>
               <a:ext uri="{91240B29-F687-4f45-9708-019B960494DF}">
-                <a14:hiddenLine xmlns="" xmlns:a14="http://schemas.microsoft.com/office/drawing/2010/main" w="9525">
+                <a14:hiddenLine xmlns:a14="http://schemas.microsoft.com/office/drawing/2010/main" xmlns="" w="9525">
                   <a:solidFill>
                     <a:srgbClr val="000000"/>
                   </a:solidFill>
@@ -5107,7 +5104,7 @@
             </a:ln>
             <a:extLst>
               <a:ext uri="{91240B29-F687-4f45-9708-019B960494DF}">
-                <a14:hiddenLine xmlns="" xmlns:a14="http://schemas.microsoft.com/office/drawing/2010/main" w="9525">
+                <a14:hiddenLine xmlns:a14="http://schemas.microsoft.com/office/drawing/2010/main" xmlns="" w="9525">
                   <a:solidFill>
                     <a:srgbClr val="000000"/>
                   </a:solidFill>
@@ -5172,7 +5169,7 @@
             </a:ln>
             <a:extLst>
               <a:ext uri="{91240B29-F687-4f45-9708-019B960494DF}">
-                <a14:hiddenLine xmlns="" xmlns:a14="http://schemas.microsoft.com/office/drawing/2010/main" w="9525">
+                <a14:hiddenLine xmlns:a14="http://schemas.microsoft.com/office/drawing/2010/main" xmlns="" w="9525">
                   <a:solidFill>
                     <a:srgbClr val="000000"/>
                   </a:solidFill>
@@ -5234,7 +5231,7 @@
             </a:ln>
             <a:extLst>
               <a:ext uri="{91240B29-F687-4f45-9708-019B960494DF}">
-                <a14:hiddenLine xmlns="" xmlns:a14="http://schemas.microsoft.com/office/drawing/2010/main" w="9525">
+                <a14:hiddenLine xmlns:a14="http://schemas.microsoft.com/office/drawing/2010/main" xmlns="" w="9525">
                   <a:solidFill>
                     <a:srgbClr val="000000"/>
                   </a:solidFill>
@@ -5324,7 +5321,7 @@
             </a:ln>
             <a:extLst>
               <a:ext uri="{91240B29-F687-4f45-9708-019B960494DF}">
-                <a14:hiddenLine xmlns="" xmlns:a14="http://schemas.microsoft.com/office/drawing/2010/main" w="9525">
+                <a14:hiddenLine xmlns:a14="http://schemas.microsoft.com/office/drawing/2010/main" xmlns="" w="9525">
                   <a:solidFill>
                     <a:srgbClr val="000000"/>
                   </a:solidFill>
@@ -5414,7 +5411,7 @@
             </a:ln>
             <a:extLst>
               <a:ext uri="{91240B29-F687-4f45-9708-019B960494DF}">
-                <a14:hiddenLine xmlns="" xmlns:a14="http://schemas.microsoft.com/office/drawing/2010/main" w="9525">
+                <a14:hiddenLine xmlns:a14="http://schemas.microsoft.com/office/drawing/2010/main" xmlns="" w="9525">
                   <a:solidFill>
                     <a:srgbClr val="000000"/>
                   </a:solidFill>
@@ -5476,7 +5473,7 @@
             </a:ln>
             <a:extLst>
               <a:ext uri="{91240B29-F687-4f45-9708-019B960494DF}">
-                <a14:hiddenLine xmlns="" xmlns:a14="http://schemas.microsoft.com/office/drawing/2010/main" w="9525">
+                <a14:hiddenLine xmlns:a14="http://schemas.microsoft.com/office/drawing/2010/main" xmlns="" w="9525">
                   <a:solidFill>
                     <a:srgbClr val="000000"/>
                   </a:solidFill>
@@ -5596,7 +5593,7 @@
             </a:ln>
             <a:extLst>
               <a:ext uri="{91240B29-F687-4f45-9708-019B960494DF}">
-                <a14:hiddenLine xmlns="" xmlns:a14="http://schemas.microsoft.com/office/drawing/2010/main" w="9525">
+                <a14:hiddenLine xmlns:a14="http://schemas.microsoft.com/office/drawing/2010/main" xmlns="" w="9525">
                   <a:solidFill>
                     <a:srgbClr val="000000"/>
                   </a:solidFill>
@@ -5664,7 +5661,7 @@
             </a:ln>
             <a:extLst>
               <a:ext uri="{91240B29-F687-4f45-9708-019B960494DF}">
-                <a14:hiddenLine xmlns="" xmlns:a14="http://schemas.microsoft.com/office/drawing/2010/main" w="9525">
+                <a14:hiddenLine xmlns:a14="http://schemas.microsoft.com/office/drawing/2010/main" xmlns="" w="9525">
                   <a:solidFill>
                     <a:srgbClr val="000000"/>
                   </a:solidFill>
@@ -5754,7 +5751,7 @@
             </a:ln>
             <a:extLst>
               <a:ext uri="{91240B29-F687-4f45-9708-019B960494DF}">
-                <a14:hiddenLine xmlns="" xmlns:a14="http://schemas.microsoft.com/office/drawing/2010/main" w="9525">
+                <a14:hiddenLine xmlns:a14="http://schemas.microsoft.com/office/drawing/2010/main" xmlns="" w="9525">
                   <a:solidFill>
                     <a:srgbClr val="000000"/>
                   </a:solidFill>
@@ -5894,7 +5891,7 @@
           <a:p>
             <a:fld id="{48A87A34-81AB-432B-8DAE-1953F412C126}" type="datetimeFigureOut">
               <a:rPr lang="en-US" dirty="0"/>
-              <a:t>8/29/18</a:t>
+              <a:t>9/5/18</a:t>
             </a:fld>
             <a:endParaRPr lang="en-US" dirty="0"/>
           </a:p>
@@ -6156,7 +6153,7 @@
           <a:p>
             <a:fld id="{48A87A34-81AB-432B-8DAE-1953F412C126}" type="datetimeFigureOut">
               <a:rPr lang="en-US" dirty="0"/>
-              <a:t>8/29/18</a:t>
+              <a:t>9/5/18</a:t>
             </a:fld>
             <a:endParaRPr lang="en-US" dirty="0"/>
           </a:p>
@@ -6347,7 +6344,7 @@
           <a:p>
             <a:fld id="{48A87A34-81AB-432B-8DAE-1953F412C126}" type="datetimeFigureOut">
               <a:rPr lang="en-US" dirty="0"/>
-              <a:t>8/29/18</a:t>
+              <a:t>9/5/18</a:t>
             </a:fld>
             <a:endParaRPr lang="en-US" dirty="0"/>
           </a:p>
@@ -6605,7 +6602,7 @@
           <a:p>
             <a:fld id="{48A87A34-81AB-432B-8DAE-1953F412C126}" type="datetimeFigureOut">
               <a:rPr lang="en-US" dirty="0"/>
-              <a:t>8/29/18</a:t>
+              <a:t>9/5/18</a:t>
             </a:fld>
             <a:endParaRPr lang="en-US" dirty="0"/>
           </a:p>
@@ -7034,7 +7031,7 @@
           <a:p>
             <a:fld id="{48A87A34-81AB-432B-8DAE-1953F412C126}" type="datetimeFigureOut">
               <a:rPr lang="en-US" dirty="0"/>
-              <a:t>8/29/18</a:t>
+              <a:t>9/5/18</a:t>
             </a:fld>
             <a:endParaRPr lang="en-US" dirty="0"/>
           </a:p>
@@ -7575,7 +7572,7 @@
           <a:p>
             <a:fld id="{48A87A34-81AB-432B-8DAE-1953F412C126}" type="datetimeFigureOut">
               <a:rPr lang="en-US" dirty="0"/>
-              <a:t>8/29/18</a:t>
+              <a:t>9/5/18</a:t>
             </a:fld>
             <a:endParaRPr lang="en-US" dirty="0"/>
           </a:p>
@@ -8290,7 +8287,7 @@
           <a:p>
             <a:fld id="{48A87A34-81AB-432B-8DAE-1953F412C126}" type="datetimeFigureOut">
               <a:rPr lang="en-US" dirty="0"/>
-              <a:t>8/29/18</a:t>
+              <a:t>9/5/18</a:t>
             </a:fld>
             <a:endParaRPr lang="en-US" dirty="0"/>
           </a:p>
@@ -8455,7 +8452,7 @@
           <a:p>
             <a:fld id="{48A87A34-81AB-432B-8DAE-1953F412C126}" type="datetimeFigureOut">
               <a:rPr lang="en-US" dirty="0"/>
-              <a:t>8/29/18</a:t>
+              <a:t>9/5/18</a:t>
             </a:fld>
             <a:endParaRPr lang="en-US" dirty="0"/>
           </a:p>
@@ -8630,7 +8627,7 @@
           <a:p>
             <a:fld id="{48A87A34-81AB-432B-8DAE-1953F412C126}" type="datetimeFigureOut">
               <a:rPr lang="en-US" dirty="0"/>
-              <a:t>8/29/18</a:t>
+              <a:t>9/5/18</a:t>
             </a:fld>
             <a:endParaRPr lang="en-US" dirty="0"/>
           </a:p>
@@ -8795,7 +8792,7 @@
           <a:p>
             <a:fld id="{48A87A34-81AB-432B-8DAE-1953F412C126}" type="datetimeFigureOut">
               <a:rPr lang="en-US" dirty="0"/>
-              <a:t>8/29/18</a:t>
+              <a:t>9/5/18</a:t>
             </a:fld>
             <a:endParaRPr lang="en-US" dirty="0"/>
           </a:p>
@@ -9040,7 +9037,7 @@
           <a:p>
             <a:fld id="{48A87A34-81AB-432B-8DAE-1953F412C126}" type="datetimeFigureOut">
               <a:rPr lang="en-US" dirty="0"/>
-              <a:t>8/29/18</a:t>
+              <a:t>9/5/18</a:t>
             </a:fld>
             <a:endParaRPr lang="en-US" dirty="0"/>
           </a:p>
@@ -9267,7 +9264,7 @@
           <a:p>
             <a:fld id="{48A87A34-81AB-432B-8DAE-1953F412C126}" type="datetimeFigureOut">
               <a:rPr lang="en-US" dirty="0"/>
-              <a:t>8/29/18</a:t>
+              <a:t>9/5/18</a:t>
             </a:fld>
             <a:endParaRPr lang="en-US" dirty="0"/>
           </a:p>
@@ -9643,7 +9640,7 @@
           <a:p>
             <a:fld id="{48A87A34-81AB-432B-8DAE-1953F412C126}" type="datetimeFigureOut">
               <a:rPr lang="en-US" dirty="0"/>
-              <a:t>8/29/18</a:t>
+              <a:t>9/5/18</a:t>
             </a:fld>
             <a:endParaRPr lang="en-US" dirty="0"/>
           </a:p>
@@ -9756,7 +9753,7 @@
           <a:p>
             <a:fld id="{48A87A34-81AB-432B-8DAE-1953F412C126}" type="datetimeFigureOut">
               <a:rPr lang="en-US" dirty="0"/>
-              <a:t>8/29/18</a:t>
+              <a:t>9/5/18</a:t>
             </a:fld>
             <a:endParaRPr lang="en-US" dirty="0"/>
           </a:p>
@@ -9846,7 +9843,7 @@
           <a:p>
             <a:fld id="{48A87A34-81AB-432B-8DAE-1953F412C126}" type="datetimeFigureOut">
               <a:rPr lang="en-US" dirty="0"/>
-              <a:t>8/29/18</a:t>
+              <a:t>9/5/18</a:t>
             </a:fld>
             <a:endParaRPr lang="en-US" dirty="0"/>
           </a:p>
@@ -10090,7 +10087,7 @@
           <a:p>
             <a:fld id="{48A87A34-81AB-432B-8DAE-1953F412C126}" type="datetimeFigureOut">
               <a:rPr lang="en-US" dirty="0"/>
-              <a:t>8/29/18</a:t>
+              <a:t>9/5/18</a:t>
             </a:fld>
             <a:endParaRPr lang="en-US" dirty="0"/>
           </a:p>
@@ -10365,7 +10362,7 @@
           <a:p>
             <a:fld id="{48A87A34-81AB-432B-8DAE-1953F412C126}" type="datetimeFigureOut">
               <a:rPr lang="en-US" dirty="0"/>
-              <a:t>8/29/18</a:t>
+              <a:t>9/5/18</a:t>
             </a:fld>
             <a:endParaRPr lang="en-US" dirty="0"/>
           </a:p>
@@ -10483,7 +10480,7 @@
           <a:noFill/>
           <a:extLst>
             <a:ext uri="{909E8E84-426E-40dd-AFC4-6F175D3DCCD1}">
-              <a14:hiddenFill xmlns="" xmlns:a14="http://schemas.microsoft.com/office/drawing/2010/main">
+              <a14:hiddenFill xmlns:a14="http://schemas.microsoft.com/office/drawing/2010/main" xmlns="">
                 <a:solidFill>
                   <a:srgbClr val="FFFFFF"/>
                 </a:solidFill>
@@ -10557,7 +10554,7 @@
               </a:ln>
               <a:extLst>
                 <a:ext uri="{91240B29-F687-4f45-9708-019B960494DF}">
-                  <a14:hiddenLine xmlns="" xmlns:a14="http://schemas.microsoft.com/office/drawing/2010/main" w="9525">
+                  <a14:hiddenLine xmlns:a14="http://schemas.microsoft.com/office/drawing/2010/main" xmlns="" w="9525">
                     <a:solidFill>
                       <a:srgbClr val="000000"/>
                     </a:solidFill>
@@ -10647,7 +10644,7 @@
               </a:ln>
               <a:extLst>
                 <a:ext uri="{91240B29-F687-4f45-9708-019B960494DF}">
-                  <a14:hiddenLine xmlns="" xmlns:a14="http://schemas.microsoft.com/office/drawing/2010/main" w="9525">
+                  <a14:hiddenLine xmlns:a14="http://schemas.microsoft.com/office/drawing/2010/main" xmlns="" w="9525">
                     <a:solidFill>
                       <a:srgbClr val="000000"/>
                     </a:solidFill>
@@ -10737,7 +10734,7 @@
               </a:ln>
               <a:extLst>
                 <a:ext uri="{91240B29-F687-4f45-9708-019B960494DF}">
-                  <a14:hiddenLine xmlns="" xmlns:a14="http://schemas.microsoft.com/office/drawing/2010/main" w="9525">
+                  <a14:hiddenLine xmlns:a14="http://schemas.microsoft.com/office/drawing/2010/main" xmlns="" w="9525">
                     <a:solidFill>
                       <a:srgbClr val="000000"/>
                     </a:solidFill>
@@ -10799,7 +10796,7 @@
               </a:ln>
               <a:extLst>
                 <a:ext uri="{91240B29-F687-4f45-9708-019B960494DF}">
-                  <a14:hiddenLine xmlns="" xmlns:a14="http://schemas.microsoft.com/office/drawing/2010/main" w="9525">
+                  <a14:hiddenLine xmlns:a14="http://schemas.microsoft.com/office/drawing/2010/main" xmlns="" w="9525">
                     <a:solidFill>
                       <a:srgbClr val="000000"/>
                     </a:solidFill>
@@ -10889,7 +10886,7 @@
               </a:ln>
               <a:extLst>
                 <a:ext uri="{91240B29-F687-4f45-9708-019B960494DF}">
-                  <a14:hiddenLine xmlns="" xmlns:a14="http://schemas.microsoft.com/office/drawing/2010/main" w="9525">
+                  <a14:hiddenLine xmlns:a14="http://schemas.microsoft.com/office/drawing/2010/main" xmlns="" w="9525">
                     <a:solidFill>
                       <a:srgbClr val="000000"/>
                     </a:solidFill>
@@ -10951,7 +10948,7 @@
               </a:ln>
               <a:extLst>
                 <a:ext uri="{91240B29-F687-4f45-9708-019B960494DF}">
-                  <a14:hiddenLine xmlns="" xmlns:a14="http://schemas.microsoft.com/office/drawing/2010/main" w="9525">
+                  <a14:hiddenLine xmlns:a14="http://schemas.microsoft.com/office/drawing/2010/main" xmlns="" w="9525">
                     <a:solidFill>
                       <a:srgbClr val="000000"/>
                     </a:solidFill>
@@ -11013,7 +11010,7 @@
               </a:ln>
               <a:extLst>
                 <a:ext uri="{91240B29-F687-4f45-9708-019B960494DF}">
-                  <a14:hiddenLine xmlns="" xmlns:a14="http://schemas.microsoft.com/office/drawing/2010/main" w="9525">
+                  <a14:hiddenLine xmlns:a14="http://schemas.microsoft.com/office/drawing/2010/main" xmlns="" w="9525">
                     <a:solidFill>
                       <a:srgbClr val="000000"/>
                     </a:solidFill>
@@ -11103,7 +11100,7 @@
               </a:ln>
               <a:extLst>
                 <a:ext uri="{91240B29-F687-4f45-9708-019B960494DF}">
-                  <a14:hiddenLine xmlns="" xmlns:a14="http://schemas.microsoft.com/office/drawing/2010/main" w="9525">
+                  <a14:hiddenLine xmlns:a14="http://schemas.microsoft.com/office/drawing/2010/main" xmlns="" w="9525">
                     <a:solidFill>
                       <a:srgbClr val="000000"/>
                     </a:solidFill>
@@ -11193,7 +11190,7 @@
               </a:ln>
               <a:extLst>
                 <a:ext uri="{91240B29-F687-4f45-9708-019B960494DF}">
-                  <a14:hiddenLine xmlns="" xmlns:a14="http://schemas.microsoft.com/office/drawing/2010/main" w="9525">
+                  <a14:hiddenLine xmlns:a14="http://schemas.microsoft.com/office/drawing/2010/main" xmlns="" w="9525">
                     <a:solidFill>
                       <a:srgbClr val="000000"/>
                     </a:solidFill>
@@ -11255,7 +11252,7 @@
               </a:ln>
               <a:extLst>
                 <a:ext uri="{91240B29-F687-4f45-9708-019B960494DF}">
-                  <a14:hiddenLine xmlns="" xmlns:a14="http://schemas.microsoft.com/office/drawing/2010/main" w="9525">
+                  <a14:hiddenLine xmlns:a14="http://schemas.microsoft.com/office/drawing/2010/main" xmlns="" w="9525">
                     <a:solidFill>
                       <a:srgbClr val="000000"/>
                     </a:solidFill>
@@ -11365,7 +11362,7 @@
               </a:ln>
               <a:extLst>
                 <a:ext uri="{91240B29-F687-4f45-9708-019B960494DF}">
-                  <a14:hiddenLine xmlns="" xmlns:a14="http://schemas.microsoft.com/office/drawing/2010/main" w="9525">
+                  <a14:hiddenLine xmlns:a14="http://schemas.microsoft.com/office/drawing/2010/main" xmlns="" w="9525">
                     <a:solidFill>
                       <a:srgbClr val="000000"/>
                     </a:solidFill>
@@ -11449,7 +11446,7 @@
               </a:ln>
               <a:extLst>
                 <a:ext uri="{91240B29-F687-4f45-9708-019B960494DF}">
-                  <a14:hiddenLine xmlns="" xmlns:a14="http://schemas.microsoft.com/office/drawing/2010/main" w="9525">
+                  <a14:hiddenLine xmlns:a14="http://schemas.microsoft.com/office/drawing/2010/main" xmlns="" w="9525">
                     <a:solidFill>
                       <a:srgbClr val="000000"/>
                     </a:solidFill>
@@ -11511,7 +11508,7 @@
               </a:ln>
               <a:extLst>
                 <a:ext uri="{91240B29-F687-4f45-9708-019B960494DF}">
-                  <a14:hiddenLine xmlns="" xmlns:a14="http://schemas.microsoft.com/office/drawing/2010/main" w="9525">
+                  <a14:hiddenLine xmlns:a14="http://schemas.microsoft.com/office/drawing/2010/main" xmlns="" w="9525">
                     <a:solidFill>
                       <a:srgbClr val="000000"/>
                     </a:solidFill>
@@ -11573,7 +11570,7 @@
               </a:ln>
               <a:extLst>
                 <a:ext uri="{91240B29-F687-4f45-9708-019B960494DF}">
-                  <a14:hiddenLine xmlns="" xmlns:a14="http://schemas.microsoft.com/office/drawing/2010/main" w="9525">
+                  <a14:hiddenLine xmlns:a14="http://schemas.microsoft.com/office/drawing/2010/main" xmlns="" w="9525">
                     <a:solidFill>
                       <a:srgbClr val="000000"/>
                     </a:solidFill>
@@ -11663,7 +11660,7 @@
               </a:ln>
               <a:extLst>
                 <a:ext uri="{91240B29-F687-4f45-9708-019B960494DF}">
-                  <a14:hiddenLine xmlns="" xmlns:a14="http://schemas.microsoft.com/office/drawing/2010/main" w="9525">
+                  <a14:hiddenLine xmlns:a14="http://schemas.microsoft.com/office/drawing/2010/main" xmlns="" w="9525">
                     <a:solidFill>
                       <a:srgbClr val="000000"/>
                     </a:solidFill>
@@ -11697,7 +11694,7 @@
               </a:ln>
               <a:extLst>
                 <a:ext uri="{91240B29-F687-4f45-9708-019B960494DF}">
-                  <a14:hiddenLine xmlns="" xmlns:a14="http://schemas.microsoft.com/office/drawing/2010/main" w="9525">
+                  <a14:hiddenLine xmlns:a14="http://schemas.microsoft.com/office/drawing/2010/main" xmlns="" w="9525">
                     <a:solidFill>
                       <a:srgbClr val="000000"/>
                     </a:solidFill>
@@ -11762,7 +11759,7 @@
               </a:ln>
               <a:extLst>
                 <a:ext uri="{91240B29-F687-4f45-9708-019B960494DF}">
-                  <a14:hiddenLine xmlns="" xmlns:a14="http://schemas.microsoft.com/office/drawing/2010/main" w="9525">
+                  <a14:hiddenLine xmlns:a14="http://schemas.microsoft.com/office/drawing/2010/main" xmlns="" w="9525">
                     <a:solidFill>
                       <a:srgbClr val="000000"/>
                     </a:solidFill>
@@ -11852,7 +11849,7 @@
               </a:ln>
               <a:extLst>
                 <a:ext uri="{91240B29-F687-4f45-9708-019B960494DF}">
-                  <a14:hiddenLine xmlns="" xmlns:a14="http://schemas.microsoft.com/office/drawing/2010/main" w="9525">
+                  <a14:hiddenLine xmlns:a14="http://schemas.microsoft.com/office/drawing/2010/main" xmlns="" w="9525">
                     <a:solidFill>
                       <a:srgbClr val="000000"/>
                     </a:solidFill>
@@ -11914,7 +11911,7 @@
               </a:ln>
               <a:extLst>
                 <a:ext uri="{91240B29-F687-4f45-9708-019B960494DF}">
-                  <a14:hiddenLine xmlns="" xmlns:a14="http://schemas.microsoft.com/office/drawing/2010/main" w="9525">
+                  <a14:hiddenLine xmlns:a14="http://schemas.microsoft.com/office/drawing/2010/main" xmlns="" w="9525">
                     <a:solidFill>
                       <a:srgbClr val="000000"/>
                     </a:solidFill>
@@ -12004,7 +12001,7 @@
               </a:ln>
               <a:extLst>
                 <a:ext uri="{91240B29-F687-4f45-9708-019B960494DF}">
-                  <a14:hiddenLine xmlns="" xmlns:a14="http://schemas.microsoft.com/office/drawing/2010/main" w="9525">
+                  <a14:hiddenLine xmlns:a14="http://schemas.microsoft.com/office/drawing/2010/main" xmlns="" w="9525">
                     <a:solidFill>
                       <a:srgbClr val="000000"/>
                     </a:solidFill>
@@ -12069,7 +12066,7 @@
               </a:ln>
               <a:extLst>
                 <a:ext uri="{91240B29-F687-4f45-9708-019B960494DF}">
-                  <a14:hiddenLine xmlns="" xmlns:a14="http://schemas.microsoft.com/office/drawing/2010/main" w="9525">
+                  <a14:hiddenLine xmlns:a14="http://schemas.microsoft.com/office/drawing/2010/main" xmlns="" w="9525">
                     <a:solidFill>
                       <a:srgbClr val="000000"/>
                     </a:solidFill>
@@ -12131,7 +12128,7 @@
               </a:ln>
               <a:extLst>
                 <a:ext uri="{91240B29-F687-4f45-9708-019B960494DF}">
-                  <a14:hiddenLine xmlns="" xmlns:a14="http://schemas.microsoft.com/office/drawing/2010/main" w="9525">
+                  <a14:hiddenLine xmlns:a14="http://schemas.microsoft.com/office/drawing/2010/main" xmlns="" w="9525">
                     <a:solidFill>
                       <a:srgbClr val="000000"/>
                     </a:solidFill>
@@ -12221,7 +12218,7 @@
               </a:ln>
               <a:extLst>
                 <a:ext uri="{91240B29-F687-4f45-9708-019B960494DF}">
-                  <a14:hiddenLine xmlns="" xmlns:a14="http://schemas.microsoft.com/office/drawing/2010/main" w="9525">
+                  <a14:hiddenLine xmlns:a14="http://schemas.microsoft.com/office/drawing/2010/main" xmlns="" w="9525">
                     <a:solidFill>
                       <a:srgbClr val="000000"/>
                     </a:solidFill>
@@ -12311,7 +12308,7 @@
               </a:ln>
               <a:extLst>
                 <a:ext uri="{91240B29-F687-4f45-9708-019B960494DF}">
-                  <a14:hiddenLine xmlns="" xmlns:a14="http://schemas.microsoft.com/office/drawing/2010/main" w="9525">
+                  <a14:hiddenLine xmlns:a14="http://schemas.microsoft.com/office/drawing/2010/main" xmlns="" w="9525">
                     <a:solidFill>
                       <a:srgbClr val="000000"/>
                     </a:solidFill>
@@ -12376,7 +12373,7 @@
               </a:ln>
               <a:extLst>
                 <a:ext uri="{91240B29-F687-4f45-9708-019B960494DF}">
-                  <a14:hiddenLine xmlns="" xmlns:a14="http://schemas.microsoft.com/office/drawing/2010/main" w="9525">
+                  <a14:hiddenLine xmlns:a14="http://schemas.microsoft.com/office/drawing/2010/main" xmlns="" w="9525">
                     <a:solidFill>
                       <a:srgbClr val="000000"/>
                     </a:solidFill>
@@ -12496,7 +12493,7 @@
               </a:ln>
               <a:extLst>
                 <a:ext uri="{91240B29-F687-4f45-9708-019B960494DF}">
-                  <a14:hiddenLine xmlns="" xmlns:a14="http://schemas.microsoft.com/office/drawing/2010/main" w="9525">
+                  <a14:hiddenLine xmlns:a14="http://schemas.microsoft.com/office/drawing/2010/main" xmlns="" w="9525">
                     <a:solidFill>
                       <a:srgbClr val="000000"/>
                     </a:solidFill>
@@ -12577,7 +12574,7 @@
               </a:ln>
               <a:extLst>
                 <a:ext uri="{91240B29-F687-4f45-9708-019B960494DF}">
-                  <a14:hiddenLine xmlns="" xmlns:a14="http://schemas.microsoft.com/office/drawing/2010/main" w="9525">
+                  <a14:hiddenLine xmlns:a14="http://schemas.microsoft.com/office/drawing/2010/main" xmlns="" w="9525">
                     <a:solidFill>
                       <a:srgbClr val="000000"/>
                     </a:solidFill>
@@ -12692,7 +12689,7 @@
               </a:ln>
               <a:extLst>
                 <a:ext uri="{91240B29-F687-4f45-9708-019B960494DF}">
-                  <a14:hiddenLine xmlns="" xmlns:a14="http://schemas.microsoft.com/office/drawing/2010/main" w="9525">
+                  <a14:hiddenLine xmlns:a14="http://schemas.microsoft.com/office/drawing/2010/main" xmlns="" w="9525">
                     <a:solidFill>
                       <a:srgbClr val="000000"/>
                     </a:solidFill>
@@ -12782,7 +12779,7 @@
               </a:ln>
               <a:extLst>
                 <a:ext uri="{91240B29-F687-4f45-9708-019B960494DF}">
-                  <a14:hiddenLine xmlns="" xmlns:a14="http://schemas.microsoft.com/office/drawing/2010/main" w="9525">
+                  <a14:hiddenLine xmlns:a14="http://schemas.microsoft.com/office/drawing/2010/main" xmlns="" w="9525">
                     <a:solidFill>
                       <a:srgbClr val="000000"/>
                     </a:solidFill>
@@ -12847,7 +12844,7 @@
               </a:ln>
               <a:extLst>
                 <a:ext uri="{91240B29-F687-4f45-9708-019B960494DF}">
-                  <a14:hiddenLine xmlns="" xmlns:a14="http://schemas.microsoft.com/office/drawing/2010/main" w="9525">
+                  <a14:hiddenLine xmlns:a14="http://schemas.microsoft.com/office/drawing/2010/main" xmlns="" w="9525">
                     <a:solidFill>
                       <a:srgbClr val="000000"/>
                     </a:solidFill>
@@ -12937,7 +12934,7 @@
               </a:ln>
               <a:extLst>
                 <a:ext uri="{91240B29-F687-4f45-9708-019B960494DF}">
-                  <a14:hiddenLine xmlns="" xmlns:a14="http://schemas.microsoft.com/office/drawing/2010/main" w="9525">
+                  <a14:hiddenLine xmlns:a14="http://schemas.microsoft.com/office/drawing/2010/main" xmlns="" w="9525">
                     <a:solidFill>
                       <a:srgbClr val="000000"/>
                     </a:solidFill>
@@ -13005,7 +13002,7 @@
               </a:ln>
               <a:extLst>
                 <a:ext uri="{91240B29-F687-4f45-9708-019B960494DF}">
-                  <a14:hiddenLine xmlns="" xmlns:a14="http://schemas.microsoft.com/office/drawing/2010/main" w="9525">
+                  <a14:hiddenLine xmlns:a14="http://schemas.microsoft.com/office/drawing/2010/main" xmlns="" w="9525">
                     <a:solidFill>
                       <a:srgbClr val="000000"/>
                     </a:solidFill>
@@ -13095,7 +13092,7 @@
               </a:ln>
               <a:extLst>
                 <a:ext uri="{91240B29-F687-4f45-9708-019B960494DF}">
-                  <a14:hiddenLine xmlns="" xmlns:a14="http://schemas.microsoft.com/office/drawing/2010/main" w="9525">
+                  <a14:hiddenLine xmlns:a14="http://schemas.microsoft.com/office/drawing/2010/main" xmlns="" w="9525">
                     <a:solidFill>
                       <a:srgbClr val="000000"/>
                     </a:solidFill>
@@ -13163,7 +13160,7 @@
               </a:ln>
               <a:extLst>
                 <a:ext uri="{91240B29-F687-4f45-9708-019B960494DF}">
-                  <a14:hiddenLine xmlns="" xmlns:a14="http://schemas.microsoft.com/office/drawing/2010/main" w="9525">
+                  <a14:hiddenLine xmlns:a14="http://schemas.microsoft.com/office/drawing/2010/main" xmlns="" w="9525">
                     <a:solidFill>
                       <a:srgbClr val="000000"/>
                     </a:solidFill>
@@ -13253,7 +13250,7 @@
               </a:ln>
               <a:extLst>
                 <a:ext uri="{91240B29-F687-4f45-9708-019B960494DF}">
-                  <a14:hiddenLine xmlns="" xmlns:a14="http://schemas.microsoft.com/office/drawing/2010/main" w="9525">
+                  <a14:hiddenLine xmlns:a14="http://schemas.microsoft.com/office/drawing/2010/main" xmlns="" w="9525">
                     <a:solidFill>
                       <a:srgbClr val="000000"/>
                     </a:solidFill>
@@ -13287,7 +13284,7 @@
               </a:ln>
               <a:extLst>
                 <a:ext uri="{91240B29-F687-4f45-9708-019B960494DF}">
-                  <a14:hiddenLine xmlns="" xmlns:a14="http://schemas.microsoft.com/office/drawing/2010/main" w="9525">
+                  <a14:hiddenLine xmlns:a14="http://schemas.microsoft.com/office/drawing/2010/main" xmlns="" w="9525">
                     <a:solidFill>
                       <a:srgbClr val="000000"/>
                     </a:solidFill>
@@ -13428,7 +13425,7 @@
             <a:fld id="{48A87A34-81AB-432B-8DAE-1953F412C126}" type="datetimeFigureOut">
               <a:rPr lang="en-US" dirty="0"/>
               <a:pPr/>
-              <a:t>8/29/18</a:t>
+              <a:t>9/5/18</a:t>
             </a:fld>
             <a:endParaRPr lang="en-US" dirty="0"/>
           </a:p>
@@ -14082,6 +14079,154 @@
           <p:cNvPr id="2" name="Title 1">
             <a:extLst>
               <a:ext uri="{FF2B5EF4-FFF2-40B4-BE49-F238E27FC236}">
+                <a16:creationId xmlns:a16="http://schemas.microsoft.com/office/drawing/2014/main" id="{6B209C90-4EE4-9046-A996-1A0C52601073}"/>
+              </a:ext>
+            </a:extLst>
+          </p:cNvPr>
+          <p:cNvSpPr>
+            <a:spLocks noGrp="1"/>
+          </p:cNvSpPr>
+          <p:nvPr>
+            <p:ph type="title"/>
+          </p:nvPr>
+        </p:nvSpPr>
+        <p:spPr/>
+        <p:txBody>
+          <a:bodyPr/>
+          <a:lstStyle/>
+          <a:p>
+            <a:r>
+              <a:rPr lang="en-US" dirty="0"/>
+              <a:t>Common </a:t>
+            </a:r>
+            <a:r>
+              <a:rPr lang="en-US"/>
+              <a:t>Docker CLI Commands</a:t>
+            </a:r>
+            <a:endParaRPr lang="en-US" dirty="0"/>
+          </a:p>
+        </p:txBody>
+      </p:sp>
+      <p:sp>
+        <p:nvSpPr>
+          <p:cNvPr id="3" name="Content Placeholder 2">
+            <a:extLst>
+              <a:ext uri="{FF2B5EF4-FFF2-40B4-BE49-F238E27FC236}">
+                <a16:creationId xmlns:a16="http://schemas.microsoft.com/office/drawing/2014/main" id="{84407CF6-F2E9-504B-8EC2-EC3603BF3556}"/>
+              </a:ext>
+            </a:extLst>
+          </p:cNvPr>
+          <p:cNvSpPr>
+            <a:spLocks noGrp="1"/>
+          </p:cNvSpPr>
+          <p:nvPr>
+            <p:ph idx="1"/>
+          </p:nvPr>
+        </p:nvSpPr>
+        <p:spPr/>
+        <p:txBody>
+          <a:bodyPr/>
+          <a:lstStyle/>
+          <a:p>
+            <a:r>
+              <a:rPr lang="en-US" dirty="0"/>
+              <a:t>'docker build’ – Builds a Docker image.</a:t>
+            </a:r>
+          </a:p>
+          <a:p>
+            <a:r>
+              <a:rPr lang="en-US" dirty="0"/>
+              <a:t>‘docker run’ – Creates and starts a Docker container based on an image.</a:t>
+            </a:r>
+          </a:p>
+          <a:p>
+            <a:r>
+              <a:rPr lang="en-US" dirty="0"/>
+              <a:t>‘docker images’ – Shows Docker images on the local system.</a:t>
+            </a:r>
+          </a:p>
+          <a:p>
+            <a:r>
+              <a:rPr lang="en-US" dirty="0"/>
+              <a:t>‘docker </a:t>
+            </a:r>
+            <a:r>
+              <a:rPr lang="en-US" dirty="0" err="1"/>
+              <a:t>ps’</a:t>
+            </a:r>
+            <a:r>
+              <a:rPr lang="en-US" dirty="0"/>
+              <a:t> – Shows docker containers. (Only running by default.)</a:t>
+            </a:r>
+          </a:p>
+          <a:p>
+            <a:r>
+              <a:rPr lang="en-US" dirty="0"/>
+              <a:t>‘docker </a:t>
+            </a:r>
+            <a:r>
+              <a:rPr lang="en-US" dirty="0" err="1"/>
+              <a:t>rmi</a:t>
+            </a:r>
+            <a:r>
+              <a:rPr lang="en-US" dirty="0"/>
+              <a:t>’ – Removes Docker images from the local system.</a:t>
+            </a:r>
+          </a:p>
+          <a:p>
+            <a:r>
+              <a:rPr lang="en-US" dirty="0"/>
+              <a:t>‘docker </a:t>
+            </a:r>
+            <a:r>
+              <a:rPr lang="en-US" dirty="0" err="1"/>
+              <a:t>rm</a:t>
+            </a:r>
+            <a:r>
+              <a:rPr lang="en-US" dirty="0"/>
+              <a:t>’ – Removes Docker containers from the local system.</a:t>
+            </a:r>
+          </a:p>
+          <a:p>
+            <a:endParaRPr lang="en-US" dirty="0"/>
+          </a:p>
+        </p:txBody>
+      </p:sp>
+    </p:spTree>
+    <p:extLst>
+      <p:ext uri="{BB962C8B-B14F-4D97-AF65-F5344CB8AC3E}">
+        <p14:creationId xmlns:p14="http://schemas.microsoft.com/office/powerpoint/2010/main" val="362848762"/>
+      </p:ext>
+    </p:extLst>
+  </p:cSld>
+  <p:clrMapOvr>
+    <a:masterClrMapping/>
+  </p:clrMapOvr>
+</p:sld>
+</file>
+
+<file path=ppt/slides/slide12.xml><?xml version="1.0" encoding="utf-8"?>
+<p:sld xmlns:a="http://schemas.openxmlformats.org/drawingml/2006/main" xmlns:r="http://schemas.openxmlformats.org/officeDocument/2006/relationships" xmlns:p="http://schemas.openxmlformats.org/presentationml/2006/main">
+  <p:cSld>
+    <p:spTree>
+      <p:nvGrpSpPr>
+        <p:cNvPr id="1" name=""/>
+        <p:cNvGrpSpPr/>
+        <p:nvPr/>
+      </p:nvGrpSpPr>
+      <p:grpSpPr>
+        <a:xfrm>
+          <a:off x="0" y="0"/>
+          <a:ext cx="0" cy="0"/>
+          <a:chOff x="0" y="0"/>
+          <a:chExt cx="0" cy="0"/>
+        </a:xfrm>
+      </p:grpSpPr>
+      <p:sp>
+        <p:nvSpPr>
+          <p:cNvPr id="2" name="Title 1">
+            <a:extLst>
+              <a:ext uri="{FF2B5EF4-FFF2-40B4-BE49-F238E27FC236}">
                 <a16:creationId xmlns:a16="http://schemas.microsoft.com/office/drawing/2014/main" id="{4038BCA6-1157-0042-9727-8785B9F29275}"/>
               </a:ext>
             </a:extLst>
@@ -14353,7 +14498,7 @@
         </p:spPr>
         <p:txBody>
           <a:bodyPr>
-            <a:normAutofit fontScale="92500" lnSpcReduction="10000"/>
+            <a:normAutofit fontScale="92500" lnSpcReduction="20000"/>
           </a:bodyPr>
           <a:lstStyle/>
           <a:p>
@@ -14373,7 +14518,17 @@
             </a:r>
           </a:p>
           <a:p>
-            <a:endParaRPr lang="en-US" dirty="0"/>
+            <a:pPr lvl="1"/>
+            <a:r>
+              <a:rPr lang="en-US" dirty="0"/>
+              <a:t>The build context can be a local folder, a URL to a GitHub repository, or a URL to a zipped file.</a:t>
+            </a:r>
+          </a:p>
+          <a:p>
+            <a:r>
+              <a:rPr lang="en-US" dirty="0"/>
+              <a:t>Some examples:</a:t>
+            </a:r>
           </a:p>
           <a:p>
             <a:pPr marL="0" indent="0">
@@ -14395,17 +14550,6 @@
                 <a:latin typeface="Consolas" panose="020B0609020204030204" pitchFamily="49" charset="0"/>
               </a:rPr>
               <a:t>$ docker build .</a:t>
-            </a:r>
-          </a:p>
-          <a:p>
-            <a:pPr marL="0" indent="0">
-              <a:buNone/>
-            </a:pPr>
-            <a:r>
-              <a:rPr lang="en-US" dirty="0">
-                <a:latin typeface="Consolas" panose="020B0609020204030204" pitchFamily="49" charset="0"/>
-              </a:rPr>
-              <a:t>$ docker build -t MyImage:v1 .</a:t>
             </a:r>
           </a:p>
           <a:p>
@@ -14510,7 +14654,7 @@
         <p:spPr/>
         <p:txBody>
           <a:bodyPr>
-            <a:normAutofit fontScale="92500"/>
+            <a:normAutofit lnSpcReduction="10000"/>
           </a:bodyPr>
           <a:lstStyle/>
           <a:p>
@@ -14524,10 +14668,11 @@
             </a:r>
             <a:r>
               <a:rPr lang="en-US" dirty="0"/>
-              <a:t> to tell the daemon how to create an image.</a:t>
-            </a:r>
-          </a:p>
-          <a:p>
+              <a:t> to tell Docker how to create an image.</a:t>
+            </a:r>
+          </a:p>
+          <a:p>
+            <a:pPr lvl="1"/>
             <a:r>
               <a:rPr lang="en-US" dirty="0" err="1"/>
               <a:t>Dockerfile</a:t>
@@ -14538,6 +14683,7 @@
             </a:r>
           </a:p>
           <a:p>
+            <a:pPr lvl="1"/>
             <a:r>
               <a:rPr lang="en-US" dirty="0"/>
               <a:t>Cannot be empty.</a:t>
@@ -14698,7 +14844,7 @@
               <a:rPr lang="en-US" dirty="0">
                 <a:latin typeface="Consolas" panose="020B0609020204030204" pitchFamily="49" charset="0"/>
               </a:rPr>
-              <a:t>FROM ubuntu</a:t>
+              <a:t>FROM alpine</a:t>
             </a:r>
           </a:p>
           <a:p>
@@ -15083,7 +15229,7 @@
         </p:spPr>
         <p:txBody>
           <a:bodyPr>
-            <a:normAutofit fontScale="92500" lnSpcReduction="10000"/>
+            <a:normAutofit fontScale="92500" lnSpcReduction="20000"/>
           </a:bodyPr>
           <a:lstStyle/>
           <a:p>
@@ -15128,7 +15274,7 @@
               <a:rPr lang="en-US" sz="1800" dirty="0">
                 <a:latin typeface="Consolas" panose="020B0609020204030204" pitchFamily="49" charset="0"/>
               </a:rPr>
-              <a:t>COPY requirements.txt /docs</a:t>
+              <a:t>COPY requirements.txt /docs/</a:t>
             </a:r>
             <a:br>
               <a:rPr lang="en-US" sz="1800" dirty="0">
@@ -15297,7 +15443,18 @@
               <a:rPr lang="en-US" sz="1800" dirty="0">
                 <a:latin typeface="Consolas" panose="020B0609020204030204" pitchFamily="49" charset="0"/>
               </a:rPr>
-              <a:t>EXPOSE 80 2222   #2222 is for web-based SSH</a:t>
+              <a:t>EXPOSE 80 2222   # makes ports available on the container’s network</a:t>
+            </a:r>
+            <a:br>
+              <a:rPr lang="en-US" sz="1800" dirty="0">
+                <a:latin typeface="Consolas" panose="020B0609020204030204" pitchFamily="49" charset="0"/>
+              </a:rPr>
+            </a:br>
+            <a:r>
+              <a:rPr lang="en-US" sz="1800" dirty="0">
+                <a:latin typeface="Consolas" panose="020B0609020204030204" pitchFamily="49" charset="0"/>
+              </a:rPr>
+              <a:t>                 # 2222 is for web-based SSH</a:t>
             </a:r>
           </a:p>
           <a:p>
